--- a/Concepto API REST.pptx
+++ b/Concepto API REST.pptx
@@ -7,9 +7,11 @@
   <p:sldIdLst>
     <p:sldId id="256" r:id="rId2"/>
     <p:sldId id="257" r:id="rId3"/>
-    <p:sldId id="258" r:id="rId4"/>
-    <p:sldId id="259" r:id="rId5"/>
-    <p:sldId id="260" r:id="rId6"/>
+    <p:sldId id="261" r:id="rId4"/>
+    <p:sldId id="258" r:id="rId5"/>
+    <p:sldId id="263" r:id="rId6"/>
+    <p:sldId id="260" r:id="rId7"/>
+    <p:sldId id="262" r:id="rId8"/>
   </p:sldIdLst>
   <p:sldSz cx="12192000" cy="6858000"/>
   <p:notesSz cx="6858000" cy="9144000"/>
@@ -108,6 +110,11 @@
       </a:defRPr>
     </a:lvl9pPr>
   </p:defaultTextStyle>
+  <p:extLst>
+    <p:ext uri="{EFAFB233-063F-42B5-8137-9DF3F51BA10A}">
+      <p15:sldGuideLst xmlns:p15="http://schemas.microsoft.com/office/powerpoint/2012/main"/>
+    </p:ext>
+  </p:extLst>
 </p:presentation>
 </file>
 
@@ -337,7 +344,7 @@
           <a:p>
             <a:fld id="{C55BE0CB-692D-44C4-82FE-CECFCF2E7B4B}" type="datetimeFigureOut">
               <a:rPr lang="es-CL" smtClean="0"/>
-              <a:t>27-09-2023</a:t>
+              <a:t>28-09-2023</a:t>
             </a:fld>
             <a:endParaRPr lang="es-CL"/>
           </a:p>
@@ -545,7 +552,7 @@
           <a:p>
             <a:fld id="{C55BE0CB-692D-44C4-82FE-CECFCF2E7B4B}" type="datetimeFigureOut">
               <a:rPr lang="es-CL" smtClean="0"/>
-              <a:t>27-09-2023</a:t>
+              <a:t>28-09-2023</a:t>
             </a:fld>
             <a:endParaRPr lang="es-CL"/>
           </a:p>
@@ -801,7 +808,7 @@
           <a:p>
             <a:fld id="{C55BE0CB-692D-44C4-82FE-CECFCF2E7B4B}" type="datetimeFigureOut">
               <a:rPr lang="es-CL" smtClean="0"/>
-              <a:t>27-09-2023</a:t>
+              <a:t>28-09-2023</a:t>
             </a:fld>
             <a:endParaRPr lang="es-CL"/>
           </a:p>
@@ -975,7 +982,7 @@
           <a:p>
             <a:fld id="{C55BE0CB-692D-44C4-82FE-CECFCF2E7B4B}" type="datetimeFigureOut">
               <a:rPr lang="es-CL" smtClean="0"/>
-              <a:t>27-09-2023</a:t>
+              <a:t>28-09-2023</a:t>
             </a:fld>
             <a:endParaRPr lang="es-CL"/>
           </a:p>
@@ -1318,7 +1325,7 @@
           <a:p>
             <a:fld id="{C55BE0CB-692D-44C4-82FE-CECFCF2E7B4B}" type="datetimeFigureOut">
               <a:rPr lang="es-CL" smtClean="0"/>
-              <a:t>27-09-2023</a:t>
+              <a:t>28-09-2023</a:t>
             </a:fld>
             <a:endParaRPr lang="es-CL"/>
           </a:p>
@@ -1593,7 +1600,7 @@
           <a:p>
             <a:fld id="{C55BE0CB-692D-44C4-82FE-CECFCF2E7B4B}" type="datetimeFigureOut">
               <a:rPr lang="es-CL" smtClean="0"/>
-              <a:t>27-09-2023</a:t>
+              <a:t>28-09-2023</a:t>
             </a:fld>
             <a:endParaRPr lang="es-CL"/>
           </a:p>
@@ -1972,7 +1979,7 @@
           <a:p>
             <a:fld id="{C55BE0CB-692D-44C4-82FE-CECFCF2E7B4B}" type="datetimeFigureOut">
               <a:rPr lang="es-CL" smtClean="0"/>
-              <a:t>27-09-2023</a:t>
+              <a:t>28-09-2023</a:t>
             </a:fld>
             <a:endParaRPr lang="es-CL"/>
           </a:p>
@@ -2090,7 +2097,7 @@
           <a:p>
             <a:fld id="{C55BE0CB-692D-44C4-82FE-CECFCF2E7B4B}" type="datetimeFigureOut">
               <a:rPr lang="es-CL" smtClean="0"/>
-              <a:t>27-09-2023</a:t>
+              <a:t>28-09-2023</a:t>
             </a:fld>
             <a:endParaRPr lang="es-CL"/>
           </a:p>
@@ -2261,7 +2268,7 @@
           <a:p>
             <a:fld id="{C55BE0CB-692D-44C4-82FE-CECFCF2E7B4B}" type="datetimeFigureOut">
               <a:rPr lang="es-CL" smtClean="0"/>
-              <a:t>27-09-2023</a:t>
+              <a:t>28-09-2023</a:t>
             </a:fld>
             <a:endParaRPr lang="es-CL"/>
           </a:p>
@@ -2615,7 +2622,7 @@
           <a:p>
             <a:fld id="{C55BE0CB-692D-44C4-82FE-CECFCF2E7B4B}" type="datetimeFigureOut">
               <a:rPr lang="es-CL" smtClean="0"/>
-              <a:t>27-09-2023</a:t>
+              <a:t>28-09-2023</a:t>
             </a:fld>
             <a:endParaRPr lang="es-CL"/>
           </a:p>
@@ -2997,7 +3004,7 @@
           <a:p>
             <a:fld id="{C55BE0CB-692D-44C4-82FE-CECFCF2E7B4B}" type="datetimeFigureOut">
               <a:rPr lang="es-CL" smtClean="0"/>
-              <a:t>27-09-2023</a:t>
+              <a:t>28-09-2023</a:t>
             </a:fld>
             <a:endParaRPr lang="es-CL"/>
           </a:p>
@@ -3284,7 +3291,7 @@
           <a:p>
             <a:fld id="{C55BE0CB-692D-44C4-82FE-CECFCF2E7B4B}" type="datetimeFigureOut">
               <a:rPr lang="es-CL" smtClean="0"/>
-              <a:t>27-09-2023</a:t>
+              <a:t>28-09-2023</a:t>
             </a:fld>
             <a:endParaRPr lang="es-CL"/>
           </a:p>
@@ -3825,7 +3832,7 @@
           <a:p>
             <a:r>
               <a:rPr lang="es-ES" dirty="0" smtClean="0"/>
-              <a:t>Concepto API REST</a:t>
+              <a:t>Propuesta API REST CL</a:t>
             </a:r>
             <a:endParaRPr lang="es-CL" dirty="0"/>
           </a:p>
@@ -3960,10 +3967,3733 @@
   <p:clrMapOvr>
     <a:masterClrMapping/>
   </p:clrMapOvr>
+  <p:timing>
+    <p:tnLst>
+      <p:par>
+        <p:cTn id="1" dur="indefinite" restart="never" nodeType="tmRoot"/>
+      </p:par>
+    </p:tnLst>
+  </p:timing>
 </p:sld>
 </file>
 
 <file path=ppt/slides/slide3.xml><?xml version="1.0" encoding="utf-8"?>
+<p:sld xmlns:a="http://schemas.openxmlformats.org/drawingml/2006/main" xmlns:r="http://schemas.openxmlformats.org/officeDocument/2006/relationships" xmlns:p="http://schemas.openxmlformats.org/presentationml/2006/main">
+  <p:cSld>
+    <p:spTree>
+      <p:nvGrpSpPr>
+        <p:cNvPr id="1" name=""/>
+        <p:cNvGrpSpPr/>
+        <p:nvPr/>
+      </p:nvGrpSpPr>
+      <p:grpSpPr>
+        <a:xfrm>
+          <a:off x="0" y="0"/>
+          <a:ext cx="0" cy="0"/>
+          <a:chOff x="0" y="0"/>
+          <a:chExt cx="0" cy="0"/>
+        </a:xfrm>
+      </p:grpSpPr>
+      <p:pic>
+        <p:nvPicPr>
+          <p:cNvPr id="4" name="Marcador de contenido 3"/>
+          <p:cNvPicPr>
+            <a:picLocks noGrp="1" noChangeAspect="1"/>
+          </p:cNvPicPr>
+          <p:nvPr>
+            <p:ph idx="1"/>
+          </p:nvPr>
+        </p:nvPicPr>
+        <p:blipFill>
+          <a:blip r:embed="rId2"/>
+          <a:stretch>
+            <a:fillRect/>
+          </a:stretch>
+        </p:blipFill>
+        <p:spPr>
+          <a:xfrm>
+            <a:off x="4870938" y="2302251"/>
+            <a:ext cx="1771897" cy="2505425"/>
+          </a:xfrm>
+          <a:prstGeom prst="rect">
+            <a:avLst/>
+          </a:prstGeom>
+        </p:spPr>
+      </p:pic>
+      <p:pic>
+        <p:nvPicPr>
+          <p:cNvPr id="6" name="Imagen 5"/>
+          <p:cNvPicPr>
+            <a:picLocks noChangeAspect="1"/>
+          </p:cNvPicPr>
+          <p:nvPr/>
+        </p:nvPicPr>
+        <p:blipFill>
+          <a:blip r:embed="rId3"/>
+          <a:stretch>
+            <a:fillRect/>
+          </a:stretch>
+        </p:blipFill>
+        <p:spPr>
+          <a:xfrm>
+            <a:off x="1047403" y="2708393"/>
+            <a:ext cx="1421990" cy="1444561"/>
+          </a:xfrm>
+          <a:prstGeom prst="rect">
+            <a:avLst/>
+          </a:prstGeom>
+        </p:spPr>
+      </p:pic>
+      <p:sp>
+        <p:nvSpPr>
+          <p:cNvPr id="10" name="Marcador de contenido 2"/>
+          <p:cNvSpPr txBox="1">
+            <a:spLocks/>
+          </p:cNvSpPr>
+          <p:nvPr/>
+        </p:nvSpPr>
+        <p:spPr>
+          <a:xfrm>
+            <a:off x="1246908" y="1130839"/>
+            <a:ext cx="798022" cy="548331"/>
+          </a:xfrm>
+          <a:prstGeom prst="rect">
+            <a:avLst/>
+          </a:prstGeom>
+        </p:spPr>
+        <p:txBody>
+          <a:bodyPr vert="horz" lIns="0" tIns="45720" rIns="0" bIns="45720" rtlCol="0">
+            <a:normAutofit/>
+          </a:bodyPr>
+          <a:lstStyle>
+            <a:lvl1pPr marL="91440" indent="-91440" algn="l" defTabSz="914400" rtl="0" eaLnBrk="1" latinLnBrk="0" hangingPunct="1">
+              <a:lnSpc>
+                <a:spcPct val="90000"/>
+              </a:lnSpc>
+              <a:spcBef>
+                <a:spcPts val="1200"/>
+              </a:spcBef>
+              <a:spcAft>
+                <a:spcPts val="200"/>
+              </a:spcAft>
+              <a:buClr>
+                <a:schemeClr val="accent1"/>
+              </a:buClr>
+              <a:buSzPct val="100000"/>
+              <a:buFont typeface="Calibri" panose="020F0502020204030204" pitchFamily="34" charset="0"/>
+              <a:buChar char=" "/>
+              <a:defRPr sz="2000" kern="1200">
+                <a:solidFill>
+                  <a:schemeClr val="tx1">
+                    <a:lumMod val="75000"/>
+                    <a:lumOff val="25000"/>
+                  </a:schemeClr>
+                </a:solidFill>
+                <a:latin typeface="+mn-lt"/>
+                <a:ea typeface="+mn-ea"/>
+                <a:cs typeface="+mn-cs"/>
+              </a:defRPr>
+            </a:lvl1pPr>
+            <a:lvl2pPr marL="384048" indent="-182880" algn="l" defTabSz="914400" rtl="0" eaLnBrk="1" latinLnBrk="0" hangingPunct="1">
+              <a:lnSpc>
+                <a:spcPct val="90000"/>
+              </a:lnSpc>
+              <a:spcBef>
+                <a:spcPts val="200"/>
+              </a:spcBef>
+              <a:spcAft>
+                <a:spcPts val="400"/>
+              </a:spcAft>
+              <a:buClr>
+                <a:schemeClr val="accent1"/>
+              </a:buClr>
+              <a:buFont typeface="Calibri" pitchFamily="34" charset="0"/>
+              <a:buChar char="◦"/>
+              <a:defRPr sz="1800" kern="1200">
+                <a:solidFill>
+                  <a:schemeClr val="tx1">
+                    <a:lumMod val="75000"/>
+                    <a:lumOff val="25000"/>
+                  </a:schemeClr>
+                </a:solidFill>
+                <a:latin typeface="+mn-lt"/>
+                <a:ea typeface="+mn-ea"/>
+                <a:cs typeface="+mn-cs"/>
+              </a:defRPr>
+            </a:lvl2pPr>
+            <a:lvl3pPr marL="566928" indent="-182880" algn="l" defTabSz="914400" rtl="0" eaLnBrk="1" latinLnBrk="0" hangingPunct="1">
+              <a:lnSpc>
+                <a:spcPct val="90000"/>
+              </a:lnSpc>
+              <a:spcBef>
+                <a:spcPts val="200"/>
+              </a:spcBef>
+              <a:spcAft>
+                <a:spcPts val="400"/>
+              </a:spcAft>
+              <a:buClr>
+                <a:schemeClr val="accent1"/>
+              </a:buClr>
+              <a:buFont typeface="Calibri" pitchFamily="34" charset="0"/>
+              <a:buChar char="◦"/>
+              <a:defRPr sz="1400" kern="1200">
+                <a:solidFill>
+                  <a:schemeClr val="tx1">
+                    <a:lumMod val="75000"/>
+                    <a:lumOff val="25000"/>
+                  </a:schemeClr>
+                </a:solidFill>
+                <a:latin typeface="+mn-lt"/>
+                <a:ea typeface="+mn-ea"/>
+                <a:cs typeface="+mn-cs"/>
+              </a:defRPr>
+            </a:lvl3pPr>
+            <a:lvl4pPr marL="749808" indent="-182880" algn="l" defTabSz="914400" rtl="0" eaLnBrk="1" latinLnBrk="0" hangingPunct="1">
+              <a:lnSpc>
+                <a:spcPct val="90000"/>
+              </a:lnSpc>
+              <a:spcBef>
+                <a:spcPts val="200"/>
+              </a:spcBef>
+              <a:spcAft>
+                <a:spcPts val="400"/>
+              </a:spcAft>
+              <a:buClr>
+                <a:schemeClr val="accent1"/>
+              </a:buClr>
+              <a:buFont typeface="Calibri" pitchFamily="34" charset="0"/>
+              <a:buChar char="◦"/>
+              <a:defRPr sz="1400" kern="1200">
+                <a:solidFill>
+                  <a:schemeClr val="tx1">
+                    <a:lumMod val="75000"/>
+                    <a:lumOff val="25000"/>
+                  </a:schemeClr>
+                </a:solidFill>
+                <a:latin typeface="+mn-lt"/>
+                <a:ea typeface="+mn-ea"/>
+                <a:cs typeface="+mn-cs"/>
+              </a:defRPr>
+            </a:lvl4pPr>
+            <a:lvl5pPr marL="932688" indent="-182880" algn="l" defTabSz="914400" rtl="0" eaLnBrk="1" latinLnBrk="0" hangingPunct="1">
+              <a:lnSpc>
+                <a:spcPct val="90000"/>
+              </a:lnSpc>
+              <a:spcBef>
+                <a:spcPts val="200"/>
+              </a:spcBef>
+              <a:spcAft>
+                <a:spcPts val="400"/>
+              </a:spcAft>
+              <a:buClr>
+                <a:schemeClr val="accent1"/>
+              </a:buClr>
+              <a:buFont typeface="Calibri" pitchFamily="34" charset="0"/>
+              <a:buChar char="◦"/>
+              <a:defRPr sz="1400" kern="1200">
+                <a:solidFill>
+                  <a:schemeClr val="tx1">
+                    <a:lumMod val="75000"/>
+                    <a:lumOff val="25000"/>
+                  </a:schemeClr>
+                </a:solidFill>
+                <a:latin typeface="+mn-lt"/>
+                <a:ea typeface="+mn-ea"/>
+                <a:cs typeface="+mn-cs"/>
+              </a:defRPr>
+            </a:lvl5pPr>
+            <a:lvl6pPr marL="1100000" indent="-228600" algn="l" defTabSz="914400" rtl="0" eaLnBrk="1" latinLnBrk="0" hangingPunct="1">
+              <a:lnSpc>
+                <a:spcPct val="90000"/>
+              </a:lnSpc>
+              <a:spcBef>
+                <a:spcPts val="200"/>
+              </a:spcBef>
+              <a:spcAft>
+                <a:spcPts val="400"/>
+              </a:spcAft>
+              <a:buClr>
+                <a:schemeClr val="accent1"/>
+              </a:buClr>
+              <a:buFont typeface="Calibri" pitchFamily="34" charset="0"/>
+              <a:buChar char="◦"/>
+              <a:defRPr sz="1400" kern="1200">
+                <a:solidFill>
+                  <a:schemeClr val="tx1">
+                    <a:lumMod val="75000"/>
+                    <a:lumOff val="25000"/>
+                  </a:schemeClr>
+                </a:solidFill>
+                <a:latin typeface="+mn-lt"/>
+                <a:ea typeface="+mn-ea"/>
+                <a:cs typeface="+mn-cs"/>
+              </a:defRPr>
+            </a:lvl6pPr>
+            <a:lvl7pPr marL="1300000" indent="-228600" algn="l" defTabSz="914400" rtl="0" eaLnBrk="1" latinLnBrk="0" hangingPunct="1">
+              <a:lnSpc>
+                <a:spcPct val="90000"/>
+              </a:lnSpc>
+              <a:spcBef>
+                <a:spcPts val="200"/>
+              </a:spcBef>
+              <a:spcAft>
+                <a:spcPts val="400"/>
+              </a:spcAft>
+              <a:buClr>
+                <a:schemeClr val="accent1"/>
+              </a:buClr>
+              <a:buFont typeface="Calibri" pitchFamily="34" charset="0"/>
+              <a:buChar char="◦"/>
+              <a:defRPr sz="1400" kern="1200">
+                <a:solidFill>
+                  <a:schemeClr val="tx1">
+                    <a:lumMod val="75000"/>
+                    <a:lumOff val="25000"/>
+                  </a:schemeClr>
+                </a:solidFill>
+                <a:latin typeface="+mn-lt"/>
+                <a:ea typeface="+mn-ea"/>
+                <a:cs typeface="+mn-cs"/>
+              </a:defRPr>
+            </a:lvl7pPr>
+            <a:lvl8pPr marL="1500000" indent="-228600" algn="l" defTabSz="914400" rtl="0" eaLnBrk="1" latinLnBrk="0" hangingPunct="1">
+              <a:lnSpc>
+                <a:spcPct val="90000"/>
+              </a:lnSpc>
+              <a:spcBef>
+                <a:spcPts val="200"/>
+              </a:spcBef>
+              <a:spcAft>
+                <a:spcPts val="400"/>
+              </a:spcAft>
+              <a:buClr>
+                <a:schemeClr val="accent1"/>
+              </a:buClr>
+              <a:buFont typeface="Calibri" pitchFamily="34" charset="0"/>
+              <a:buChar char="◦"/>
+              <a:defRPr sz="1400" kern="1200">
+                <a:solidFill>
+                  <a:schemeClr val="tx1">
+                    <a:lumMod val="75000"/>
+                    <a:lumOff val="25000"/>
+                  </a:schemeClr>
+                </a:solidFill>
+                <a:latin typeface="+mn-lt"/>
+                <a:ea typeface="+mn-ea"/>
+                <a:cs typeface="+mn-cs"/>
+              </a:defRPr>
+            </a:lvl8pPr>
+            <a:lvl9pPr marL="1700000" indent="-228600" algn="l" defTabSz="914400" rtl="0" eaLnBrk="1" latinLnBrk="0" hangingPunct="1">
+              <a:lnSpc>
+                <a:spcPct val="90000"/>
+              </a:lnSpc>
+              <a:spcBef>
+                <a:spcPts val="200"/>
+              </a:spcBef>
+              <a:spcAft>
+                <a:spcPts val="400"/>
+              </a:spcAft>
+              <a:buClr>
+                <a:schemeClr val="accent1"/>
+              </a:buClr>
+              <a:buFont typeface="Calibri" pitchFamily="34" charset="0"/>
+              <a:buChar char="◦"/>
+              <a:defRPr sz="1400" kern="1200">
+                <a:solidFill>
+                  <a:schemeClr val="tx1">
+                    <a:lumMod val="75000"/>
+                    <a:lumOff val="25000"/>
+                  </a:schemeClr>
+                </a:solidFill>
+                <a:latin typeface="+mn-lt"/>
+                <a:ea typeface="+mn-ea"/>
+                <a:cs typeface="+mn-cs"/>
+              </a:defRPr>
+            </a:lvl9pPr>
+          </a:lstStyle>
+          <a:p>
+            <a:r>
+              <a:rPr lang="es-ES" sz="3200" dirty="0" smtClean="0"/>
+              <a:t>BD</a:t>
+            </a:r>
+            <a:endParaRPr lang="es-CL" sz="3200" dirty="0"/>
+          </a:p>
+        </p:txBody>
+      </p:sp>
+      <p:sp>
+        <p:nvSpPr>
+          <p:cNvPr id="11" name="Marcador de contenido 2"/>
+          <p:cNvSpPr txBox="1">
+            <a:spLocks/>
+          </p:cNvSpPr>
+          <p:nvPr/>
+        </p:nvSpPr>
+        <p:spPr>
+          <a:xfrm>
+            <a:off x="4815631" y="1125355"/>
+            <a:ext cx="1882510" cy="548331"/>
+          </a:xfrm>
+          <a:prstGeom prst="rect">
+            <a:avLst/>
+          </a:prstGeom>
+        </p:spPr>
+        <p:txBody>
+          <a:bodyPr vert="horz" lIns="0" tIns="45720" rIns="0" bIns="45720" rtlCol="0">
+            <a:normAutofit/>
+          </a:bodyPr>
+          <a:lstStyle>
+            <a:lvl1pPr marL="91440" indent="-91440" algn="l" defTabSz="914400" rtl="0" eaLnBrk="1" latinLnBrk="0" hangingPunct="1">
+              <a:lnSpc>
+                <a:spcPct val="90000"/>
+              </a:lnSpc>
+              <a:spcBef>
+                <a:spcPts val="1200"/>
+              </a:spcBef>
+              <a:spcAft>
+                <a:spcPts val="200"/>
+              </a:spcAft>
+              <a:buClr>
+                <a:schemeClr val="accent1"/>
+              </a:buClr>
+              <a:buSzPct val="100000"/>
+              <a:buFont typeface="Calibri" panose="020F0502020204030204" pitchFamily="34" charset="0"/>
+              <a:buChar char=" "/>
+              <a:defRPr sz="2000" kern="1200">
+                <a:solidFill>
+                  <a:schemeClr val="tx1">
+                    <a:lumMod val="75000"/>
+                    <a:lumOff val="25000"/>
+                  </a:schemeClr>
+                </a:solidFill>
+                <a:latin typeface="+mn-lt"/>
+                <a:ea typeface="+mn-ea"/>
+                <a:cs typeface="+mn-cs"/>
+              </a:defRPr>
+            </a:lvl1pPr>
+            <a:lvl2pPr marL="384048" indent="-182880" algn="l" defTabSz="914400" rtl="0" eaLnBrk="1" latinLnBrk="0" hangingPunct="1">
+              <a:lnSpc>
+                <a:spcPct val="90000"/>
+              </a:lnSpc>
+              <a:spcBef>
+                <a:spcPts val="200"/>
+              </a:spcBef>
+              <a:spcAft>
+                <a:spcPts val="400"/>
+              </a:spcAft>
+              <a:buClr>
+                <a:schemeClr val="accent1"/>
+              </a:buClr>
+              <a:buFont typeface="Calibri" pitchFamily="34" charset="0"/>
+              <a:buChar char="◦"/>
+              <a:defRPr sz="1800" kern="1200">
+                <a:solidFill>
+                  <a:schemeClr val="tx1">
+                    <a:lumMod val="75000"/>
+                    <a:lumOff val="25000"/>
+                  </a:schemeClr>
+                </a:solidFill>
+                <a:latin typeface="+mn-lt"/>
+                <a:ea typeface="+mn-ea"/>
+                <a:cs typeface="+mn-cs"/>
+              </a:defRPr>
+            </a:lvl2pPr>
+            <a:lvl3pPr marL="566928" indent="-182880" algn="l" defTabSz="914400" rtl="0" eaLnBrk="1" latinLnBrk="0" hangingPunct="1">
+              <a:lnSpc>
+                <a:spcPct val="90000"/>
+              </a:lnSpc>
+              <a:spcBef>
+                <a:spcPts val="200"/>
+              </a:spcBef>
+              <a:spcAft>
+                <a:spcPts val="400"/>
+              </a:spcAft>
+              <a:buClr>
+                <a:schemeClr val="accent1"/>
+              </a:buClr>
+              <a:buFont typeface="Calibri" pitchFamily="34" charset="0"/>
+              <a:buChar char="◦"/>
+              <a:defRPr sz="1400" kern="1200">
+                <a:solidFill>
+                  <a:schemeClr val="tx1">
+                    <a:lumMod val="75000"/>
+                    <a:lumOff val="25000"/>
+                  </a:schemeClr>
+                </a:solidFill>
+                <a:latin typeface="+mn-lt"/>
+                <a:ea typeface="+mn-ea"/>
+                <a:cs typeface="+mn-cs"/>
+              </a:defRPr>
+            </a:lvl3pPr>
+            <a:lvl4pPr marL="749808" indent="-182880" algn="l" defTabSz="914400" rtl="0" eaLnBrk="1" latinLnBrk="0" hangingPunct="1">
+              <a:lnSpc>
+                <a:spcPct val="90000"/>
+              </a:lnSpc>
+              <a:spcBef>
+                <a:spcPts val="200"/>
+              </a:spcBef>
+              <a:spcAft>
+                <a:spcPts val="400"/>
+              </a:spcAft>
+              <a:buClr>
+                <a:schemeClr val="accent1"/>
+              </a:buClr>
+              <a:buFont typeface="Calibri" pitchFamily="34" charset="0"/>
+              <a:buChar char="◦"/>
+              <a:defRPr sz="1400" kern="1200">
+                <a:solidFill>
+                  <a:schemeClr val="tx1">
+                    <a:lumMod val="75000"/>
+                    <a:lumOff val="25000"/>
+                  </a:schemeClr>
+                </a:solidFill>
+                <a:latin typeface="+mn-lt"/>
+                <a:ea typeface="+mn-ea"/>
+                <a:cs typeface="+mn-cs"/>
+              </a:defRPr>
+            </a:lvl4pPr>
+            <a:lvl5pPr marL="932688" indent="-182880" algn="l" defTabSz="914400" rtl="0" eaLnBrk="1" latinLnBrk="0" hangingPunct="1">
+              <a:lnSpc>
+                <a:spcPct val="90000"/>
+              </a:lnSpc>
+              <a:spcBef>
+                <a:spcPts val="200"/>
+              </a:spcBef>
+              <a:spcAft>
+                <a:spcPts val="400"/>
+              </a:spcAft>
+              <a:buClr>
+                <a:schemeClr val="accent1"/>
+              </a:buClr>
+              <a:buFont typeface="Calibri" pitchFamily="34" charset="0"/>
+              <a:buChar char="◦"/>
+              <a:defRPr sz="1400" kern="1200">
+                <a:solidFill>
+                  <a:schemeClr val="tx1">
+                    <a:lumMod val="75000"/>
+                    <a:lumOff val="25000"/>
+                  </a:schemeClr>
+                </a:solidFill>
+                <a:latin typeface="+mn-lt"/>
+                <a:ea typeface="+mn-ea"/>
+                <a:cs typeface="+mn-cs"/>
+              </a:defRPr>
+            </a:lvl5pPr>
+            <a:lvl6pPr marL="1100000" indent="-228600" algn="l" defTabSz="914400" rtl="0" eaLnBrk="1" latinLnBrk="0" hangingPunct="1">
+              <a:lnSpc>
+                <a:spcPct val="90000"/>
+              </a:lnSpc>
+              <a:spcBef>
+                <a:spcPts val="200"/>
+              </a:spcBef>
+              <a:spcAft>
+                <a:spcPts val="400"/>
+              </a:spcAft>
+              <a:buClr>
+                <a:schemeClr val="accent1"/>
+              </a:buClr>
+              <a:buFont typeface="Calibri" pitchFamily="34" charset="0"/>
+              <a:buChar char="◦"/>
+              <a:defRPr sz="1400" kern="1200">
+                <a:solidFill>
+                  <a:schemeClr val="tx1">
+                    <a:lumMod val="75000"/>
+                    <a:lumOff val="25000"/>
+                  </a:schemeClr>
+                </a:solidFill>
+                <a:latin typeface="+mn-lt"/>
+                <a:ea typeface="+mn-ea"/>
+                <a:cs typeface="+mn-cs"/>
+              </a:defRPr>
+            </a:lvl6pPr>
+            <a:lvl7pPr marL="1300000" indent="-228600" algn="l" defTabSz="914400" rtl="0" eaLnBrk="1" latinLnBrk="0" hangingPunct="1">
+              <a:lnSpc>
+                <a:spcPct val="90000"/>
+              </a:lnSpc>
+              <a:spcBef>
+                <a:spcPts val="200"/>
+              </a:spcBef>
+              <a:spcAft>
+                <a:spcPts val="400"/>
+              </a:spcAft>
+              <a:buClr>
+                <a:schemeClr val="accent1"/>
+              </a:buClr>
+              <a:buFont typeface="Calibri" pitchFamily="34" charset="0"/>
+              <a:buChar char="◦"/>
+              <a:defRPr sz="1400" kern="1200">
+                <a:solidFill>
+                  <a:schemeClr val="tx1">
+                    <a:lumMod val="75000"/>
+                    <a:lumOff val="25000"/>
+                  </a:schemeClr>
+                </a:solidFill>
+                <a:latin typeface="+mn-lt"/>
+                <a:ea typeface="+mn-ea"/>
+                <a:cs typeface="+mn-cs"/>
+              </a:defRPr>
+            </a:lvl7pPr>
+            <a:lvl8pPr marL="1500000" indent="-228600" algn="l" defTabSz="914400" rtl="0" eaLnBrk="1" latinLnBrk="0" hangingPunct="1">
+              <a:lnSpc>
+                <a:spcPct val="90000"/>
+              </a:lnSpc>
+              <a:spcBef>
+                <a:spcPts val="200"/>
+              </a:spcBef>
+              <a:spcAft>
+                <a:spcPts val="400"/>
+              </a:spcAft>
+              <a:buClr>
+                <a:schemeClr val="accent1"/>
+              </a:buClr>
+              <a:buFont typeface="Calibri" pitchFamily="34" charset="0"/>
+              <a:buChar char="◦"/>
+              <a:defRPr sz="1400" kern="1200">
+                <a:solidFill>
+                  <a:schemeClr val="tx1">
+                    <a:lumMod val="75000"/>
+                    <a:lumOff val="25000"/>
+                  </a:schemeClr>
+                </a:solidFill>
+                <a:latin typeface="+mn-lt"/>
+                <a:ea typeface="+mn-ea"/>
+                <a:cs typeface="+mn-cs"/>
+              </a:defRPr>
+            </a:lvl8pPr>
+            <a:lvl9pPr marL="1700000" indent="-228600" algn="l" defTabSz="914400" rtl="0" eaLnBrk="1" latinLnBrk="0" hangingPunct="1">
+              <a:lnSpc>
+                <a:spcPct val="90000"/>
+              </a:lnSpc>
+              <a:spcBef>
+                <a:spcPts val="200"/>
+              </a:spcBef>
+              <a:spcAft>
+                <a:spcPts val="400"/>
+              </a:spcAft>
+              <a:buClr>
+                <a:schemeClr val="accent1"/>
+              </a:buClr>
+              <a:buFont typeface="Calibri" pitchFamily="34" charset="0"/>
+              <a:buChar char="◦"/>
+              <a:defRPr sz="1400" kern="1200">
+                <a:solidFill>
+                  <a:schemeClr val="tx1">
+                    <a:lumMod val="75000"/>
+                    <a:lumOff val="25000"/>
+                  </a:schemeClr>
+                </a:solidFill>
+                <a:latin typeface="+mn-lt"/>
+                <a:ea typeface="+mn-ea"/>
+                <a:cs typeface="+mn-cs"/>
+              </a:defRPr>
+            </a:lvl9pPr>
+          </a:lstStyle>
+          <a:p>
+            <a:r>
+              <a:rPr lang="es-ES" sz="3200" dirty="0" smtClean="0"/>
+              <a:t>BACK END</a:t>
+            </a:r>
+            <a:endParaRPr lang="es-CL" sz="3200" dirty="0"/>
+          </a:p>
+        </p:txBody>
+      </p:sp>
+      <p:sp>
+        <p:nvSpPr>
+          <p:cNvPr id="15" name="Marcador de contenido 2"/>
+          <p:cNvSpPr txBox="1">
+            <a:spLocks/>
+          </p:cNvSpPr>
+          <p:nvPr/>
+        </p:nvSpPr>
+        <p:spPr>
+          <a:xfrm>
+            <a:off x="7767712" y="1125355"/>
+            <a:ext cx="2415377" cy="548331"/>
+          </a:xfrm>
+          <a:prstGeom prst="rect">
+            <a:avLst/>
+          </a:prstGeom>
+        </p:spPr>
+        <p:txBody>
+          <a:bodyPr vert="horz" lIns="0" tIns="45720" rIns="0" bIns="45720" rtlCol="0">
+            <a:normAutofit/>
+          </a:bodyPr>
+          <a:lstStyle>
+            <a:lvl1pPr marL="91440" indent="-91440" algn="l" defTabSz="914400" rtl="0" eaLnBrk="1" latinLnBrk="0" hangingPunct="1">
+              <a:lnSpc>
+                <a:spcPct val="90000"/>
+              </a:lnSpc>
+              <a:spcBef>
+                <a:spcPts val="1200"/>
+              </a:spcBef>
+              <a:spcAft>
+                <a:spcPts val="200"/>
+              </a:spcAft>
+              <a:buClr>
+                <a:schemeClr val="accent1"/>
+              </a:buClr>
+              <a:buSzPct val="100000"/>
+              <a:buFont typeface="Calibri" panose="020F0502020204030204" pitchFamily="34" charset="0"/>
+              <a:buChar char=" "/>
+              <a:defRPr sz="2000" kern="1200">
+                <a:solidFill>
+                  <a:schemeClr val="tx1">
+                    <a:lumMod val="75000"/>
+                    <a:lumOff val="25000"/>
+                  </a:schemeClr>
+                </a:solidFill>
+                <a:latin typeface="+mn-lt"/>
+                <a:ea typeface="+mn-ea"/>
+                <a:cs typeface="+mn-cs"/>
+              </a:defRPr>
+            </a:lvl1pPr>
+            <a:lvl2pPr marL="384048" indent="-182880" algn="l" defTabSz="914400" rtl="0" eaLnBrk="1" latinLnBrk="0" hangingPunct="1">
+              <a:lnSpc>
+                <a:spcPct val="90000"/>
+              </a:lnSpc>
+              <a:spcBef>
+                <a:spcPts val="200"/>
+              </a:spcBef>
+              <a:spcAft>
+                <a:spcPts val="400"/>
+              </a:spcAft>
+              <a:buClr>
+                <a:schemeClr val="accent1"/>
+              </a:buClr>
+              <a:buFont typeface="Calibri" pitchFamily="34" charset="0"/>
+              <a:buChar char="◦"/>
+              <a:defRPr sz="1800" kern="1200">
+                <a:solidFill>
+                  <a:schemeClr val="tx1">
+                    <a:lumMod val="75000"/>
+                    <a:lumOff val="25000"/>
+                  </a:schemeClr>
+                </a:solidFill>
+                <a:latin typeface="+mn-lt"/>
+                <a:ea typeface="+mn-ea"/>
+                <a:cs typeface="+mn-cs"/>
+              </a:defRPr>
+            </a:lvl2pPr>
+            <a:lvl3pPr marL="566928" indent="-182880" algn="l" defTabSz="914400" rtl="0" eaLnBrk="1" latinLnBrk="0" hangingPunct="1">
+              <a:lnSpc>
+                <a:spcPct val="90000"/>
+              </a:lnSpc>
+              <a:spcBef>
+                <a:spcPts val="200"/>
+              </a:spcBef>
+              <a:spcAft>
+                <a:spcPts val="400"/>
+              </a:spcAft>
+              <a:buClr>
+                <a:schemeClr val="accent1"/>
+              </a:buClr>
+              <a:buFont typeface="Calibri" pitchFamily="34" charset="0"/>
+              <a:buChar char="◦"/>
+              <a:defRPr sz="1400" kern="1200">
+                <a:solidFill>
+                  <a:schemeClr val="tx1">
+                    <a:lumMod val="75000"/>
+                    <a:lumOff val="25000"/>
+                  </a:schemeClr>
+                </a:solidFill>
+                <a:latin typeface="+mn-lt"/>
+                <a:ea typeface="+mn-ea"/>
+                <a:cs typeface="+mn-cs"/>
+              </a:defRPr>
+            </a:lvl3pPr>
+            <a:lvl4pPr marL="749808" indent="-182880" algn="l" defTabSz="914400" rtl="0" eaLnBrk="1" latinLnBrk="0" hangingPunct="1">
+              <a:lnSpc>
+                <a:spcPct val="90000"/>
+              </a:lnSpc>
+              <a:spcBef>
+                <a:spcPts val="200"/>
+              </a:spcBef>
+              <a:spcAft>
+                <a:spcPts val="400"/>
+              </a:spcAft>
+              <a:buClr>
+                <a:schemeClr val="accent1"/>
+              </a:buClr>
+              <a:buFont typeface="Calibri" pitchFamily="34" charset="0"/>
+              <a:buChar char="◦"/>
+              <a:defRPr sz="1400" kern="1200">
+                <a:solidFill>
+                  <a:schemeClr val="tx1">
+                    <a:lumMod val="75000"/>
+                    <a:lumOff val="25000"/>
+                  </a:schemeClr>
+                </a:solidFill>
+                <a:latin typeface="+mn-lt"/>
+                <a:ea typeface="+mn-ea"/>
+                <a:cs typeface="+mn-cs"/>
+              </a:defRPr>
+            </a:lvl4pPr>
+            <a:lvl5pPr marL="932688" indent="-182880" algn="l" defTabSz="914400" rtl="0" eaLnBrk="1" latinLnBrk="0" hangingPunct="1">
+              <a:lnSpc>
+                <a:spcPct val="90000"/>
+              </a:lnSpc>
+              <a:spcBef>
+                <a:spcPts val="200"/>
+              </a:spcBef>
+              <a:spcAft>
+                <a:spcPts val="400"/>
+              </a:spcAft>
+              <a:buClr>
+                <a:schemeClr val="accent1"/>
+              </a:buClr>
+              <a:buFont typeface="Calibri" pitchFamily="34" charset="0"/>
+              <a:buChar char="◦"/>
+              <a:defRPr sz="1400" kern="1200">
+                <a:solidFill>
+                  <a:schemeClr val="tx1">
+                    <a:lumMod val="75000"/>
+                    <a:lumOff val="25000"/>
+                  </a:schemeClr>
+                </a:solidFill>
+                <a:latin typeface="+mn-lt"/>
+                <a:ea typeface="+mn-ea"/>
+                <a:cs typeface="+mn-cs"/>
+              </a:defRPr>
+            </a:lvl5pPr>
+            <a:lvl6pPr marL="1100000" indent="-228600" algn="l" defTabSz="914400" rtl="0" eaLnBrk="1" latinLnBrk="0" hangingPunct="1">
+              <a:lnSpc>
+                <a:spcPct val="90000"/>
+              </a:lnSpc>
+              <a:spcBef>
+                <a:spcPts val="200"/>
+              </a:spcBef>
+              <a:spcAft>
+                <a:spcPts val="400"/>
+              </a:spcAft>
+              <a:buClr>
+                <a:schemeClr val="accent1"/>
+              </a:buClr>
+              <a:buFont typeface="Calibri" pitchFamily="34" charset="0"/>
+              <a:buChar char="◦"/>
+              <a:defRPr sz="1400" kern="1200">
+                <a:solidFill>
+                  <a:schemeClr val="tx1">
+                    <a:lumMod val="75000"/>
+                    <a:lumOff val="25000"/>
+                  </a:schemeClr>
+                </a:solidFill>
+                <a:latin typeface="+mn-lt"/>
+                <a:ea typeface="+mn-ea"/>
+                <a:cs typeface="+mn-cs"/>
+              </a:defRPr>
+            </a:lvl6pPr>
+            <a:lvl7pPr marL="1300000" indent="-228600" algn="l" defTabSz="914400" rtl="0" eaLnBrk="1" latinLnBrk="0" hangingPunct="1">
+              <a:lnSpc>
+                <a:spcPct val="90000"/>
+              </a:lnSpc>
+              <a:spcBef>
+                <a:spcPts val="200"/>
+              </a:spcBef>
+              <a:spcAft>
+                <a:spcPts val="400"/>
+              </a:spcAft>
+              <a:buClr>
+                <a:schemeClr val="accent1"/>
+              </a:buClr>
+              <a:buFont typeface="Calibri" pitchFamily="34" charset="0"/>
+              <a:buChar char="◦"/>
+              <a:defRPr sz="1400" kern="1200">
+                <a:solidFill>
+                  <a:schemeClr val="tx1">
+                    <a:lumMod val="75000"/>
+                    <a:lumOff val="25000"/>
+                  </a:schemeClr>
+                </a:solidFill>
+                <a:latin typeface="+mn-lt"/>
+                <a:ea typeface="+mn-ea"/>
+                <a:cs typeface="+mn-cs"/>
+              </a:defRPr>
+            </a:lvl7pPr>
+            <a:lvl8pPr marL="1500000" indent="-228600" algn="l" defTabSz="914400" rtl="0" eaLnBrk="1" latinLnBrk="0" hangingPunct="1">
+              <a:lnSpc>
+                <a:spcPct val="90000"/>
+              </a:lnSpc>
+              <a:spcBef>
+                <a:spcPts val="200"/>
+              </a:spcBef>
+              <a:spcAft>
+                <a:spcPts val="400"/>
+              </a:spcAft>
+              <a:buClr>
+                <a:schemeClr val="accent1"/>
+              </a:buClr>
+              <a:buFont typeface="Calibri" pitchFamily="34" charset="0"/>
+              <a:buChar char="◦"/>
+              <a:defRPr sz="1400" kern="1200">
+                <a:solidFill>
+                  <a:schemeClr val="tx1">
+                    <a:lumMod val="75000"/>
+                    <a:lumOff val="25000"/>
+                  </a:schemeClr>
+                </a:solidFill>
+                <a:latin typeface="+mn-lt"/>
+                <a:ea typeface="+mn-ea"/>
+                <a:cs typeface="+mn-cs"/>
+              </a:defRPr>
+            </a:lvl8pPr>
+            <a:lvl9pPr marL="1700000" indent="-228600" algn="l" defTabSz="914400" rtl="0" eaLnBrk="1" latinLnBrk="0" hangingPunct="1">
+              <a:lnSpc>
+                <a:spcPct val="90000"/>
+              </a:lnSpc>
+              <a:spcBef>
+                <a:spcPts val="200"/>
+              </a:spcBef>
+              <a:spcAft>
+                <a:spcPts val="400"/>
+              </a:spcAft>
+              <a:buClr>
+                <a:schemeClr val="accent1"/>
+              </a:buClr>
+              <a:buFont typeface="Calibri" pitchFamily="34" charset="0"/>
+              <a:buChar char="◦"/>
+              <a:defRPr sz="1400" kern="1200">
+                <a:solidFill>
+                  <a:schemeClr val="tx1">
+                    <a:lumMod val="75000"/>
+                    <a:lumOff val="25000"/>
+                  </a:schemeClr>
+                </a:solidFill>
+                <a:latin typeface="+mn-lt"/>
+                <a:ea typeface="+mn-ea"/>
+                <a:cs typeface="+mn-cs"/>
+              </a:defRPr>
+            </a:lvl9pPr>
+          </a:lstStyle>
+          <a:p>
+            <a:r>
+              <a:rPr lang="es-ES" sz="3200" dirty="0" smtClean="0"/>
+              <a:t>FRONT END</a:t>
+            </a:r>
+            <a:endParaRPr lang="es-CL" sz="3200" dirty="0"/>
+          </a:p>
+        </p:txBody>
+      </p:sp>
+      <p:grpSp>
+        <p:nvGrpSpPr>
+          <p:cNvPr id="54" name="Grupo 53"/>
+          <p:cNvGrpSpPr/>
+          <p:nvPr/>
+        </p:nvGrpSpPr>
+        <p:grpSpPr>
+          <a:xfrm>
+            <a:off x="8458732" y="1778816"/>
+            <a:ext cx="2223122" cy="3552294"/>
+            <a:chOff x="8508609" y="2452147"/>
+            <a:chExt cx="2223122" cy="3552294"/>
+          </a:xfrm>
+        </p:grpSpPr>
+        <p:pic>
+          <p:nvPicPr>
+            <p:cNvPr id="20" name="Picture 2" descr="sitio web "/>
+            <p:cNvPicPr>
+              <a:picLocks noChangeAspect="1" noChangeArrowheads="1"/>
+            </p:cNvPicPr>
+            <p:nvPr/>
+          </p:nvPicPr>
+          <p:blipFill>
+            <a:blip r:embed="rId4">
+              <a:extLst>
+                <a:ext uri="{28A0092B-C50C-407E-A947-70E740481C1C}">
+                  <a14:useLocalDpi xmlns:a14="http://schemas.microsoft.com/office/drawing/2010/main" val="0"/>
+                </a:ext>
+              </a:extLst>
+            </a:blip>
+            <a:srcRect/>
+            <a:stretch>
+              <a:fillRect/>
+            </a:stretch>
+          </p:blipFill>
+          <p:spPr bwMode="auto">
+            <a:xfrm>
+              <a:off x="8508609" y="5196463"/>
+              <a:ext cx="938301" cy="807978"/>
+            </a:xfrm>
+            <a:prstGeom prst="rect">
+              <a:avLst/>
+            </a:prstGeom>
+            <a:noFill/>
+            <a:extLst>
+              <a:ext uri="{909E8E84-426E-40DD-AFC4-6F175D3DCCD1}">
+                <a14:hiddenFill xmlns:a14="http://schemas.microsoft.com/office/drawing/2010/main">
+                  <a:solidFill>
+                    <a:srgbClr val="FFFFFF"/>
+                  </a:solidFill>
+                </a14:hiddenFill>
+              </a:ext>
+            </a:extLst>
+          </p:spPr>
+        </p:pic>
+        <p:grpSp>
+          <p:nvGrpSpPr>
+            <p:cNvPr id="7" name="Grupo 6"/>
+            <p:cNvGrpSpPr/>
+            <p:nvPr/>
+          </p:nvGrpSpPr>
+          <p:grpSpPr>
+            <a:xfrm>
+              <a:off x="8508609" y="2452147"/>
+              <a:ext cx="2223122" cy="3323102"/>
+              <a:chOff x="8451674" y="2347017"/>
+              <a:chExt cx="2203988" cy="3825891"/>
+            </a:xfrm>
+          </p:grpSpPr>
+          <p:pic>
+            <p:nvPicPr>
+              <p:cNvPr id="9" name="Picture 2" descr="sitio web "/>
+              <p:cNvPicPr>
+                <a:picLocks noChangeAspect="1" noChangeArrowheads="1"/>
+              </p:cNvPicPr>
+              <p:nvPr/>
+            </p:nvPicPr>
+            <p:blipFill>
+              <a:blip r:embed="rId4">
+                <a:extLst>
+                  <a:ext uri="{28A0092B-C50C-407E-A947-70E740481C1C}">
+                    <a14:useLocalDpi xmlns:a14="http://schemas.microsoft.com/office/drawing/2010/main" val="0"/>
+                  </a:ext>
+                </a:extLst>
+              </a:blip>
+              <a:srcRect/>
+              <a:stretch>
+                <a:fillRect/>
+              </a:stretch>
+            </p:blipFill>
+            <p:spPr bwMode="auto">
+              <a:xfrm>
+                <a:off x="8451676" y="4207469"/>
+                <a:ext cx="930225" cy="930226"/>
+              </a:xfrm>
+              <a:prstGeom prst="rect">
+                <a:avLst/>
+              </a:prstGeom>
+              <a:noFill/>
+              <a:extLst>
+                <a:ext uri="{909E8E84-426E-40DD-AFC4-6F175D3DCCD1}">
+                  <a14:hiddenFill xmlns:a14="http://schemas.microsoft.com/office/drawing/2010/main">
+                    <a:solidFill>
+                      <a:srgbClr val="FFFFFF"/>
+                    </a:solidFill>
+                  </a14:hiddenFill>
+                </a:ext>
+              </a:extLst>
+            </p:spPr>
+          </p:pic>
+          <p:pic>
+            <p:nvPicPr>
+              <p:cNvPr id="12" name="Picture 2" descr="sitio web "/>
+              <p:cNvPicPr>
+                <a:picLocks noChangeAspect="1" noChangeArrowheads="1"/>
+              </p:cNvPicPr>
+              <p:nvPr/>
+            </p:nvPicPr>
+            <p:blipFill>
+              <a:blip r:embed="rId4">
+                <a:extLst>
+                  <a:ext uri="{28A0092B-C50C-407E-A947-70E740481C1C}">
+                    <a14:useLocalDpi xmlns:a14="http://schemas.microsoft.com/office/drawing/2010/main" val="0"/>
+                  </a:ext>
+                </a:extLst>
+              </a:blip>
+              <a:srcRect/>
+              <a:stretch>
+                <a:fillRect/>
+              </a:stretch>
+            </p:blipFill>
+            <p:spPr bwMode="auto">
+              <a:xfrm>
+                <a:off x="8451674" y="3277243"/>
+                <a:ext cx="930225" cy="930226"/>
+              </a:xfrm>
+              <a:prstGeom prst="rect">
+                <a:avLst/>
+              </a:prstGeom>
+              <a:noFill/>
+              <a:extLst>
+                <a:ext uri="{909E8E84-426E-40DD-AFC4-6F175D3DCCD1}">
+                  <a14:hiddenFill xmlns:a14="http://schemas.microsoft.com/office/drawing/2010/main">
+                    <a:solidFill>
+                      <a:srgbClr val="FFFFFF"/>
+                    </a:solidFill>
+                  </a14:hiddenFill>
+                </a:ext>
+              </a:extLst>
+            </p:spPr>
+          </p:pic>
+          <p:pic>
+            <p:nvPicPr>
+              <p:cNvPr id="13" name="Picture 2" descr="sitio web "/>
+              <p:cNvPicPr>
+                <a:picLocks noChangeAspect="1" noChangeArrowheads="1"/>
+              </p:cNvPicPr>
+              <p:nvPr/>
+            </p:nvPicPr>
+            <p:blipFill>
+              <a:blip r:embed="rId4">
+                <a:extLst>
+                  <a:ext uri="{28A0092B-C50C-407E-A947-70E740481C1C}">
+                    <a14:useLocalDpi xmlns:a14="http://schemas.microsoft.com/office/drawing/2010/main" val="0"/>
+                  </a:ext>
+                </a:extLst>
+              </a:blip>
+              <a:srcRect/>
+              <a:stretch>
+                <a:fillRect/>
+              </a:stretch>
+            </p:blipFill>
+            <p:spPr bwMode="auto">
+              <a:xfrm>
+                <a:off x="8451674" y="2347017"/>
+                <a:ext cx="930225" cy="930226"/>
+              </a:xfrm>
+              <a:prstGeom prst="rect">
+                <a:avLst/>
+              </a:prstGeom>
+              <a:noFill/>
+              <a:extLst>
+                <a:ext uri="{909E8E84-426E-40DD-AFC4-6F175D3DCCD1}">
+                  <a14:hiddenFill xmlns:a14="http://schemas.microsoft.com/office/drawing/2010/main">
+                    <a:solidFill>
+                      <a:srgbClr val="FFFFFF"/>
+                    </a:solidFill>
+                  </a14:hiddenFill>
+                </a:ext>
+              </a:extLst>
+            </p:spPr>
+          </p:pic>
+          <p:sp>
+            <p:nvSpPr>
+              <p:cNvPr id="16" name="Marcador de contenido 2"/>
+              <p:cNvSpPr txBox="1">
+                <a:spLocks/>
+              </p:cNvSpPr>
+              <p:nvPr/>
+            </p:nvSpPr>
+            <p:spPr>
+              <a:xfrm>
+                <a:off x="9381899" y="2684145"/>
+                <a:ext cx="1273763" cy="406142"/>
+              </a:xfrm>
+              <a:prstGeom prst="rect">
+                <a:avLst/>
+              </a:prstGeom>
+            </p:spPr>
+            <p:txBody>
+              <a:bodyPr vert="horz" lIns="0" tIns="45720" rIns="0" bIns="45720" rtlCol="0">
+                <a:normAutofit fontScale="70000" lnSpcReduction="20000"/>
+              </a:bodyPr>
+              <a:lstStyle>
+                <a:lvl1pPr marL="91440" indent="-91440" algn="l" defTabSz="914400" rtl="0" eaLnBrk="1" latinLnBrk="0" hangingPunct="1">
+                  <a:lnSpc>
+                    <a:spcPct val="90000"/>
+                  </a:lnSpc>
+                  <a:spcBef>
+                    <a:spcPts val="1200"/>
+                  </a:spcBef>
+                  <a:spcAft>
+                    <a:spcPts val="200"/>
+                  </a:spcAft>
+                  <a:buClr>
+                    <a:schemeClr val="accent1"/>
+                  </a:buClr>
+                  <a:buSzPct val="100000"/>
+                  <a:buFont typeface="Calibri" panose="020F0502020204030204" pitchFamily="34" charset="0"/>
+                  <a:buChar char=" "/>
+                  <a:defRPr sz="2000" kern="1200">
+                    <a:solidFill>
+                      <a:schemeClr val="tx1">
+                        <a:lumMod val="75000"/>
+                        <a:lumOff val="25000"/>
+                      </a:schemeClr>
+                    </a:solidFill>
+                    <a:latin typeface="+mn-lt"/>
+                    <a:ea typeface="+mn-ea"/>
+                    <a:cs typeface="+mn-cs"/>
+                  </a:defRPr>
+                </a:lvl1pPr>
+                <a:lvl2pPr marL="384048" indent="-182880" algn="l" defTabSz="914400" rtl="0" eaLnBrk="1" latinLnBrk="0" hangingPunct="1">
+                  <a:lnSpc>
+                    <a:spcPct val="90000"/>
+                  </a:lnSpc>
+                  <a:spcBef>
+                    <a:spcPts val="200"/>
+                  </a:spcBef>
+                  <a:spcAft>
+                    <a:spcPts val="400"/>
+                  </a:spcAft>
+                  <a:buClr>
+                    <a:schemeClr val="accent1"/>
+                  </a:buClr>
+                  <a:buFont typeface="Calibri" pitchFamily="34" charset="0"/>
+                  <a:buChar char="◦"/>
+                  <a:defRPr sz="1800" kern="1200">
+                    <a:solidFill>
+                      <a:schemeClr val="tx1">
+                        <a:lumMod val="75000"/>
+                        <a:lumOff val="25000"/>
+                      </a:schemeClr>
+                    </a:solidFill>
+                    <a:latin typeface="+mn-lt"/>
+                    <a:ea typeface="+mn-ea"/>
+                    <a:cs typeface="+mn-cs"/>
+                  </a:defRPr>
+                </a:lvl2pPr>
+                <a:lvl3pPr marL="566928" indent="-182880" algn="l" defTabSz="914400" rtl="0" eaLnBrk="1" latinLnBrk="0" hangingPunct="1">
+                  <a:lnSpc>
+                    <a:spcPct val="90000"/>
+                  </a:lnSpc>
+                  <a:spcBef>
+                    <a:spcPts val="200"/>
+                  </a:spcBef>
+                  <a:spcAft>
+                    <a:spcPts val="400"/>
+                  </a:spcAft>
+                  <a:buClr>
+                    <a:schemeClr val="accent1"/>
+                  </a:buClr>
+                  <a:buFont typeface="Calibri" pitchFamily="34" charset="0"/>
+                  <a:buChar char="◦"/>
+                  <a:defRPr sz="1400" kern="1200">
+                    <a:solidFill>
+                      <a:schemeClr val="tx1">
+                        <a:lumMod val="75000"/>
+                        <a:lumOff val="25000"/>
+                      </a:schemeClr>
+                    </a:solidFill>
+                    <a:latin typeface="+mn-lt"/>
+                    <a:ea typeface="+mn-ea"/>
+                    <a:cs typeface="+mn-cs"/>
+                  </a:defRPr>
+                </a:lvl3pPr>
+                <a:lvl4pPr marL="749808" indent="-182880" algn="l" defTabSz="914400" rtl="0" eaLnBrk="1" latinLnBrk="0" hangingPunct="1">
+                  <a:lnSpc>
+                    <a:spcPct val="90000"/>
+                  </a:lnSpc>
+                  <a:spcBef>
+                    <a:spcPts val="200"/>
+                  </a:spcBef>
+                  <a:spcAft>
+                    <a:spcPts val="400"/>
+                  </a:spcAft>
+                  <a:buClr>
+                    <a:schemeClr val="accent1"/>
+                  </a:buClr>
+                  <a:buFont typeface="Calibri" pitchFamily="34" charset="0"/>
+                  <a:buChar char="◦"/>
+                  <a:defRPr sz="1400" kern="1200">
+                    <a:solidFill>
+                      <a:schemeClr val="tx1">
+                        <a:lumMod val="75000"/>
+                        <a:lumOff val="25000"/>
+                      </a:schemeClr>
+                    </a:solidFill>
+                    <a:latin typeface="+mn-lt"/>
+                    <a:ea typeface="+mn-ea"/>
+                    <a:cs typeface="+mn-cs"/>
+                  </a:defRPr>
+                </a:lvl4pPr>
+                <a:lvl5pPr marL="932688" indent="-182880" algn="l" defTabSz="914400" rtl="0" eaLnBrk="1" latinLnBrk="0" hangingPunct="1">
+                  <a:lnSpc>
+                    <a:spcPct val="90000"/>
+                  </a:lnSpc>
+                  <a:spcBef>
+                    <a:spcPts val="200"/>
+                  </a:spcBef>
+                  <a:spcAft>
+                    <a:spcPts val="400"/>
+                  </a:spcAft>
+                  <a:buClr>
+                    <a:schemeClr val="accent1"/>
+                  </a:buClr>
+                  <a:buFont typeface="Calibri" pitchFamily="34" charset="0"/>
+                  <a:buChar char="◦"/>
+                  <a:defRPr sz="1400" kern="1200">
+                    <a:solidFill>
+                      <a:schemeClr val="tx1">
+                        <a:lumMod val="75000"/>
+                        <a:lumOff val="25000"/>
+                      </a:schemeClr>
+                    </a:solidFill>
+                    <a:latin typeface="+mn-lt"/>
+                    <a:ea typeface="+mn-ea"/>
+                    <a:cs typeface="+mn-cs"/>
+                  </a:defRPr>
+                </a:lvl5pPr>
+                <a:lvl6pPr marL="1100000" indent="-228600" algn="l" defTabSz="914400" rtl="0" eaLnBrk="1" latinLnBrk="0" hangingPunct="1">
+                  <a:lnSpc>
+                    <a:spcPct val="90000"/>
+                  </a:lnSpc>
+                  <a:spcBef>
+                    <a:spcPts val="200"/>
+                  </a:spcBef>
+                  <a:spcAft>
+                    <a:spcPts val="400"/>
+                  </a:spcAft>
+                  <a:buClr>
+                    <a:schemeClr val="accent1"/>
+                  </a:buClr>
+                  <a:buFont typeface="Calibri" pitchFamily="34" charset="0"/>
+                  <a:buChar char="◦"/>
+                  <a:defRPr sz="1400" kern="1200">
+                    <a:solidFill>
+                      <a:schemeClr val="tx1">
+                        <a:lumMod val="75000"/>
+                        <a:lumOff val="25000"/>
+                      </a:schemeClr>
+                    </a:solidFill>
+                    <a:latin typeface="+mn-lt"/>
+                    <a:ea typeface="+mn-ea"/>
+                    <a:cs typeface="+mn-cs"/>
+                  </a:defRPr>
+                </a:lvl6pPr>
+                <a:lvl7pPr marL="1300000" indent="-228600" algn="l" defTabSz="914400" rtl="0" eaLnBrk="1" latinLnBrk="0" hangingPunct="1">
+                  <a:lnSpc>
+                    <a:spcPct val="90000"/>
+                  </a:lnSpc>
+                  <a:spcBef>
+                    <a:spcPts val="200"/>
+                  </a:spcBef>
+                  <a:spcAft>
+                    <a:spcPts val="400"/>
+                  </a:spcAft>
+                  <a:buClr>
+                    <a:schemeClr val="accent1"/>
+                  </a:buClr>
+                  <a:buFont typeface="Calibri" pitchFamily="34" charset="0"/>
+                  <a:buChar char="◦"/>
+                  <a:defRPr sz="1400" kern="1200">
+                    <a:solidFill>
+                      <a:schemeClr val="tx1">
+                        <a:lumMod val="75000"/>
+                        <a:lumOff val="25000"/>
+                      </a:schemeClr>
+                    </a:solidFill>
+                    <a:latin typeface="+mn-lt"/>
+                    <a:ea typeface="+mn-ea"/>
+                    <a:cs typeface="+mn-cs"/>
+                  </a:defRPr>
+                </a:lvl7pPr>
+                <a:lvl8pPr marL="1500000" indent="-228600" algn="l" defTabSz="914400" rtl="0" eaLnBrk="1" latinLnBrk="0" hangingPunct="1">
+                  <a:lnSpc>
+                    <a:spcPct val="90000"/>
+                  </a:lnSpc>
+                  <a:spcBef>
+                    <a:spcPts val="200"/>
+                  </a:spcBef>
+                  <a:spcAft>
+                    <a:spcPts val="400"/>
+                  </a:spcAft>
+                  <a:buClr>
+                    <a:schemeClr val="accent1"/>
+                  </a:buClr>
+                  <a:buFont typeface="Calibri" pitchFamily="34" charset="0"/>
+                  <a:buChar char="◦"/>
+                  <a:defRPr sz="1400" kern="1200">
+                    <a:solidFill>
+                      <a:schemeClr val="tx1">
+                        <a:lumMod val="75000"/>
+                        <a:lumOff val="25000"/>
+                      </a:schemeClr>
+                    </a:solidFill>
+                    <a:latin typeface="+mn-lt"/>
+                    <a:ea typeface="+mn-ea"/>
+                    <a:cs typeface="+mn-cs"/>
+                  </a:defRPr>
+                </a:lvl8pPr>
+                <a:lvl9pPr marL="1700000" indent="-228600" algn="l" defTabSz="914400" rtl="0" eaLnBrk="1" latinLnBrk="0" hangingPunct="1">
+                  <a:lnSpc>
+                    <a:spcPct val="90000"/>
+                  </a:lnSpc>
+                  <a:spcBef>
+                    <a:spcPts val="200"/>
+                  </a:spcBef>
+                  <a:spcAft>
+                    <a:spcPts val="400"/>
+                  </a:spcAft>
+                  <a:buClr>
+                    <a:schemeClr val="accent1"/>
+                  </a:buClr>
+                  <a:buFont typeface="Calibri" pitchFamily="34" charset="0"/>
+                  <a:buChar char="◦"/>
+                  <a:defRPr sz="1400" kern="1200">
+                    <a:solidFill>
+                      <a:schemeClr val="tx1">
+                        <a:lumMod val="75000"/>
+                        <a:lumOff val="25000"/>
+                      </a:schemeClr>
+                    </a:solidFill>
+                    <a:latin typeface="+mn-lt"/>
+                    <a:ea typeface="+mn-ea"/>
+                    <a:cs typeface="+mn-cs"/>
+                  </a:defRPr>
+                </a:lvl9pPr>
+              </a:lstStyle>
+              <a:p>
+                <a:r>
+                  <a:rPr lang="es-ES" sz="3200" dirty="0" smtClean="0"/>
+                  <a:t>Modulo 1</a:t>
+                </a:r>
+                <a:endParaRPr lang="es-CL" sz="3200" dirty="0"/>
+              </a:p>
+            </p:txBody>
+          </p:sp>
+          <p:sp>
+            <p:nvSpPr>
+              <p:cNvPr id="17" name="Marcador de contenido 2"/>
+              <p:cNvSpPr txBox="1">
+                <a:spLocks/>
+              </p:cNvSpPr>
+              <p:nvPr/>
+            </p:nvSpPr>
+            <p:spPr>
+              <a:xfrm>
+                <a:off x="9381899" y="3577455"/>
+                <a:ext cx="1273763" cy="406142"/>
+              </a:xfrm>
+              <a:prstGeom prst="rect">
+                <a:avLst/>
+              </a:prstGeom>
+            </p:spPr>
+            <p:txBody>
+              <a:bodyPr vert="horz" lIns="0" tIns="45720" rIns="0" bIns="45720" rtlCol="0">
+                <a:normAutofit fontScale="70000" lnSpcReduction="20000"/>
+              </a:bodyPr>
+              <a:lstStyle>
+                <a:lvl1pPr marL="91440" indent="-91440" algn="l" defTabSz="914400" rtl="0" eaLnBrk="1" latinLnBrk="0" hangingPunct="1">
+                  <a:lnSpc>
+                    <a:spcPct val="90000"/>
+                  </a:lnSpc>
+                  <a:spcBef>
+                    <a:spcPts val="1200"/>
+                  </a:spcBef>
+                  <a:spcAft>
+                    <a:spcPts val="200"/>
+                  </a:spcAft>
+                  <a:buClr>
+                    <a:schemeClr val="accent1"/>
+                  </a:buClr>
+                  <a:buSzPct val="100000"/>
+                  <a:buFont typeface="Calibri" panose="020F0502020204030204" pitchFamily="34" charset="0"/>
+                  <a:buChar char=" "/>
+                  <a:defRPr sz="2000" kern="1200">
+                    <a:solidFill>
+                      <a:schemeClr val="tx1">
+                        <a:lumMod val="75000"/>
+                        <a:lumOff val="25000"/>
+                      </a:schemeClr>
+                    </a:solidFill>
+                    <a:latin typeface="+mn-lt"/>
+                    <a:ea typeface="+mn-ea"/>
+                    <a:cs typeface="+mn-cs"/>
+                  </a:defRPr>
+                </a:lvl1pPr>
+                <a:lvl2pPr marL="384048" indent="-182880" algn="l" defTabSz="914400" rtl="0" eaLnBrk="1" latinLnBrk="0" hangingPunct="1">
+                  <a:lnSpc>
+                    <a:spcPct val="90000"/>
+                  </a:lnSpc>
+                  <a:spcBef>
+                    <a:spcPts val="200"/>
+                  </a:spcBef>
+                  <a:spcAft>
+                    <a:spcPts val="400"/>
+                  </a:spcAft>
+                  <a:buClr>
+                    <a:schemeClr val="accent1"/>
+                  </a:buClr>
+                  <a:buFont typeface="Calibri" pitchFamily="34" charset="0"/>
+                  <a:buChar char="◦"/>
+                  <a:defRPr sz="1800" kern="1200">
+                    <a:solidFill>
+                      <a:schemeClr val="tx1">
+                        <a:lumMod val="75000"/>
+                        <a:lumOff val="25000"/>
+                      </a:schemeClr>
+                    </a:solidFill>
+                    <a:latin typeface="+mn-lt"/>
+                    <a:ea typeface="+mn-ea"/>
+                    <a:cs typeface="+mn-cs"/>
+                  </a:defRPr>
+                </a:lvl2pPr>
+                <a:lvl3pPr marL="566928" indent="-182880" algn="l" defTabSz="914400" rtl="0" eaLnBrk="1" latinLnBrk="0" hangingPunct="1">
+                  <a:lnSpc>
+                    <a:spcPct val="90000"/>
+                  </a:lnSpc>
+                  <a:spcBef>
+                    <a:spcPts val="200"/>
+                  </a:spcBef>
+                  <a:spcAft>
+                    <a:spcPts val="400"/>
+                  </a:spcAft>
+                  <a:buClr>
+                    <a:schemeClr val="accent1"/>
+                  </a:buClr>
+                  <a:buFont typeface="Calibri" pitchFamily="34" charset="0"/>
+                  <a:buChar char="◦"/>
+                  <a:defRPr sz="1400" kern="1200">
+                    <a:solidFill>
+                      <a:schemeClr val="tx1">
+                        <a:lumMod val="75000"/>
+                        <a:lumOff val="25000"/>
+                      </a:schemeClr>
+                    </a:solidFill>
+                    <a:latin typeface="+mn-lt"/>
+                    <a:ea typeface="+mn-ea"/>
+                    <a:cs typeface="+mn-cs"/>
+                  </a:defRPr>
+                </a:lvl3pPr>
+                <a:lvl4pPr marL="749808" indent="-182880" algn="l" defTabSz="914400" rtl="0" eaLnBrk="1" latinLnBrk="0" hangingPunct="1">
+                  <a:lnSpc>
+                    <a:spcPct val="90000"/>
+                  </a:lnSpc>
+                  <a:spcBef>
+                    <a:spcPts val="200"/>
+                  </a:spcBef>
+                  <a:spcAft>
+                    <a:spcPts val="400"/>
+                  </a:spcAft>
+                  <a:buClr>
+                    <a:schemeClr val="accent1"/>
+                  </a:buClr>
+                  <a:buFont typeface="Calibri" pitchFamily="34" charset="0"/>
+                  <a:buChar char="◦"/>
+                  <a:defRPr sz="1400" kern="1200">
+                    <a:solidFill>
+                      <a:schemeClr val="tx1">
+                        <a:lumMod val="75000"/>
+                        <a:lumOff val="25000"/>
+                      </a:schemeClr>
+                    </a:solidFill>
+                    <a:latin typeface="+mn-lt"/>
+                    <a:ea typeface="+mn-ea"/>
+                    <a:cs typeface="+mn-cs"/>
+                  </a:defRPr>
+                </a:lvl4pPr>
+                <a:lvl5pPr marL="932688" indent="-182880" algn="l" defTabSz="914400" rtl="0" eaLnBrk="1" latinLnBrk="0" hangingPunct="1">
+                  <a:lnSpc>
+                    <a:spcPct val="90000"/>
+                  </a:lnSpc>
+                  <a:spcBef>
+                    <a:spcPts val="200"/>
+                  </a:spcBef>
+                  <a:spcAft>
+                    <a:spcPts val="400"/>
+                  </a:spcAft>
+                  <a:buClr>
+                    <a:schemeClr val="accent1"/>
+                  </a:buClr>
+                  <a:buFont typeface="Calibri" pitchFamily="34" charset="0"/>
+                  <a:buChar char="◦"/>
+                  <a:defRPr sz="1400" kern="1200">
+                    <a:solidFill>
+                      <a:schemeClr val="tx1">
+                        <a:lumMod val="75000"/>
+                        <a:lumOff val="25000"/>
+                      </a:schemeClr>
+                    </a:solidFill>
+                    <a:latin typeface="+mn-lt"/>
+                    <a:ea typeface="+mn-ea"/>
+                    <a:cs typeface="+mn-cs"/>
+                  </a:defRPr>
+                </a:lvl5pPr>
+                <a:lvl6pPr marL="1100000" indent="-228600" algn="l" defTabSz="914400" rtl="0" eaLnBrk="1" latinLnBrk="0" hangingPunct="1">
+                  <a:lnSpc>
+                    <a:spcPct val="90000"/>
+                  </a:lnSpc>
+                  <a:spcBef>
+                    <a:spcPts val="200"/>
+                  </a:spcBef>
+                  <a:spcAft>
+                    <a:spcPts val="400"/>
+                  </a:spcAft>
+                  <a:buClr>
+                    <a:schemeClr val="accent1"/>
+                  </a:buClr>
+                  <a:buFont typeface="Calibri" pitchFamily="34" charset="0"/>
+                  <a:buChar char="◦"/>
+                  <a:defRPr sz="1400" kern="1200">
+                    <a:solidFill>
+                      <a:schemeClr val="tx1">
+                        <a:lumMod val="75000"/>
+                        <a:lumOff val="25000"/>
+                      </a:schemeClr>
+                    </a:solidFill>
+                    <a:latin typeface="+mn-lt"/>
+                    <a:ea typeface="+mn-ea"/>
+                    <a:cs typeface="+mn-cs"/>
+                  </a:defRPr>
+                </a:lvl6pPr>
+                <a:lvl7pPr marL="1300000" indent="-228600" algn="l" defTabSz="914400" rtl="0" eaLnBrk="1" latinLnBrk="0" hangingPunct="1">
+                  <a:lnSpc>
+                    <a:spcPct val="90000"/>
+                  </a:lnSpc>
+                  <a:spcBef>
+                    <a:spcPts val="200"/>
+                  </a:spcBef>
+                  <a:spcAft>
+                    <a:spcPts val="400"/>
+                  </a:spcAft>
+                  <a:buClr>
+                    <a:schemeClr val="accent1"/>
+                  </a:buClr>
+                  <a:buFont typeface="Calibri" pitchFamily="34" charset="0"/>
+                  <a:buChar char="◦"/>
+                  <a:defRPr sz="1400" kern="1200">
+                    <a:solidFill>
+                      <a:schemeClr val="tx1">
+                        <a:lumMod val="75000"/>
+                        <a:lumOff val="25000"/>
+                      </a:schemeClr>
+                    </a:solidFill>
+                    <a:latin typeface="+mn-lt"/>
+                    <a:ea typeface="+mn-ea"/>
+                    <a:cs typeface="+mn-cs"/>
+                  </a:defRPr>
+                </a:lvl7pPr>
+                <a:lvl8pPr marL="1500000" indent="-228600" algn="l" defTabSz="914400" rtl="0" eaLnBrk="1" latinLnBrk="0" hangingPunct="1">
+                  <a:lnSpc>
+                    <a:spcPct val="90000"/>
+                  </a:lnSpc>
+                  <a:spcBef>
+                    <a:spcPts val="200"/>
+                  </a:spcBef>
+                  <a:spcAft>
+                    <a:spcPts val="400"/>
+                  </a:spcAft>
+                  <a:buClr>
+                    <a:schemeClr val="accent1"/>
+                  </a:buClr>
+                  <a:buFont typeface="Calibri" pitchFamily="34" charset="0"/>
+                  <a:buChar char="◦"/>
+                  <a:defRPr sz="1400" kern="1200">
+                    <a:solidFill>
+                      <a:schemeClr val="tx1">
+                        <a:lumMod val="75000"/>
+                        <a:lumOff val="25000"/>
+                      </a:schemeClr>
+                    </a:solidFill>
+                    <a:latin typeface="+mn-lt"/>
+                    <a:ea typeface="+mn-ea"/>
+                    <a:cs typeface="+mn-cs"/>
+                  </a:defRPr>
+                </a:lvl8pPr>
+                <a:lvl9pPr marL="1700000" indent="-228600" algn="l" defTabSz="914400" rtl="0" eaLnBrk="1" latinLnBrk="0" hangingPunct="1">
+                  <a:lnSpc>
+                    <a:spcPct val="90000"/>
+                  </a:lnSpc>
+                  <a:spcBef>
+                    <a:spcPts val="200"/>
+                  </a:spcBef>
+                  <a:spcAft>
+                    <a:spcPts val="400"/>
+                  </a:spcAft>
+                  <a:buClr>
+                    <a:schemeClr val="accent1"/>
+                  </a:buClr>
+                  <a:buFont typeface="Calibri" pitchFamily="34" charset="0"/>
+                  <a:buChar char="◦"/>
+                  <a:defRPr sz="1400" kern="1200">
+                    <a:solidFill>
+                      <a:schemeClr val="tx1">
+                        <a:lumMod val="75000"/>
+                        <a:lumOff val="25000"/>
+                      </a:schemeClr>
+                    </a:solidFill>
+                    <a:latin typeface="+mn-lt"/>
+                    <a:ea typeface="+mn-ea"/>
+                    <a:cs typeface="+mn-cs"/>
+                  </a:defRPr>
+                </a:lvl9pPr>
+              </a:lstStyle>
+              <a:p>
+                <a:r>
+                  <a:rPr lang="es-ES" sz="3200" dirty="0" smtClean="0"/>
+                  <a:t>Modulo 2</a:t>
+                </a:r>
+                <a:endParaRPr lang="es-CL" sz="3200" dirty="0"/>
+              </a:p>
+            </p:txBody>
+          </p:sp>
+          <p:sp>
+            <p:nvSpPr>
+              <p:cNvPr id="18" name="Marcador de contenido 2"/>
+              <p:cNvSpPr txBox="1">
+                <a:spLocks/>
+              </p:cNvSpPr>
+              <p:nvPr/>
+            </p:nvSpPr>
+            <p:spPr>
+              <a:xfrm>
+                <a:off x="9381899" y="4467684"/>
+                <a:ext cx="1273763" cy="406142"/>
+              </a:xfrm>
+              <a:prstGeom prst="rect">
+                <a:avLst/>
+              </a:prstGeom>
+            </p:spPr>
+            <p:txBody>
+              <a:bodyPr vert="horz" lIns="0" tIns="45720" rIns="0" bIns="45720" rtlCol="0">
+                <a:normAutofit fontScale="70000" lnSpcReduction="20000"/>
+              </a:bodyPr>
+              <a:lstStyle>
+                <a:lvl1pPr marL="91440" indent="-91440" algn="l" defTabSz="914400" rtl="0" eaLnBrk="1" latinLnBrk="0" hangingPunct="1">
+                  <a:lnSpc>
+                    <a:spcPct val="90000"/>
+                  </a:lnSpc>
+                  <a:spcBef>
+                    <a:spcPts val="1200"/>
+                  </a:spcBef>
+                  <a:spcAft>
+                    <a:spcPts val="200"/>
+                  </a:spcAft>
+                  <a:buClr>
+                    <a:schemeClr val="accent1"/>
+                  </a:buClr>
+                  <a:buSzPct val="100000"/>
+                  <a:buFont typeface="Calibri" panose="020F0502020204030204" pitchFamily="34" charset="0"/>
+                  <a:buChar char=" "/>
+                  <a:defRPr sz="2000" kern="1200">
+                    <a:solidFill>
+                      <a:schemeClr val="tx1">
+                        <a:lumMod val="75000"/>
+                        <a:lumOff val="25000"/>
+                      </a:schemeClr>
+                    </a:solidFill>
+                    <a:latin typeface="+mn-lt"/>
+                    <a:ea typeface="+mn-ea"/>
+                    <a:cs typeface="+mn-cs"/>
+                  </a:defRPr>
+                </a:lvl1pPr>
+                <a:lvl2pPr marL="384048" indent="-182880" algn="l" defTabSz="914400" rtl="0" eaLnBrk="1" latinLnBrk="0" hangingPunct="1">
+                  <a:lnSpc>
+                    <a:spcPct val="90000"/>
+                  </a:lnSpc>
+                  <a:spcBef>
+                    <a:spcPts val="200"/>
+                  </a:spcBef>
+                  <a:spcAft>
+                    <a:spcPts val="400"/>
+                  </a:spcAft>
+                  <a:buClr>
+                    <a:schemeClr val="accent1"/>
+                  </a:buClr>
+                  <a:buFont typeface="Calibri" pitchFamily="34" charset="0"/>
+                  <a:buChar char="◦"/>
+                  <a:defRPr sz="1800" kern="1200">
+                    <a:solidFill>
+                      <a:schemeClr val="tx1">
+                        <a:lumMod val="75000"/>
+                        <a:lumOff val="25000"/>
+                      </a:schemeClr>
+                    </a:solidFill>
+                    <a:latin typeface="+mn-lt"/>
+                    <a:ea typeface="+mn-ea"/>
+                    <a:cs typeface="+mn-cs"/>
+                  </a:defRPr>
+                </a:lvl2pPr>
+                <a:lvl3pPr marL="566928" indent="-182880" algn="l" defTabSz="914400" rtl="0" eaLnBrk="1" latinLnBrk="0" hangingPunct="1">
+                  <a:lnSpc>
+                    <a:spcPct val="90000"/>
+                  </a:lnSpc>
+                  <a:spcBef>
+                    <a:spcPts val="200"/>
+                  </a:spcBef>
+                  <a:spcAft>
+                    <a:spcPts val="400"/>
+                  </a:spcAft>
+                  <a:buClr>
+                    <a:schemeClr val="accent1"/>
+                  </a:buClr>
+                  <a:buFont typeface="Calibri" pitchFamily="34" charset="0"/>
+                  <a:buChar char="◦"/>
+                  <a:defRPr sz="1400" kern="1200">
+                    <a:solidFill>
+                      <a:schemeClr val="tx1">
+                        <a:lumMod val="75000"/>
+                        <a:lumOff val="25000"/>
+                      </a:schemeClr>
+                    </a:solidFill>
+                    <a:latin typeface="+mn-lt"/>
+                    <a:ea typeface="+mn-ea"/>
+                    <a:cs typeface="+mn-cs"/>
+                  </a:defRPr>
+                </a:lvl3pPr>
+                <a:lvl4pPr marL="749808" indent="-182880" algn="l" defTabSz="914400" rtl="0" eaLnBrk="1" latinLnBrk="0" hangingPunct="1">
+                  <a:lnSpc>
+                    <a:spcPct val="90000"/>
+                  </a:lnSpc>
+                  <a:spcBef>
+                    <a:spcPts val="200"/>
+                  </a:spcBef>
+                  <a:spcAft>
+                    <a:spcPts val="400"/>
+                  </a:spcAft>
+                  <a:buClr>
+                    <a:schemeClr val="accent1"/>
+                  </a:buClr>
+                  <a:buFont typeface="Calibri" pitchFamily="34" charset="0"/>
+                  <a:buChar char="◦"/>
+                  <a:defRPr sz="1400" kern="1200">
+                    <a:solidFill>
+                      <a:schemeClr val="tx1">
+                        <a:lumMod val="75000"/>
+                        <a:lumOff val="25000"/>
+                      </a:schemeClr>
+                    </a:solidFill>
+                    <a:latin typeface="+mn-lt"/>
+                    <a:ea typeface="+mn-ea"/>
+                    <a:cs typeface="+mn-cs"/>
+                  </a:defRPr>
+                </a:lvl4pPr>
+                <a:lvl5pPr marL="932688" indent="-182880" algn="l" defTabSz="914400" rtl="0" eaLnBrk="1" latinLnBrk="0" hangingPunct="1">
+                  <a:lnSpc>
+                    <a:spcPct val="90000"/>
+                  </a:lnSpc>
+                  <a:spcBef>
+                    <a:spcPts val="200"/>
+                  </a:spcBef>
+                  <a:spcAft>
+                    <a:spcPts val="400"/>
+                  </a:spcAft>
+                  <a:buClr>
+                    <a:schemeClr val="accent1"/>
+                  </a:buClr>
+                  <a:buFont typeface="Calibri" pitchFamily="34" charset="0"/>
+                  <a:buChar char="◦"/>
+                  <a:defRPr sz="1400" kern="1200">
+                    <a:solidFill>
+                      <a:schemeClr val="tx1">
+                        <a:lumMod val="75000"/>
+                        <a:lumOff val="25000"/>
+                      </a:schemeClr>
+                    </a:solidFill>
+                    <a:latin typeface="+mn-lt"/>
+                    <a:ea typeface="+mn-ea"/>
+                    <a:cs typeface="+mn-cs"/>
+                  </a:defRPr>
+                </a:lvl5pPr>
+                <a:lvl6pPr marL="1100000" indent="-228600" algn="l" defTabSz="914400" rtl="0" eaLnBrk="1" latinLnBrk="0" hangingPunct="1">
+                  <a:lnSpc>
+                    <a:spcPct val="90000"/>
+                  </a:lnSpc>
+                  <a:spcBef>
+                    <a:spcPts val="200"/>
+                  </a:spcBef>
+                  <a:spcAft>
+                    <a:spcPts val="400"/>
+                  </a:spcAft>
+                  <a:buClr>
+                    <a:schemeClr val="accent1"/>
+                  </a:buClr>
+                  <a:buFont typeface="Calibri" pitchFamily="34" charset="0"/>
+                  <a:buChar char="◦"/>
+                  <a:defRPr sz="1400" kern="1200">
+                    <a:solidFill>
+                      <a:schemeClr val="tx1">
+                        <a:lumMod val="75000"/>
+                        <a:lumOff val="25000"/>
+                      </a:schemeClr>
+                    </a:solidFill>
+                    <a:latin typeface="+mn-lt"/>
+                    <a:ea typeface="+mn-ea"/>
+                    <a:cs typeface="+mn-cs"/>
+                  </a:defRPr>
+                </a:lvl6pPr>
+                <a:lvl7pPr marL="1300000" indent="-228600" algn="l" defTabSz="914400" rtl="0" eaLnBrk="1" latinLnBrk="0" hangingPunct="1">
+                  <a:lnSpc>
+                    <a:spcPct val="90000"/>
+                  </a:lnSpc>
+                  <a:spcBef>
+                    <a:spcPts val="200"/>
+                  </a:spcBef>
+                  <a:spcAft>
+                    <a:spcPts val="400"/>
+                  </a:spcAft>
+                  <a:buClr>
+                    <a:schemeClr val="accent1"/>
+                  </a:buClr>
+                  <a:buFont typeface="Calibri" pitchFamily="34" charset="0"/>
+                  <a:buChar char="◦"/>
+                  <a:defRPr sz="1400" kern="1200">
+                    <a:solidFill>
+                      <a:schemeClr val="tx1">
+                        <a:lumMod val="75000"/>
+                        <a:lumOff val="25000"/>
+                      </a:schemeClr>
+                    </a:solidFill>
+                    <a:latin typeface="+mn-lt"/>
+                    <a:ea typeface="+mn-ea"/>
+                    <a:cs typeface="+mn-cs"/>
+                  </a:defRPr>
+                </a:lvl7pPr>
+                <a:lvl8pPr marL="1500000" indent="-228600" algn="l" defTabSz="914400" rtl="0" eaLnBrk="1" latinLnBrk="0" hangingPunct="1">
+                  <a:lnSpc>
+                    <a:spcPct val="90000"/>
+                  </a:lnSpc>
+                  <a:spcBef>
+                    <a:spcPts val="200"/>
+                  </a:spcBef>
+                  <a:spcAft>
+                    <a:spcPts val="400"/>
+                  </a:spcAft>
+                  <a:buClr>
+                    <a:schemeClr val="accent1"/>
+                  </a:buClr>
+                  <a:buFont typeface="Calibri" pitchFamily="34" charset="0"/>
+                  <a:buChar char="◦"/>
+                  <a:defRPr sz="1400" kern="1200">
+                    <a:solidFill>
+                      <a:schemeClr val="tx1">
+                        <a:lumMod val="75000"/>
+                        <a:lumOff val="25000"/>
+                      </a:schemeClr>
+                    </a:solidFill>
+                    <a:latin typeface="+mn-lt"/>
+                    <a:ea typeface="+mn-ea"/>
+                    <a:cs typeface="+mn-cs"/>
+                  </a:defRPr>
+                </a:lvl8pPr>
+                <a:lvl9pPr marL="1700000" indent="-228600" algn="l" defTabSz="914400" rtl="0" eaLnBrk="1" latinLnBrk="0" hangingPunct="1">
+                  <a:lnSpc>
+                    <a:spcPct val="90000"/>
+                  </a:lnSpc>
+                  <a:spcBef>
+                    <a:spcPts val="200"/>
+                  </a:spcBef>
+                  <a:spcAft>
+                    <a:spcPts val="400"/>
+                  </a:spcAft>
+                  <a:buClr>
+                    <a:schemeClr val="accent1"/>
+                  </a:buClr>
+                  <a:buFont typeface="Calibri" pitchFamily="34" charset="0"/>
+                  <a:buChar char="◦"/>
+                  <a:defRPr sz="1400" kern="1200">
+                    <a:solidFill>
+                      <a:schemeClr val="tx1">
+                        <a:lumMod val="75000"/>
+                        <a:lumOff val="25000"/>
+                      </a:schemeClr>
+                    </a:solidFill>
+                    <a:latin typeface="+mn-lt"/>
+                    <a:ea typeface="+mn-ea"/>
+                    <a:cs typeface="+mn-cs"/>
+                  </a:defRPr>
+                </a:lvl9pPr>
+              </a:lstStyle>
+              <a:p>
+                <a:r>
+                  <a:rPr lang="es-ES" sz="3200" dirty="0" smtClean="0"/>
+                  <a:t>Modulo 3</a:t>
+                </a:r>
+                <a:endParaRPr lang="es-CL" sz="3200" dirty="0"/>
+              </a:p>
+            </p:txBody>
+          </p:sp>
+          <p:sp>
+            <p:nvSpPr>
+              <p:cNvPr id="19" name="Marcador de contenido 2"/>
+              <p:cNvSpPr txBox="1">
+                <a:spLocks/>
+              </p:cNvSpPr>
+              <p:nvPr/>
+            </p:nvSpPr>
+            <p:spPr>
+              <a:xfrm>
+                <a:off x="8642094" y="5134041"/>
+                <a:ext cx="739805" cy="406142"/>
+              </a:xfrm>
+              <a:prstGeom prst="rect">
+                <a:avLst/>
+              </a:prstGeom>
+            </p:spPr>
+            <p:txBody>
+              <a:bodyPr vert="horz" lIns="0" tIns="45720" rIns="0" bIns="45720" rtlCol="0">
+                <a:normAutofit fontScale="70000" lnSpcReduction="20000"/>
+              </a:bodyPr>
+              <a:lstStyle>
+                <a:lvl1pPr marL="91440" indent="-91440" algn="l" defTabSz="914400" rtl="0" eaLnBrk="1" latinLnBrk="0" hangingPunct="1">
+                  <a:lnSpc>
+                    <a:spcPct val="90000"/>
+                  </a:lnSpc>
+                  <a:spcBef>
+                    <a:spcPts val="1200"/>
+                  </a:spcBef>
+                  <a:spcAft>
+                    <a:spcPts val="200"/>
+                  </a:spcAft>
+                  <a:buClr>
+                    <a:schemeClr val="accent1"/>
+                  </a:buClr>
+                  <a:buSzPct val="100000"/>
+                  <a:buFont typeface="Calibri" panose="020F0502020204030204" pitchFamily="34" charset="0"/>
+                  <a:buChar char=" "/>
+                  <a:defRPr sz="2000" kern="1200">
+                    <a:solidFill>
+                      <a:schemeClr val="tx1">
+                        <a:lumMod val="75000"/>
+                        <a:lumOff val="25000"/>
+                      </a:schemeClr>
+                    </a:solidFill>
+                    <a:latin typeface="+mn-lt"/>
+                    <a:ea typeface="+mn-ea"/>
+                    <a:cs typeface="+mn-cs"/>
+                  </a:defRPr>
+                </a:lvl1pPr>
+                <a:lvl2pPr marL="384048" indent="-182880" algn="l" defTabSz="914400" rtl="0" eaLnBrk="1" latinLnBrk="0" hangingPunct="1">
+                  <a:lnSpc>
+                    <a:spcPct val="90000"/>
+                  </a:lnSpc>
+                  <a:spcBef>
+                    <a:spcPts val="200"/>
+                  </a:spcBef>
+                  <a:spcAft>
+                    <a:spcPts val="400"/>
+                  </a:spcAft>
+                  <a:buClr>
+                    <a:schemeClr val="accent1"/>
+                  </a:buClr>
+                  <a:buFont typeface="Calibri" pitchFamily="34" charset="0"/>
+                  <a:buChar char="◦"/>
+                  <a:defRPr sz="1800" kern="1200">
+                    <a:solidFill>
+                      <a:schemeClr val="tx1">
+                        <a:lumMod val="75000"/>
+                        <a:lumOff val="25000"/>
+                      </a:schemeClr>
+                    </a:solidFill>
+                    <a:latin typeface="+mn-lt"/>
+                    <a:ea typeface="+mn-ea"/>
+                    <a:cs typeface="+mn-cs"/>
+                  </a:defRPr>
+                </a:lvl2pPr>
+                <a:lvl3pPr marL="566928" indent="-182880" algn="l" defTabSz="914400" rtl="0" eaLnBrk="1" latinLnBrk="0" hangingPunct="1">
+                  <a:lnSpc>
+                    <a:spcPct val="90000"/>
+                  </a:lnSpc>
+                  <a:spcBef>
+                    <a:spcPts val="200"/>
+                  </a:spcBef>
+                  <a:spcAft>
+                    <a:spcPts val="400"/>
+                  </a:spcAft>
+                  <a:buClr>
+                    <a:schemeClr val="accent1"/>
+                  </a:buClr>
+                  <a:buFont typeface="Calibri" pitchFamily="34" charset="0"/>
+                  <a:buChar char="◦"/>
+                  <a:defRPr sz="1400" kern="1200">
+                    <a:solidFill>
+                      <a:schemeClr val="tx1">
+                        <a:lumMod val="75000"/>
+                        <a:lumOff val="25000"/>
+                      </a:schemeClr>
+                    </a:solidFill>
+                    <a:latin typeface="+mn-lt"/>
+                    <a:ea typeface="+mn-ea"/>
+                    <a:cs typeface="+mn-cs"/>
+                  </a:defRPr>
+                </a:lvl3pPr>
+                <a:lvl4pPr marL="749808" indent="-182880" algn="l" defTabSz="914400" rtl="0" eaLnBrk="1" latinLnBrk="0" hangingPunct="1">
+                  <a:lnSpc>
+                    <a:spcPct val="90000"/>
+                  </a:lnSpc>
+                  <a:spcBef>
+                    <a:spcPts val="200"/>
+                  </a:spcBef>
+                  <a:spcAft>
+                    <a:spcPts val="400"/>
+                  </a:spcAft>
+                  <a:buClr>
+                    <a:schemeClr val="accent1"/>
+                  </a:buClr>
+                  <a:buFont typeface="Calibri" pitchFamily="34" charset="0"/>
+                  <a:buChar char="◦"/>
+                  <a:defRPr sz="1400" kern="1200">
+                    <a:solidFill>
+                      <a:schemeClr val="tx1">
+                        <a:lumMod val="75000"/>
+                        <a:lumOff val="25000"/>
+                      </a:schemeClr>
+                    </a:solidFill>
+                    <a:latin typeface="+mn-lt"/>
+                    <a:ea typeface="+mn-ea"/>
+                    <a:cs typeface="+mn-cs"/>
+                  </a:defRPr>
+                </a:lvl4pPr>
+                <a:lvl5pPr marL="932688" indent="-182880" algn="l" defTabSz="914400" rtl="0" eaLnBrk="1" latinLnBrk="0" hangingPunct="1">
+                  <a:lnSpc>
+                    <a:spcPct val="90000"/>
+                  </a:lnSpc>
+                  <a:spcBef>
+                    <a:spcPts val="200"/>
+                  </a:spcBef>
+                  <a:spcAft>
+                    <a:spcPts val="400"/>
+                  </a:spcAft>
+                  <a:buClr>
+                    <a:schemeClr val="accent1"/>
+                  </a:buClr>
+                  <a:buFont typeface="Calibri" pitchFamily="34" charset="0"/>
+                  <a:buChar char="◦"/>
+                  <a:defRPr sz="1400" kern="1200">
+                    <a:solidFill>
+                      <a:schemeClr val="tx1">
+                        <a:lumMod val="75000"/>
+                        <a:lumOff val="25000"/>
+                      </a:schemeClr>
+                    </a:solidFill>
+                    <a:latin typeface="+mn-lt"/>
+                    <a:ea typeface="+mn-ea"/>
+                    <a:cs typeface="+mn-cs"/>
+                  </a:defRPr>
+                </a:lvl5pPr>
+                <a:lvl6pPr marL="1100000" indent="-228600" algn="l" defTabSz="914400" rtl="0" eaLnBrk="1" latinLnBrk="0" hangingPunct="1">
+                  <a:lnSpc>
+                    <a:spcPct val="90000"/>
+                  </a:lnSpc>
+                  <a:spcBef>
+                    <a:spcPts val="200"/>
+                  </a:spcBef>
+                  <a:spcAft>
+                    <a:spcPts val="400"/>
+                  </a:spcAft>
+                  <a:buClr>
+                    <a:schemeClr val="accent1"/>
+                  </a:buClr>
+                  <a:buFont typeface="Calibri" pitchFamily="34" charset="0"/>
+                  <a:buChar char="◦"/>
+                  <a:defRPr sz="1400" kern="1200">
+                    <a:solidFill>
+                      <a:schemeClr val="tx1">
+                        <a:lumMod val="75000"/>
+                        <a:lumOff val="25000"/>
+                      </a:schemeClr>
+                    </a:solidFill>
+                    <a:latin typeface="+mn-lt"/>
+                    <a:ea typeface="+mn-ea"/>
+                    <a:cs typeface="+mn-cs"/>
+                  </a:defRPr>
+                </a:lvl6pPr>
+                <a:lvl7pPr marL="1300000" indent="-228600" algn="l" defTabSz="914400" rtl="0" eaLnBrk="1" latinLnBrk="0" hangingPunct="1">
+                  <a:lnSpc>
+                    <a:spcPct val="90000"/>
+                  </a:lnSpc>
+                  <a:spcBef>
+                    <a:spcPts val="200"/>
+                  </a:spcBef>
+                  <a:spcAft>
+                    <a:spcPts val="400"/>
+                  </a:spcAft>
+                  <a:buClr>
+                    <a:schemeClr val="accent1"/>
+                  </a:buClr>
+                  <a:buFont typeface="Calibri" pitchFamily="34" charset="0"/>
+                  <a:buChar char="◦"/>
+                  <a:defRPr sz="1400" kern="1200">
+                    <a:solidFill>
+                      <a:schemeClr val="tx1">
+                        <a:lumMod val="75000"/>
+                        <a:lumOff val="25000"/>
+                      </a:schemeClr>
+                    </a:solidFill>
+                    <a:latin typeface="+mn-lt"/>
+                    <a:ea typeface="+mn-ea"/>
+                    <a:cs typeface="+mn-cs"/>
+                  </a:defRPr>
+                </a:lvl7pPr>
+                <a:lvl8pPr marL="1500000" indent="-228600" algn="l" defTabSz="914400" rtl="0" eaLnBrk="1" latinLnBrk="0" hangingPunct="1">
+                  <a:lnSpc>
+                    <a:spcPct val="90000"/>
+                  </a:lnSpc>
+                  <a:spcBef>
+                    <a:spcPts val="200"/>
+                  </a:spcBef>
+                  <a:spcAft>
+                    <a:spcPts val="400"/>
+                  </a:spcAft>
+                  <a:buClr>
+                    <a:schemeClr val="accent1"/>
+                  </a:buClr>
+                  <a:buFont typeface="Calibri" pitchFamily="34" charset="0"/>
+                  <a:buChar char="◦"/>
+                  <a:defRPr sz="1400" kern="1200">
+                    <a:solidFill>
+                      <a:schemeClr val="tx1">
+                        <a:lumMod val="75000"/>
+                        <a:lumOff val="25000"/>
+                      </a:schemeClr>
+                    </a:solidFill>
+                    <a:latin typeface="+mn-lt"/>
+                    <a:ea typeface="+mn-ea"/>
+                    <a:cs typeface="+mn-cs"/>
+                  </a:defRPr>
+                </a:lvl8pPr>
+                <a:lvl9pPr marL="1700000" indent="-228600" algn="l" defTabSz="914400" rtl="0" eaLnBrk="1" latinLnBrk="0" hangingPunct="1">
+                  <a:lnSpc>
+                    <a:spcPct val="90000"/>
+                  </a:lnSpc>
+                  <a:spcBef>
+                    <a:spcPts val="200"/>
+                  </a:spcBef>
+                  <a:spcAft>
+                    <a:spcPts val="400"/>
+                  </a:spcAft>
+                  <a:buClr>
+                    <a:schemeClr val="accent1"/>
+                  </a:buClr>
+                  <a:buFont typeface="Calibri" pitchFamily="34" charset="0"/>
+                  <a:buChar char="◦"/>
+                  <a:defRPr sz="1400" kern="1200">
+                    <a:solidFill>
+                      <a:schemeClr val="tx1">
+                        <a:lumMod val="75000"/>
+                        <a:lumOff val="25000"/>
+                      </a:schemeClr>
+                    </a:solidFill>
+                    <a:latin typeface="+mn-lt"/>
+                    <a:ea typeface="+mn-ea"/>
+                    <a:cs typeface="+mn-cs"/>
+                  </a:defRPr>
+                </a:lvl9pPr>
+              </a:lstStyle>
+              <a:p>
+                <a:r>
+                  <a:rPr lang="es-ES" sz="3200" dirty="0" smtClean="0"/>
+                  <a:t>(…)</a:t>
+                </a:r>
+                <a:endParaRPr lang="es-CL" sz="3200" dirty="0"/>
+              </a:p>
+            </p:txBody>
+          </p:sp>
+          <p:sp>
+            <p:nvSpPr>
+              <p:cNvPr id="21" name="Marcador de contenido 2"/>
+              <p:cNvSpPr txBox="1">
+                <a:spLocks/>
+              </p:cNvSpPr>
+              <p:nvPr/>
+            </p:nvSpPr>
+            <p:spPr>
+              <a:xfrm>
+                <a:off x="9381897" y="5766766"/>
+                <a:ext cx="1273763" cy="406142"/>
+              </a:xfrm>
+              <a:prstGeom prst="rect">
+                <a:avLst/>
+              </a:prstGeom>
+            </p:spPr>
+            <p:txBody>
+              <a:bodyPr vert="horz" lIns="0" tIns="45720" rIns="0" bIns="45720" rtlCol="0">
+                <a:normAutofit fontScale="70000" lnSpcReduction="20000"/>
+              </a:bodyPr>
+              <a:lstStyle>
+                <a:lvl1pPr marL="91440" indent="-91440" algn="l" defTabSz="914400" rtl="0" eaLnBrk="1" latinLnBrk="0" hangingPunct="1">
+                  <a:lnSpc>
+                    <a:spcPct val="90000"/>
+                  </a:lnSpc>
+                  <a:spcBef>
+                    <a:spcPts val="1200"/>
+                  </a:spcBef>
+                  <a:spcAft>
+                    <a:spcPts val="200"/>
+                  </a:spcAft>
+                  <a:buClr>
+                    <a:schemeClr val="accent1"/>
+                  </a:buClr>
+                  <a:buSzPct val="100000"/>
+                  <a:buFont typeface="Calibri" panose="020F0502020204030204" pitchFamily="34" charset="0"/>
+                  <a:buChar char=" "/>
+                  <a:defRPr sz="2000" kern="1200">
+                    <a:solidFill>
+                      <a:schemeClr val="tx1">
+                        <a:lumMod val="75000"/>
+                        <a:lumOff val="25000"/>
+                      </a:schemeClr>
+                    </a:solidFill>
+                    <a:latin typeface="+mn-lt"/>
+                    <a:ea typeface="+mn-ea"/>
+                    <a:cs typeface="+mn-cs"/>
+                  </a:defRPr>
+                </a:lvl1pPr>
+                <a:lvl2pPr marL="384048" indent="-182880" algn="l" defTabSz="914400" rtl="0" eaLnBrk="1" latinLnBrk="0" hangingPunct="1">
+                  <a:lnSpc>
+                    <a:spcPct val="90000"/>
+                  </a:lnSpc>
+                  <a:spcBef>
+                    <a:spcPts val="200"/>
+                  </a:spcBef>
+                  <a:spcAft>
+                    <a:spcPts val="400"/>
+                  </a:spcAft>
+                  <a:buClr>
+                    <a:schemeClr val="accent1"/>
+                  </a:buClr>
+                  <a:buFont typeface="Calibri" pitchFamily="34" charset="0"/>
+                  <a:buChar char="◦"/>
+                  <a:defRPr sz="1800" kern="1200">
+                    <a:solidFill>
+                      <a:schemeClr val="tx1">
+                        <a:lumMod val="75000"/>
+                        <a:lumOff val="25000"/>
+                      </a:schemeClr>
+                    </a:solidFill>
+                    <a:latin typeface="+mn-lt"/>
+                    <a:ea typeface="+mn-ea"/>
+                    <a:cs typeface="+mn-cs"/>
+                  </a:defRPr>
+                </a:lvl2pPr>
+                <a:lvl3pPr marL="566928" indent="-182880" algn="l" defTabSz="914400" rtl="0" eaLnBrk="1" latinLnBrk="0" hangingPunct="1">
+                  <a:lnSpc>
+                    <a:spcPct val="90000"/>
+                  </a:lnSpc>
+                  <a:spcBef>
+                    <a:spcPts val="200"/>
+                  </a:spcBef>
+                  <a:spcAft>
+                    <a:spcPts val="400"/>
+                  </a:spcAft>
+                  <a:buClr>
+                    <a:schemeClr val="accent1"/>
+                  </a:buClr>
+                  <a:buFont typeface="Calibri" pitchFamily="34" charset="0"/>
+                  <a:buChar char="◦"/>
+                  <a:defRPr sz="1400" kern="1200">
+                    <a:solidFill>
+                      <a:schemeClr val="tx1">
+                        <a:lumMod val="75000"/>
+                        <a:lumOff val="25000"/>
+                      </a:schemeClr>
+                    </a:solidFill>
+                    <a:latin typeface="+mn-lt"/>
+                    <a:ea typeface="+mn-ea"/>
+                    <a:cs typeface="+mn-cs"/>
+                  </a:defRPr>
+                </a:lvl3pPr>
+                <a:lvl4pPr marL="749808" indent="-182880" algn="l" defTabSz="914400" rtl="0" eaLnBrk="1" latinLnBrk="0" hangingPunct="1">
+                  <a:lnSpc>
+                    <a:spcPct val="90000"/>
+                  </a:lnSpc>
+                  <a:spcBef>
+                    <a:spcPts val="200"/>
+                  </a:spcBef>
+                  <a:spcAft>
+                    <a:spcPts val="400"/>
+                  </a:spcAft>
+                  <a:buClr>
+                    <a:schemeClr val="accent1"/>
+                  </a:buClr>
+                  <a:buFont typeface="Calibri" pitchFamily="34" charset="0"/>
+                  <a:buChar char="◦"/>
+                  <a:defRPr sz="1400" kern="1200">
+                    <a:solidFill>
+                      <a:schemeClr val="tx1">
+                        <a:lumMod val="75000"/>
+                        <a:lumOff val="25000"/>
+                      </a:schemeClr>
+                    </a:solidFill>
+                    <a:latin typeface="+mn-lt"/>
+                    <a:ea typeface="+mn-ea"/>
+                    <a:cs typeface="+mn-cs"/>
+                  </a:defRPr>
+                </a:lvl4pPr>
+                <a:lvl5pPr marL="932688" indent="-182880" algn="l" defTabSz="914400" rtl="0" eaLnBrk="1" latinLnBrk="0" hangingPunct="1">
+                  <a:lnSpc>
+                    <a:spcPct val="90000"/>
+                  </a:lnSpc>
+                  <a:spcBef>
+                    <a:spcPts val="200"/>
+                  </a:spcBef>
+                  <a:spcAft>
+                    <a:spcPts val="400"/>
+                  </a:spcAft>
+                  <a:buClr>
+                    <a:schemeClr val="accent1"/>
+                  </a:buClr>
+                  <a:buFont typeface="Calibri" pitchFamily="34" charset="0"/>
+                  <a:buChar char="◦"/>
+                  <a:defRPr sz="1400" kern="1200">
+                    <a:solidFill>
+                      <a:schemeClr val="tx1">
+                        <a:lumMod val="75000"/>
+                        <a:lumOff val="25000"/>
+                      </a:schemeClr>
+                    </a:solidFill>
+                    <a:latin typeface="+mn-lt"/>
+                    <a:ea typeface="+mn-ea"/>
+                    <a:cs typeface="+mn-cs"/>
+                  </a:defRPr>
+                </a:lvl5pPr>
+                <a:lvl6pPr marL="1100000" indent="-228600" algn="l" defTabSz="914400" rtl="0" eaLnBrk="1" latinLnBrk="0" hangingPunct="1">
+                  <a:lnSpc>
+                    <a:spcPct val="90000"/>
+                  </a:lnSpc>
+                  <a:spcBef>
+                    <a:spcPts val="200"/>
+                  </a:spcBef>
+                  <a:spcAft>
+                    <a:spcPts val="400"/>
+                  </a:spcAft>
+                  <a:buClr>
+                    <a:schemeClr val="accent1"/>
+                  </a:buClr>
+                  <a:buFont typeface="Calibri" pitchFamily="34" charset="0"/>
+                  <a:buChar char="◦"/>
+                  <a:defRPr sz="1400" kern="1200">
+                    <a:solidFill>
+                      <a:schemeClr val="tx1">
+                        <a:lumMod val="75000"/>
+                        <a:lumOff val="25000"/>
+                      </a:schemeClr>
+                    </a:solidFill>
+                    <a:latin typeface="+mn-lt"/>
+                    <a:ea typeface="+mn-ea"/>
+                    <a:cs typeface="+mn-cs"/>
+                  </a:defRPr>
+                </a:lvl6pPr>
+                <a:lvl7pPr marL="1300000" indent="-228600" algn="l" defTabSz="914400" rtl="0" eaLnBrk="1" latinLnBrk="0" hangingPunct="1">
+                  <a:lnSpc>
+                    <a:spcPct val="90000"/>
+                  </a:lnSpc>
+                  <a:spcBef>
+                    <a:spcPts val="200"/>
+                  </a:spcBef>
+                  <a:spcAft>
+                    <a:spcPts val="400"/>
+                  </a:spcAft>
+                  <a:buClr>
+                    <a:schemeClr val="accent1"/>
+                  </a:buClr>
+                  <a:buFont typeface="Calibri" pitchFamily="34" charset="0"/>
+                  <a:buChar char="◦"/>
+                  <a:defRPr sz="1400" kern="1200">
+                    <a:solidFill>
+                      <a:schemeClr val="tx1">
+                        <a:lumMod val="75000"/>
+                        <a:lumOff val="25000"/>
+                      </a:schemeClr>
+                    </a:solidFill>
+                    <a:latin typeface="+mn-lt"/>
+                    <a:ea typeface="+mn-ea"/>
+                    <a:cs typeface="+mn-cs"/>
+                  </a:defRPr>
+                </a:lvl7pPr>
+                <a:lvl8pPr marL="1500000" indent="-228600" algn="l" defTabSz="914400" rtl="0" eaLnBrk="1" latinLnBrk="0" hangingPunct="1">
+                  <a:lnSpc>
+                    <a:spcPct val="90000"/>
+                  </a:lnSpc>
+                  <a:spcBef>
+                    <a:spcPts val="200"/>
+                  </a:spcBef>
+                  <a:spcAft>
+                    <a:spcPts val="400"/>
+                  </a:spcAft>
+                  <a:buClr>
+                    <a:schemeClr val="accent1"/>
+                  </a:buClr>
+                  <a:buFont typeface="Calibri" pitchFamily="34" charset="0"/>
+                  <a:buChar char="◦"/>
+                  <a:defRPr sz="1400" kern="1200">
+                    <a:solidFill>
+                      <a:schemeClr val="tx1">
+                        <a:lumMod val="75000"/>
+                        <a:lumOff val="25000"/>
+                      </a:schemeClr>
+                    </a:solidFill>
+                    <a:latin typeface="+mn-lt"/>
+                    <a:ea typeface="+mn-ea"/>
+                    <a:cs typeface="+mn-cs"/>
+                  </a:defRPr>
+                </a:lvl8pPr>
+                <a:lvl9pPr marL="1700000" indent="-228600" algn="l" defTabSz="914400" rtl="0" eaLnBrk="1" latinLnBrk="0" hangingPunct="1">
+                  <a:lnSpc>
+                    <a:spcPct val="90000"/>
+                  </a:lnSpc>
+                  <a:spcBef>
+                    <a:spcPts val="200"/>
+                  </a:spcBef>
+                  <a:spcAft>
+                    <a:spcPts val="400"/>
+                  </a:spcAft>
+                  <a:buClr>
+                    <a:schemeClr val="accent1"/>
+                  </a:buClr>
+                  <a:buFont typeface="Calibri" pitchFamily="34" charset="0"/>
+                  <a:buChar char="◦"/>
+                  <a:defRPr sz="1400" kern="1200">
+                    <a:solidFill>
+                      <a:schemeClr val="tx1">
+                        <a:lumMod val="75000"/>
+                        <a:lumOff val="25000"/>
+                      </a:schemeClr>
+                    </a:solidFill>
+                    <a:latin typeface="+mn-lt"/>
+                    <a:ea typeface="+mn-ea"/>
+                    <a:cs typeface="+mn-cs"/>
+                  </a:defRPr>
+                </a:lvl9pPr>
+              </a:lstStyle>
+              <a:p>
+                <a:r>
+                  <a:rPr lang="es-ES" sz="3200" dirty="0" smtClean="0"/>
+                  <a:t>Modulo x</a:t>
+                </a:r>
+                <a:endParaRPr lang="es-CL" sz="3200" dirty="0"/>
+              </a:p>
+            </p:txBody>
+          </p:sp>
+        </p:grpSp>
+      </p:grpSp>
+      <p:cxnSp>
+        <p:nvCxnSpPr>
+          <p:cNvPr id="24" name="Conector recto de flecha 23"/>
+          <p:cNvCxnSpPr/>
+          <p:nvPr/>
+        </p:nvCxnSpPr>
+        <p:spPr>
+          <a:xfrm flipV="1">
+            <a:off x="2469393" y="3200321"/>
+            <a:ext cx="2285486" cy="74893"/>
+          </a:xfrm>
+          <a:prstGeom prst="straightConnector1">
+            <a:avLst/>
+          </a:prstGeom>
+          <a:ln>
+            <a:tailEnd type="triangle"/>
+          </a:ln>
+        </p:spPr>
+        <p:style>
+          <a:lnRef idx="1">
+            <a:schemeClr val="accent5"/>
+          </a:lnRef>
+          <a:fillRef idx="0">
+            <a:schemeClr val="accent5"/>
+          </a:fillRef>
+          <a:effectRef idx="0">
+            <a:schemeClr val="accent5"/>
+          </a:effectRef>
+          <a:fontRef idx="minor">
+            <a:schemeClr val="tx1"/>
+          </a:fontRef>
+        </p:style>
+      </p:cxnSp>
+      <p:cxnSp>
+        <p:nvCxnSpPr>
+          <p:cNvPr id="26" name="Conector recto de flecha 25"/>
+          <p:cNvCxnSpPr/>
+          <p:nvPr/>
+        </p:nvCxnSpPr>
+        <p:spPr>
+          <a:xfrm flipH="1">
+            <a:off x="2610196" y="3620790"/>
+            <a:ext cx="2144683" cy="0"/>
+          </a:xfrm>
+          <a:prstGeom prst="straightConnector1">
+            <a:avLst/>
+          </a:prstGeom>
+          <a:ln>
+            <a:tailEnd type="triangle"/>
+          </a:ln>
+        </p:spPr>
+        <p:style>
+          <a:lnRef idx="1">
+            <a:schemeClr val="accent1"/>
+          </a:lnRef>
+          <a:fillRef idx="0">
+            <a:schemeClr val="accent1"/>
+          </a:fillRef>
+          <a:effectRef idx="0">
+            <a:schemeClr val="accent1"/>
+          </a:effectRef>
+          <a:fontRef idx="minor">
+            <a:schemeClr val="tx1"/>
+          </a:fontRef>
+        </p:style>
+      </p:cxnSp>
+      <p:sp>
+        <p:nvSpPr>
+          <p:cNvPr id="28" name="Marcador de contenido 2"/>
+          <p:cNvSpPr txBox="1">
+            <a:spLocks/>
+          </p:cNvSpPr>
+          <p:nvPr/>
+        </p:nvSpPr>
+        <p:spPr>
+          <a:xfrm>
+            <a:off x="3116967" y="3271196"/>
+            <a:ext cx="1284821" cy="352768"/>
+          </a:xfrm>
+          <a:prstGeom prst="rect">
+            <a:avLst/>
+          </a:prstGeom>
+        </p:spPr>
+        <p:txBody>
+          <a:bodyPr vert="horz" lIns="0" tIns="45720" rIns="0" bIns="45720" rtlCol="0">
+            <a:normAutofit fontScale="70000" lnSpcReduction="20000"/>
+          </a:bodyPr>
+          <a:lstStyle>
+            <a:lvl1pPr marL="91440" indent="-91440" algn="l" defTabSz="914400" rtl="0" eaLnBrk="1" latinLnBrk="0" hangingPunct="1">
+              <a:lnSpc>
+                <a:spcPct val="90000"/>
+              </a:lnSpc>
+              <a:spcBef>
+                <a:spcPts val="1200"/>
+              </a:spcBef>
+              <a:spcAft>
+                <a:spcPts val="200"/>
+              </a:spcAft>
+              <a:buClr>
+                <a:schemeClr val="accent1"/>
+              </a:buClr>
+              <a:buSzPct val="100000"/>
+              <a:buFont typeface="Calibri" panose="020F0502020204030204" pitchFamily="34" charset="0"/>
+              <a:buChar char=" "/>
+              <a:defRPr sz="2000" kern="1200">
+                <a:solidFill>
+                  <a:schemeClr val="tx1">
+                    <a:lumMod val="75000"/>
+                    <a:lumOff val="25000"/>
+                  </a:schemeClr>
+                </a:solidFill>
+                <a:latin typeface="+mn-lt"/>
+                <a:ea typeface="+mn-ea"/>
+                <a:cs typeface="+mn-cs"/>
+              </a:defRPr>
+            </a:lvl1pPr>
+            <a:lvl2pPr marL="384048" indent="-182880" algn="l" defTabSz="914400" rtl="0" eaLnBrk="1" latinLnBrk="0" hangingPunct="1">
+              <a:lnSpc>
+                <a:spcPct val="90000"/>
+              </a:lnSpc>
+              <a:spcBef>
+                <a:spcPts val="200"/>
+              </a:spcBef>
+              <a:spcAft>
+                <a:spcPts val="400"/>
+              </a:spcAft>
+              <a:buClr>
+                <a:schemeClr val="accent1"/>
+              </a:buClr>
+              <a:buFont typeface="Calibri" pitchFamily="34" charset="0"/>
+              <a:buChar char="◦"/>
+              <a:defRPr sz="1800" kern="1200">
+                <a:solidFill>
+                  <a:schemeClr val="tx1">
+                    <a:lumMod val="75000"/>
+                    <a:lumOff val="25000"/>
+                  </a:schemeClr>
+                </a:solidFill>
+                <a:latin typeface="+mn-lt"/>
+                <a:ea typeface="+mn-ea"/>
+                <a:cs typeface="+mn-cs"/>
+              </a:defRPr>
+            </a:lvl2pPr>
+            <a:lvl3pPr marL="566928" indent="-182880" algn="l" defTabSz="914400" rtl="0" eaLnBrk="1" latinLnBrk="0" hangingPunct="1">
+              <a:lnSpc>
+                <a:spcPct val="90000"/>
+              </a:lnSpc>
+              <a:spcBef>
+                <a:spcPts val="200"/>
+              </a:spcBef>
+              <a:spcAft>
+                <a:spcPts val="400"/>
+              </a:spcAft>
+              <a:buClr>
+                <a:schemeClr val="accent1"/>
+              </a:buClr>
+              <a:buFont typeface="Calibri" pitchFamily="34" charset="0"/>
+              <a:buChar char="◦"/>
+              <a:defRPr sz="1400" kern="1200">
+                <a:solidFill>
+                  <a:schemeClr val="tx1">
+                    <a:lumMod val="75000"/>
+                    <a:lumOff val="25000"/>
+                  </a:schemeClr>
+                </a:solidFill>
+                <a:latin typeface="+mn-lt"/>
+                <a:ea typeface="+mn-ea"/>
+                <a:cs typeface="+mn-cs"/>
+              </a:defRPr>
+            </a:lvl3pPr>
+            <a:lvl4pPr marL="749808" indent="-182880" algn="l" defTabSz="914400" rtl="0" eaLnBrk="1" latinLnBrk="0" hangingPunct="1">
+              <a:lnSpc>
+                <a:spcPct val="90000"/>
+              </a:lnSpc>
+              <a:spcBef>
+                <a:spcPts val="200"/>
+              </a:spcBef>
+              <a:spcAft>
+                <a:spcPts val="400"/>
+              </a:spcAft>
+              <a:buClr>
+                <a:schemeClr val="accent1"/>
+              </a:buClr>
+              <a:buFont typeface="Calibri" pitchFamily="34" charset="0"/>
+              <a:buChar char="◦"/>
+              <a:defRPr sz="1400" kern="1200">
+                <a:solidFill>
+                  <a:schemeClr val="tx1">
+                    <a:lumMod val="75000"/>
+                    <a:lumOff val="25000"/>
+                  </a:schemeClr>
+                </a:solidFill>
+                <a:latin typeface="+mn-lt"/>
+                <a:ea typeface="+mn-ea"/>
+                <a:cs typeface="+mn-cs"/>
+              </a:defRPr>
+            </a:lvl4pPr>
+            <a:lvl5pPr marL="932688" indent="-182880" algn="l" defTabSz="914400" rtl="0" eaLnBrk="1" latinLnBrk="0" hangingPunct="1">
+              <a:lnSpc>
+                <a:spcPct val="90000"/>
+              </a:lnSpc>
+              <a:spcBef>
+                <a:spcPts val="200"/>
+              </a:spcBef>
+              <a:spcAft>
+                <a:spcPts val="400"/>
+              </a:spcAft>
+              <a:buClr>
+                <a:schemeClr val="accent1"/>
+              </a:buClr>
+              <a:buFont typeface="Calibri" pitchFamily="34" charset="0"/>
+              <a:buChar char="◦"/>
+              <a:defRPr sz="1400" kern="1200">
+                <a:solidFill>
+                  <a:schemeClr val="tx1">
+                    <a:lumMod val="75000"/>
+                    <a:lumOff val="25000"/>
+                  </a:schemeClr>
+                </a:solidFill>
+                <a:latin typeface="+mn-lt"/>
+                <a:ea typeface="+mn-ea"/>
+                <a:cs typeface="+mn-cs"/>
+              </a:defRPr>
+            </a:lvl5pPr>
+            <a:lvl6pPr marL="1100000" indent="-228600" algn="l" defTabSz="914400" rtl="0" eaLnBrk="1" latinLnBrk="0" hangingPunct="1">
+              <a:lnSpc>
+                <a:spcPct val="90000"/>
+              </a:lnSpc>
+              <a:spcBef>
+                <a:spcPts val="200"/>
+              </a:spcBef>
+              <a:spcAft>
+                <a:spcPts val="400"/>
+              </a:spcAft>
+              <a:buClr>
+                <a:schemeClr val="accent1"/>
+              </a:buClr>
+              <a:buFont typeface="Calibri" pitchFamily="34" charset="0"/>
+              <a:buChar char="◦"/>
+              <a:defRPr sz="1400" kern="1200">
+                <a:solidFill>
+                  <a:schemeClr val="tx1">
+                    <a:lumMod val="75000"/>
+                    <a:lumOff val="25000"/>
+                  </a:schemeClr>
+                </a:solidFill>
+                <a:latin typeface="+mn-lt"/>
+                <a:ea typeface="+mn-ea"/>
+                <a:cs typeface="+mn-cs"/>
+              </a:defRPr>
+            </a:lvl6pPr>
+            <a:lvl7pPr marL="1300000" indent="-228600" algn="l" defTabSz="914400" rtl="0" eaLnBrk="1" latinLnBrk="0" hangingPunct="1">
+              <a:lnSpc>
+                <a:spcPct val="90000"/>
+              </a:lnSpc>
+              <a:spcBef>
+                <a:spcPts val="200"/>
+              </a:spcBef>
+              <a:spcAft>
+                <a:spcPts val="400"/>
+              </a:spcAft>
+              <a:buClr>
+                <a:schemeClr val="accent1"/>
+              </a:buClr>
+              <a:buFont typeface="Calibri" pitchFamily="34" charset="0"/>
+              <a:buChar char="◦"/>
+              <a:defRPr sz="1400" kern="1200">
+                <a:solidFill>
+                  <a:schemeClr val="tx1">
+                    <a:lumMod val="75000"/>
+                    <a:lumOff val="25000"/>
+                  </a:schemeClr>
+                </a:solidFill>
+                <a:latin typeface="+mn-lt"/>
+                <a:ea typeface="+mn-ea"/>
+                <a:cs typeface="+mn-cs"/>
+              </a:defRPr>
+            </a:lvl7pPr>
+            <a:lvl8pPr marL="1500000" indent="-228600" algn="l" defTabSz="914400" rtl="0" eaLnBrk="1" latinLnBrk="0" hangingPunct="1">
+              <a:lnSpc>
+                <a:spcPct val="90000"/>
+              </a:lnSpc>
+              <a:spcBef>
+                <a:spcPts val="200"/>
+              </a:spcBef>
+              <a:spcAft>
+                <a:spcPts val="400"/>
+              </a:spcAft>
+              <a:buClr>
+                <a:schemeClr val="accent1"/>
+              </a:buClr>
+              <a:buFont typeface="Calibri" pitchFamily="34" charset="0"/>
+              <a:buChar char="◦"/>
+              <a:defRPr sz="1400" kern="1200">
+                <a:solidFill>
+                  <a:schemeClr val="tx1">
+                    <a:lumMod val="75000"/>
+                    <a:lumOff val="25000"/>
+                  </a:schemeClr>
+                </a:solidFill>
+                <a:latin typeface="+mn-lt"/>
+                <a:ea typeface="+mn-ea"/>
+                <a:cs typeface="+mn-cs"/>
+              </a:defRPr>
+            </a:lvl8pPr>
+            <a:lvl9pPr marL="1700000" indent="-228600" algn="l" defTabSz="914400" rtl="0" eaLnBrk="1" latinLnBrk="0" hangingPunct="1">
+              <a:lnSpc>
+                <a:spcPct val="90000"/>
+              </a:lnSpc>
+              <a:spcBef>
+                <a:spcPts val="200"/>
+              </a:spcBef>
+              <a:spcAft>
+                <a:spcPts val="400"/>
+              </a:spcAft>
+              <a:buClr>
+                <a:schemeClr val="accent1"/>
+              </a:buClr>
+              <a:buFont typeface="Calibri" pitchFamily="34" charset="0"/>
+              <a:buChar char="◦"/>
+              <a:defRPr sz="1400" kern="1200">
+                <a:solidFill>
+                  <a:schemeClr val="tx1">
+                    <a:lumMod val="75000"/>
+                    <a:lumOff val="25000"/>
+                  </a:schemeClr>
+                </a:solidFill>
+                <a:latin typeface="+mn-lt"/>
+                <a:ea typeface="+mn-ea"/>
+                <a:cs typeface="+mn-cs"/>
+              </a:defRPr>
+            </a:lvl9pPr>
+          </a:lstStyle>
+          <a:p>
+            <a:r>
+              <a:rPr lang="es-ES" sz="3200" i="1" dirty="0" smtClean="0">
+                <a:effectLst>
+                  <a:outerShdw blurRad="38100" dist="38100" dir="2700000" algn="tl">
+                    <a:srgbClr val="000000">
+                      <a:alpha val="43137"/>
+                    </a:srgbClr>
+                  </a:outerShdw>
+                </a:effectLst>
+              </a:rPr>
+              <a:t>ORM</a:t>
+            </a:r>
+            <a:endParaRPr lang="es-CL" sz="3200" i="1" dirty="0">
+              <a:effectLst>
+                <a:outerShdw blurRad="38100" dist="38100" dir="2700000" algn="tl">
+                  <a:srgbClr val="000000">
+                    <a:alpha val="43137"/>
+                  </a:srgbClr>
+                </a:outerShdw>
+              </a:effectLst>
+            </a:endParaRPr>
+          </a:p>
+        </p:txBody>
+      </p:sp>
+      <p:cxnSp>
+        <p:nvCxnSpPr>
+          <p:cNvPr id="29" name="Conector recto de flecha 28"/>
+          <p:cNvCxnSpPr/>
+          <p:nvPr/>
+        </p:nvCxnSpPr>
+        <p:spPr>
+          <a:xfrm flipV="1">
+            <a:off x="6834906" y="2248023"/>
+            <a:ext cx="1477821" cy="599530"/>
+          </a:xfrm>
+          <a:prstGeom prst="straightConnector1">
+            <a:avLst/>
+          </a:prstGeom>
+          <a:ln>
+            <a:tailEnd type="triangle"/>
+          </a:ln>
+        </p:spPr>
+        <p:style>
+          <a:lnRef idx="1">
+            <a:schemeClr val="accent5"/>
+          </a:lnRef>
+          <a:fillRef idx="0">
+            <a:schemeClr val="accent5"/>
+          </a:fillRef>
+          <a:effectRef idx="0">
+            <a:schemeClr val="accent5"/>
+          </a:effectRef>
+          <a:fontRef idx="minor">
+            <a:schemeClr val="tx1"/>
+          </a:fontRef>
+        </p:style>
+      </p:cxnSp>
+      <p:cxnSp>
+        <p:nvCxnSpPr>
+          <p:cNvPr id="31" name="Conector recto de flecha 30"/>
+          <p:cNvCxnSpPr/>
+          <p:nvPr/>
+        </p:nvCxnSpPr>
+        <p:spPr>
+          <a:xfrm flipV="1">
+            <a:off x="6788840" y="2917021"/>
+            <a:ext cx="1523887" cy="358194"/>
+          </a:xfrm>
+          <a:prstGeom prst="straightConnector1">
+            <a:avLst/>
+          </a:prstGeom>
+          <a:ln>
+            <a:tailEnd type="triangle"/>
+          </a:ln>
+        </p:spPr>
+        <p:style>
+          <a:lnRef idx="1">
+            <a:schemeClr val="accent5"/>
+          </a:lnRef>
+          <a:fillRef idx="0">
+            <a:schemeClr val="accent5"/>
+          </a:fillRef>
+          <a:effectRef idx="0">
+            <a:schemeClr val="accent5"/>
+          </a:effectRef>
+          <a:fontRef idx="minor">
+            <a:schemeClr val="tx1"/>
+          </a:fontRef>
+        </p:style>
+      </p:cxnSp>
+      <p:cxnSp>
+        <p:nvCxnSpPr>
+          <p:cNvPr id="33" name="Conector recto de flecha 32"/>
+          <p:cNvCxnSpPr/>
+          <p:nvPr/>
+        </p:nvCxnSpPr>
+        <p:spPr>
+          <a:xfrm>
+            <a:off x="6773867" y="3620790"/>
+            <a:ext cx="1538860" cy="176384"/>
+          </a:xfrm>
+          <a:prstGeom prst="straightConnector1">
+            <a:avLst/>
+          </a:prstGeom>
+          <a:ln>
+            <a:tailEnd type="triangle"/>
+          </a:ln>
+        </p:spPr>
+        <p:style>
+          <a:lnRef idx="1">
+            <a:schemeClr val="accent5"/>
+          </a:lnRef>
+          <a:fillRef idx="0">
+            <a:schemeClr val="accent5"/>
+          </a:fillRef>
+          <a:effectRef idx="0">
+            <a:schemeClr val="accent5"/>
+          </a:effectRef>
+          <a:fontRef idx="minor">
+            <a:schemeClr val="tx1"/>
+          </a:fontRef>
+        </p:style>
+      </p:cxnSp>
+      <p:cxnSp>
+        <p:nvCxnSpPr>
+          <p:cNvPr id="39" name="Conector recto de flecha 38"/>
+          <p:cNvCxnSpPr/>
+          <p:nvPr/>
+        </p:nvCxnSpPr>
+        <p:spPr>
+          <a:xfrm>
+            <a:off x="6834906" y="4013681"/>
+            <a:ext cx="1547816" cy="735469"/>
+          </a:xfrm>
+          <a:prstGeom prst="straightConnector1">
+            <a:avLst/>
+          </a:prstGeom>
+          <a:ln>
+            <a:tailEnd type="triangle"/>
+          </a:ln>
+        </p:spPr>
+        <p:style>
+          <a:lnRef idx="1">
+            <a:schemeClr val="accent5"/>
+          </a:lnRef>
+          <a:fillRef idx="0">
+            <a:schemeClr val="accent5"/>
+          </a:fillRef>
+          <a:effectRef idx="0">
+            <a:schemeClr val="accent5"/>
+          </a:effectRef>
+          <a:fontRef idx="minor">
+            <a:schemeClr val="tx1"/>
+          </a:fontRef>
+        </p:style>
+      </p:cxnSp>
+      <p:cxnSp>
+        <p:nvCxnSpPr>
+          <p:cNvPr id="44" name="Conector recto de flecha 43"/>
+          <p:cNvCxnSpPr/>
+          <p:nvPr/>
+        </p:nvCxnSpPr>
+        <p:spPr>
+          <a:xfrm flipH="1">
+            <a:off x="6907876" y="2424407"/>
+            <a:ext cx="1404851" cy="529950"/>
+          </a:xfrm>
+          <a:prstGeom prst="straightConnector1">
+            <a:avLst/>
+          </a:prstGeom>
+          <a:ln>
+            <a:tailEnd type="triangle"/>
+          </a:ln>
+        </p:spPr>
+        <p:style>
+          <a:lnRef idx="1">
+            <a:schemeClr val="accent1"/>
+          </a:lnRef>
+          <a:fillRef idx="0">
+            <a:schemeClr val="accent1"/>
+          </a:fillRef>
+          <a:effectRef idx="0">
+            <a:schemeClr val="accent1"/>
+          </a:effectRef>
+          <a:fontRef idx="minor">
+            <a:schemeClr val="tx1"/>
+          </a:fontRef>
+        </p:style>
+      </p:cxnSp>
+      <p:cxnSp>
+        <p:nvCxnSpPr>
+          <p:cNvPr id="46" name="Conector recto de flecha 45"/>
+          <p:cNvCxnSpPr/>
+          <p:nvPr/>
+        </p:nvCxnSpPr>
+        <p:spPr>
+          <a:xfrm flipH="1">
+            <a:off x="6758895" y="3043744"/>
+            <a:ext cx="1553832" cy="360823"/>
+          </a:xfrm>
+          <a:prstGeom prst="straightConnector1">
+            <a:avLst/>
+          </a:prstGeom>
+          <a:ln>
+            <a:tailEnd type="triangle"/>
+          </a:ln>
+        </p:spPr>
+        <p:style>
+          <a:lnRef idx="1">
+            <a:schemeClr val="accent1"/>
+          </a:lnRef>
+          <a:fillRef idx="0">
+            <a:schemeClr val="accent1"/>
+          </a:fillRef>
+          <a:effectRef idx="0">
+            <a:schemeClr val="accent1"/>
+          </a:effectRef>
+          <a:fontRef idx="minor">
+            <a:schemeClr val="tx1"/>
+          </a:fontRef>
+        </p:style>
+      </p:cxnSp>
+      <p:cxnSp>
+        <p:nvCxnSpPr>
+          <p:cNvPr id="50" name="Conector recto de flecha 49"/>
+          <p:cNvCxnSpPr/>
+          <p:nvPr/>
+        </p:nvCxnSpPr>
+        <p:spPr>
+          <a:xfrm flipH="1" flipV="1">
+            <a:off x="6758894" y="3711701"/>
+            <a:ext cx="1553833" cy="261857"/>
+          </a:xfrm>
+          <a:prstGeom prst="straightConnector1">
+            <a:avLst/>
+          </a:prstGeom>
+          <a:ln>
+            <a:tailEnd type="triangle"/>
+          </a:ln>
+        </p:spPr>
+        <p:style>
+          <a:lnRef idx="1">
+            <a:schemeClr val="accent1"/>
+          </a:lnRef>
+          <a:fillRef idx="0">
+            <a:schemeClr val="accent1"/>
+          </a:fillRef>
+          <a:effectRef idx="0">
+            <a:schemeClr val="accent1"/>
+          </a:effectRef>
+          <a:fontRef idx="minor">
+            <a:schemeClr val="tx1"/>
+          </a:fontRef>
+        </p:style>
+      </p:cxnSp>
+      <p:cxnSp>
+        <p:nvCxnSpPr>
+          <p:cNvPr id="52" name="Conector recto de flecha 51"/>
+          <p:cNvCxnSpPr/>
+          <p:nvPr/>
+        </p:nvCxnSpPr>
+        <p:spPr>
+          <a:xfrm flipH="1" flipV="1">
+            <a:off x="6735863" y="4114104"/>
+            <a:ext cx="1646859" cy="811430"/>
+          </a:xfrm>
+          <a:prstGeom prst="straightConnector1">
+            <a:avLst/>
+          </a:prstGeom>
+          <a:ln>
+            <a:tailEnd type="triangle"/>
+          </a:ln>
+        </p:spPr>
+        <p:style>
+          <a:lnRef idx="1">
+            <a:schemeClr val="accent1"/>
+          </a:lnRef>
+          <a:fillRef idx="0">
+            <a:schemeClr val="accent1"/>
+          </a:fillRef>
+          <a:effectRef idx="0">
+            <a:schemeClr val="accent1"/>
+          </a:effectRef>
+          <a:fontRef idx="minor">
+            <a:schemeClr val="tx1"/>
+          </a:fontRef>
+        </p:style>
+      </p:cxnSp>
+      <p:sp>
+        <p:nvSpPr>
+          <p:cNvPr id="55" name="Marcador de contenido 2"/>
+          <p:cNvSpPr txBox="1">
+            <a:spLocks/>
+          </p:cNvSpPr>
+          <p:nvPr/>
+        </p:nvSpPr>
+        <p:spPr>
+          <a:xfrm>
+            <a:off x="7259227" y="3271196"/>
+            <a:ext cx="1284821" cy="352768"/>
+          </a:xfrm>
+          <a:prstGeom prst="rect">
+            <a:avLst/>
+          </a:prstGeom>
+        </p:spPr>
+        <p:txBody>
+          <a:bodyPr vert="horz" lIns="0" tIns="45720" rIns="0" bIns="45720" rtlCol="0">
+            <a:normAutofit fontScale="70000" lnSpcReduction="20000"/>
+          </a:bodyPr>
+          <a:lstStyle>
+            <a:lvl1pPr marL="91440" indent="-91440" algn="l" defTabSz="914400" rtl="0" eaLnBrk="1" latinLnBrk="0" hangingPunct="1">
+              <a:lnSpc>
+                <a:spcPct val="90000"/>
+              </a:lnSpc>
+              <a:spcBef>
+                <a:spcPts val="1200"/>
+              </a:spcBef>
+              <a:spcAft>
+                <a:spcPts val="200"/>
+              </a:spcAft>
+              <a:buClr>
+                <a:schemeClr val="accent1"/>
+              </a:buClr>
+              <a:buSzPct val="100000"/>
+              <a:buFont typeface="Calibri" panose="020F0502020204030204" pitchFamily="34" charset="0"/>
+              <a:buChar char=" "/>
+              <a:defRPr sz="2000" kern="1200">
+                <a:solidFill>
+                  <a:schemeClr val="tx1">
+                    <a:lumMod val="75000"/>
+                    <a:lumOff val="25000"/>
+                  </a:schemeClr>
+                </a:solidFill>
+                <a:latin typeface="+mn-lt"/>
+                <a:ea typeface="+mn-ea"/>
+                <a:cs typeface="+mn-cs"/>
+              </a:defRPr>
+            </a:lvl1pPr>
+            <a:lvl2pPr marL="384048" indent="-182880" algn="l" defTabSz="914400" rtl="0" eaLnBrk="1" latinLnBrk="0" hangingPunct="1">
+              <a:lnSpc>
+                <a:spcPct val="90000"/>
+              </a:lnSpc>
+              <a:spcBef>
+                <a:spcPts val="200"/>
+              </a:spcBef>
+              <a:spcAft>
+                <a:spcPts val="400"/>
+              </a:spcAft>
+              <a:buClr>
+                <a:schemeClr val="accent1"/>
+              </a:buClr>
+              <a:buFont typeface="Calibri" pitchFamily="34" charset="0"/>
+              <a:buChar char="◦"/>
+              <a:defRPr sz="1800" kern="1200">
+                <a:solidFill>
+                  <a:schemeClr val="tx1">
+                    <a:lumMod val="75000"/>
+                    <a:lumOff val="25000"/>
+                  </a:schemeClr>
+                </a:solidFill>
+                <a:latin typeface="+mn-lt"/>
+                <a:ea typeface="+mn-ea"/>
+                <a:cs typeface="+mn-cs"/>
+              </a:defRPr>
+            </a:lvl2pPr>
+            <a:lvl3pPr marL="566928" indent="-182880" algn="l" defTabSz="914400" rtl="0" eaLnBrk="1" latinLnBrk="0" hangingPunct="1">
+              <a:lnSpc>
+                <a:spcPct val="90000"/>
+              </a:lnSpc>
+              <a:spcBef>
+                <a:spcPts val="200"/>
+              </a:spcBef>
+              <a:spcAft>
+                <a:spcPts val="400"/>
+              </a:spcAft>
+              <a:buClr>
+                <a:schemeClr val="accent1"/>
+              </a:buClr>
+              <a:buFont typeface="Calibri" pitchFamily="34" charset="0"/>
+              <a:buChar char="◦"/>
+              <a:defRPr sz="1400" kern="1200">
+                <a:solidFill>
+                  <a:schemeClr val="tx1">
+                    <a:lumMod val="75000"/>
+                    <a:lumOff val="25000"/>
+                  </a:schemeClr>
+                </a:solidFill>
+                <a:latin typeface="+mn-lt"/>
+                <a:ea typeface="+mn-ea"/>
+                <a:cs typeface="+mn-cs"/>
+              </a:defRPr>
+            </a:lvl3pPr>
+            <a:lvl4pPr marL="749808" indent="-182880" algn="l" defTabSz="914400" rtl="0" eaLnBrk="1" latinLnBrk="0" hangingPunct="1">
+              <a:lnSpc>
+                <a:spcPct val="90000"/>
+              </a:lnSpc>
+              <a:spcBef>
+                <a:spcPts val="200"/>
+              </a:spcBef>
+              <a:spcAft>
+                <a:spcPts val="400"/>
+              </a:spcAft>
+              <a:buClr>
+                <a:schemeClr val="accent1"/>
+              </a:buClr>
+              <a:buFont typeface="Calibri" pitchFamily="34" charset="0"/>
+              <a:buChar char="◦"/>
+              <a:defRPr sz="1400" kern="1200">
+                <a:solidFill>
+                  <a:schemeClr val="tx1">
+                    <a:lumMod val="75000"/>
+                    <a:lumOff val="25000"/>
+                  </a:schemeClr>
+                </a:solidFill>
+                <a:latin typeface="+mn-lt"/>
+                <a:ea typeface="+mn-ea"/>
+                <a:cs typeface="+mn-cs"/>
+              </a:defRPr>
+            </a:lvl4pPr>
+            <a:lvl5pPr marL="932688" indent="-182880" algn="l" defTabSz="914400" rtl="0" eaLnBrk="1" latinLnBrk="0" hangingPunct="1">
+              <a:lnSpc>
+                <a:spcPct val="90000"/>
+              </a:lnSpc>
+              <a:spcBef>
+                <a:spcPts val="200"/>
+              </a:spcBef>
+              <a:spcAft>
+                <a:spcPts val="400"/>
+              </a:spcAft>
+              <a:buClr>
+                <a:schemeClr val="accent1"/>
+              </a:buClr>
+              <a:buFont typeface="Calibri" pitchFamily="34" charset="0"/>
+              <a:buChar char="◦"/>
+              <a:defRPr sz="1400" kern="1200">
+                <a:solidFill>
+                  <a:schemeClr val="tx1">
+                    <a:lumMod val="75000"/>
+                    <a:lumOff val="25000"/>
+                  </a:schemeClr>
+                </a:solidFill>
+                <a:latin typeface="+mn-lt"/>
+                <a:ea typeface="+mn-ea"/>
+                <a:cs typeface="+mn-cs"/>
+              </a:defRPr>
+            </a:lvl5pPr>
+            <a:lvl6pPr marL="1100000" indent="-228600" algn="l" defTabSz="914400" rtl="0" eaLnBrk="1" latinLnBrk="0" hangingPunct="1">
+              <a:lnSpc>
+                <a:spcPct val="90000"/>
+              </a:lnSpc>
+              <a:spcBef>
+                <a:spcPts val="200"/>
+              </a:spcBef>
+              <a:spcAft>
+                <a:spcPts val="400"/>
+              </a:spcAft>
+              <a:buClr>
+                <a:schemeClr val="accent1"/>
+              </a:buClr>
+              <a:buFont typeface="Calibri" pitchFamily="34" charset="0"/>
+              <a:buChar char="◦"/>
+              <a:defRPr sz="1400" kern="1200">
+                <a:solidFill>
+                  <a:schemeClr val="tx1">
+                    <a:lumMod val="75000"/>
+                    <a:lumOff val="25000"/>
+                  </a:schemeClr>
+                </a:solidFill>
+                <a:latin typeface="+mn-lt"/>
+                <a:ea typeface="+mn-ea"/>
+                <a:cs typeface="+mn-cs"/>
+              </a:defRPr>
+            </a:lvl6pPr>
+            <a:lvl7pPr marL="1300000" indent="-228600" algn="l" defTabSz="914400" rtl="0" eaLnBrk="1" latinLnBrk="0" hangingPunct="1">
+              <a:lnSpc>
+                <a:spcPct val="90000"/>
+              </a:lnSpc>
+              <a:spcBef>
+                <a:spcPts val="200"/>
+              </a:spcBef>
+              <a:spcAft>
+                <a:spcPts val="400"/>
+              </a:spcAft>
+              <a:buClr>
+                <a:schemeClr val="accent1"/>
+              </a:buClr>
+              <a:buFont typeface="Calibri" pitchFamily="34" charset="0"/>
+              <a:buChar char="◦"/>
+              <a:defRPr sz="1400" kern="1200">
+                <a:solidFill>
+                  <a:schemeClr val="tx1">
+                    <a:lumMod val="75000"/>
+                    <a:lumOff val="25000"/>
+                  </a:schemeClr>
+                </a:solidFill>
+                <a:latin typeface="+mn-lt"/>
+                <a:ea typeface="+mn-ea"/>
+                <a:cs typeface="+mn-cs"/>
+              </a:defRPr>
+            </a:lvl7pPr>
+            <a:lvl8pPr marL="1500000" indent="-228600" algn="l" defTabSz="914400" rtl="0" eaLnBrk="1" latinLnBrk="0" hangingPunct="1">
+              <a:lnSpc>
+                <a:spcPct val="90000"/>
+              </a:lnSpc>
+              <a:spcBef>
+                <a:spcPts val="200"/>
+              </a:spcBef>
+              <a:spcAft>
+                <a:spcPts val="400"/>
+              </a:spcAft>
+              <a:buClr>
+                <a:schemeClr val="accent1"/>
+              </a:buClr>
+              <a:buFont typeface="Calibri" pitchFamily="34" charset="0"/>
+              <a:buChar char="◦"/>
+              <a:defRPr sz="1400" kern="1200">
+                <a:solidFill>
+                  <a:schemeClr val="tx1">
+                    <a:lumMod val="75000"/>
+                    <a:lumOff val="25000"/>
+                  </a:schemeClr>
+                </a:solidFill>
+                <a:latin typeface="+mn-lt"/>
+                <a:ea typeface="+mn-ea"/>
+                <a:cs typeface="+mn-cs"/>
+              </a:defRPr>
+            </a:lvl8pPr>
+            <a:lvl9pPr marL="1700000" indent="-228600" algn="l" defTabSz="914400" rtl="0" eaLnBrk="1" latinLnBrk="0" hangingPunct="1">
+              <a:lnSpc>
+                <a:spcPct val="90000"/>
+              </a:lnSpc>
+              <a:spcBef>
+                <a:spcPts val="200"/>
+              </a:spcBef>
+              <a:spcAft>
+                <a:spcPts val="400"/>
+              </a:spcAft>
+              <a:buClr>
+                <a:schemeClr val="accent1"/>
+              </a:buClr>
+              <a:buFont typeface="Calibri" pitchFamily="34" charset="0"/>
+              <a:buChar char="◦"/>
+              <a:defRPr sz="1400" kern="1200">
+                <a:solidFill>
+                  <a:schemeClr val="tx1">
+                    <a:lumMod val="75000"/>
+                    <a:lumOff val="25000"/>
+                  </a:schemeClr>
+                </a:solidFill>
+                <a:latin typeface="+mn-lt"/>
+                <a:ea typeface="+mn-ea"/>
+                <a:cs typeface="+mn-cs"/>
+              </a:defRPr>
+            </a:lvl9pPr>
+          </a:lstStyle>
+          <a:p>
+            <a:r>
+              <a:rPr lang="es-ES" sz="3200" i="1" dirty="0" smtClean="0">
+                <a:effectLst>
+                  <a:outerShdw blurRad="38100" dist="38100" dir="2700000" algn="tl">
+                    <a:srgbClr val="000000">
+                      <a:alpha val="43137"/>
+                    </a:srgbClr>
+                  </a:outerShdw>
+                </a:effectLst>
+              </a:rPr>
+              <a:t>API</a:t>
+            </a:r>
+            <a:endParaRPr lang="es-CL" sz="3200" i="1" dirty="0">
+              <a:effectLst>
+                <a:outerShdw blurRad="38100" dist="38100" dir="2700000" algn="tl">
+                  <a:srgbClr val="000000">
+                    <a:alpha val="43137"/>
+                  </a:srgbClr>
+                </a:outerShdw>
+              </a:effectLst>
+            </a:endParaRPr>
+          </a:p>
+        </p:txBody>
+      </p:sp>
+      <p:sp>
+        <p:nvSpPr>
+          <p:cNvPr id="56" name="Marcador de contenido 2"/>
+          <p:cNvSpPr txBox="1">
+            <a:spLocks/>
+          </p:cNvSpPr>
+          <p:nvPr/>
+        </p:nvSpPr>
+        <p:spPr>
+          <a:xfrm>
+            <a:off x="621477" y="5304944"/>
+            <a:ext cx="11215847" cy="1304046"/>
+          </a:xfrm>
+          <a:prstGeom prst="rect">
+            <a:avLst/>
+          </a:prstGeom>
+        </p:spPr>
+        <p:txBody>
+          <a:bodyPr vert="horz" lIns="0" tIns="45720" rIns="0" bIns="45720" rtlCol="0">
+            <a:noAutofit/>
+          </a:bodyPr>
+          <a:lstStyle>
+            <a:lvl1pPr marL="91440" indent="-91440" algn="l" defTabSz="914400" rtl="0" eaLnBrk="1" latinLnBrk="0" hangingPunct="1">
+              <a:lnSpc>
+                <a:spcPct val="90000"/>
+              </a:lnSpc>
+              <a:spcBef>
+                <a:spcPts val="1200"/>
+              </a:spcBef>
+              <a:spcAft>
+                <a:spcPts val="200"/>
+              </a:spcAft>
+              <a:buClr>
+                <a:schemeClr val="accent1"/>
+              </a:buClr>
+              <a:buSzPct val="100000"/>
+              <a:buFont typeface="Calibri" panose="020F0502020204030204" pitchFamily="34" charset="0"/>
+              <a:buChar char=" "/>
+              <a:defRPr sz="2000" kern="1200">
+                <a:solidFill>
+                  <a:schemeClr val="tx1">
+                    <a:lumMod val="75000"/>
+                    <a:lumOff val="25000"/>
+                  </a:schemeClr>
+                </a:solidFill>
+                <a:latin typeface="+mn-lt"/>
+                <a:ea typeface="+mn-ea"/>
+                <a:cs typeface="+mn-cs"/>
+              </a:defRPr>
+            </a:lvl1pPr>
+            <a:lvl2pPr marL="384048" indent="-182880" algn="l" defTabSz="914400" rtl="0" eaLnBrk="1" latinLnBrk="0" hangingPunct="1">
+              <a:lnSpc>
+                <a:spcPct val="90000"/>
+              </a:lnSpc>
+              <a:spcBef>
+                <a:spcPts val="200"/>
+              </a:spcBef>
+              <a:spcAft>
+                <a:spcPts val="400"/>
+              </a:spcAft>
+              <a:buClr>
+                <a:schemeClr val="accent1"/>
+              </a:buClr>
+              <a:buFont typeface="Calibri" pitchFamily="34" charset="0"/>
+              <a:buChar char="◦"/>
+              <a:defRPr sz="1800" kern="1200">
+                <a:solidFill>
+                  <a:schemeClr val="tx1">
+                    <a:lumMod val="75000"/>
+                    <a:lumOff val="25000"/>
+                  </a:schemeClr>
+                </a:solidFill>
+                <a:latin typeface="+mn-lt"/>
+                <a:ea typeface="+mn-ea"/>
+                <a:cs typeface="+mn-cs"/>
+              </a:defRPr>
+            </a:lvl2pPr>
+            <a:lvl3pPr marL="566928" indent="-182880" algn="l" defTabSz="914400" rtl="0" eaLnBrk="1" latinLnBrk="0" hangingPunct="1">
+              <a:lnSpc>
+                <a:spcPct val="90000"/>
+              </a:lnSpc>
+              <a:spcBef>
+                <a:spcPts val="200"/>
+              </a:spcBef>
+              <a:spcAft>
+                <a:spcPts val="400"/>
+              </a:spcAft>
+              <a:buClr>
+                <a:schemeClr val="accent1"/>
+              </a:buClr>
+              <a:buFont typeface="Calibri" pitchFamily="34" charset="0"/>
+              <a:buChar char="◦"/>
+              <a:defRPr sz="1400" kern="1200">
+                <a:solidFill>
+                  <a:schemeClr val="tx1">
+                    <a:lumMod val="75000"/>
+                    <a:lumOff val="25000"/>
+                  </a:schemeClr>
+                </a:solidFill>
+                <a:latin typeface="+mn-lt"/>
+                <a:ea typeface="+mn-ea"/>
+                <a:cs typeface="+mn-cs"/>
+              </a:defRPr>
+            </a:lvl3pPr>
+            <a:lvl4pPr marL="749808" indent="-182880" algn="l" defTabSz="914400" rtl="0" eaLnBrk="1" latinLnBrk="0" hangingPunct="1">
+              <a:lnSpc>
+                <a:spcPct val="90000"/>
+              </a:lnSpc>
+              <a:spcBef>
+                <a:spcPts val="200"/>
+              </a:spcBef>
+              <a:spcAft>
+                <a:spcPts val="400"/>
+              </a:spcAft>
+              <a:buClr>
+                <a:schemeClr val="accent1"/>
+              </a:buClr>
+              <a:buFont typeface="Calibri" pitchFamily="34" charset="0"/>
+              <a:buChar char="◦"/>
+              <a:defRPr sz="1400" kern="1200">
+                <a:solidFill>
+                  <a:schemeClr val="tx1">
+                    <a:lumMod val="75000"/>
+                    <a:lumOff val="25000"/>
+                  </a:schemeClr>
+                </a:solidFill>
+                <a:latin typeface="+mn-lt"/>
+                <a:ea typeface="+mn-ea"/>
+                <a:cs typeface="+mn-cs"/>
+              </a:defRPr>
+            </a:lvl4pPr>
+            <a:lvl5pPr marL="932688" indent="-182880" algn="l" defTabSz="914400" rtl="0" eaLnBrk="1" latinLnBrk="0" hangingPunct="1">
+              <a:lnSpc>
+                <a:spcPct val="90000"/>
+              </a:lnSpc>
+              <a:spcBef>
+                <a:spcPts val="200"/>
+              </a:spcBef>
+              <a:spcAft>
+                <a:spcPts val="400"/>
+              </a:spcAft>
+              <a:buClr>
+                <a:schemeClr val="accent1"/>
+              </a:buClr>
+              <a:buFont typeface="Calibri" pitchFamily="34" charset="0"/>
+              <a:buChar char="◦"/>
+              <a:defRPr sz="1400" kern="1200">
+                <a:solidFill>
+                  <a:schemeClr val="tx1">
+                    <a:lumMod val="75000"/>
+                    <a:lumOff val="25000"/>
+                  </a:schemeClr>
+                </a:solidFill>
+                <a:latin typeface="+mn-lt"/>
+                <a:ea typeface="+mn-ea"/>
+                <a:cs typeface="+mn-cs"/>
+              </a:defRPr>
+            </a:lvl5pPr>
+            <a:lvl6pPr marL="1100000" indent="-228600" algn="l" defTabSz="914400" rtl="0" eaLnBrk="1" latinLnBrk="0" hangingPunct="1">
+              <a:lnSpc>
+                <a:spcPct val="90000"/>
+              </a:lnSpc>
+              <a:spcBef>
+                <a:spcPts val="200"/>
+              </a:spcBef>
+              <a:spcAft>
+                <a:spcPts val="400"/>
+              </a:spcAft>
+              <a:buClr>
+                <a:schemeClr val="accent1"/>
+              </a:buClr>
+              <a:buFont typeface="Calibri" pitchFamily="34" charset="0"/>
+              <a:buChar char="◦"/>
+              <a:defRPr sz="1400" kern="1200">
+                <a:solidFill>
+                  <a:schemeClr val="tx1">
+                    <a:lumMod val="75000"/>
+                    <a:lumOff val="25000"/>
+                  </a:schemeClr>
+                </a:solidFill>
+                <a:latin typeface="+mn-lt"/>
+                <a:ea typeface="+mn-ea"/>
+                <a:cs typeface="+mn-cs"/>
+              </a:defRPr>
+            </a:lvl6pPr>
+            <a:lvl7pPr marL="1300000" indent="-228600" algn="l" defTabSz="914400" rtl="0" eaLnBrk="1" latinLnBrk="0" hangingPunct="1">
+              <a:lnSpc>
+                <a:spcPct val="90000"/>
+              </a:lnSpc>
+              <a:spcBef>
+                <a:spcPts val="200"/>
+              </a:spcBef>
+              <a:spcAft>
+                <a:spcPts val="400"/>
+              </a:spcAft>
+              <a:buClr>
+                <a:schemeClr val="accent1"/>
+              </a:buClr>
+              <a:buFont typeface="Calibri" pitchFamily="34" charset="0"/>
+              <a:buChar char="◦"/>
+              <a:defRPr sz="1400" kern="1200">
+                <a:solidFill>
+                  <a:schemeClr val="tx1">
+                    <a:lumMod val="75000"/>
+                    <a:lumOff val="25000"/>
+                  </a:schemeClr>
+                </a:solidFill>
+                <a:latin typeface="+mn-lt"/>
+                <a:ea typeface="+mn-ea"/>
+                <a:cs typeface="+mn-cs"/>
+              </a:defRPr>
+            </a:lvl7pPr>
+            <a:lvl8pPr marL="1500000" indent="-228600" algn="l" defTabSz="914400" rtl="0" eaLnBrk="1" latinLnBrk="0" hangingPunct="1">
+              <a:lnSpc>
+                <a:spcPct val="90000"/>
+              </a:lnSpc>
+              <a:spcBef>
+                <a:spcPts val="200"/>
+              </a:spcBef>
+              <a:spcAft>
+                <a:spcPts val="400"/>
+              </a:spcAft>
+              <a:buClr>
+                <a:schemeClr val="accent1"/>
+              </a:buClr>
+              <a:buFont typeface="Calibri" pitchFamily="34" charset="0"/>
+              <a:buChar char="◦"/>
+              <a:defRPr sz="1400" kern="1200">
+                <a:solidFill>
+                  <a:schemeClr val="tx1">
+                    <a:lumMod val="75000"/>
+                    <a:lumOff val="25000"/>
+                  </a:schemeClr>
+                </a:solidFill>
+                <a:latin typeface="+mn-lt"/>
+                <a:ea typeface="+mn-ea"/>
+                <a:cs typeface="+mn-cs"/>
+              </a:defRPr>
+            </a:lvl8pPr>
+            <a:lvl9pPr marL="1700000" indent="-228600" algn="l" defTabSz="914400" rtl="0" eaLnBrk="1" latinLnBrk="0" hangingPunct="1">
+              <a:lnSpc>
+                <a:spcPct val="90000"/>
+              </a:lnSpc>
+              <a:spcBef>
+                <a:spcPts val="200"/>
+              </a:spcBef>
+              <a:spcAft>
+                <a:spcPts val="400"/>
+              </a:spcAft>
+              <a:buClr>
+                <a:schemeClr val="accent1"/>
+              </a:buClr>
+              <a:buFont typeface="Calibri" pitchFamily="34" charset="0"/>
+              <a:buChar char="◦"/>
+              <a:defRPr sz="1400" kern="1200">
+                <a:solidFill>
+                  <a:schemeClr val="tx1">
+                    <a:lumMod val="75000"/>
+                    <a:lumOff val="25000"/>
+                  </a:schemeClr>
+                </a:solidFill>
+                <a:latin typeface="+mn-lt"/>
+                <a:ea typeface="+mn-ea"/>
+                <a:cs typeface="+mn-cs"/>
+              </a:defRPr>
+            </a:lvl9pPr>
+          </a:lstStyle>
+          <a:p>
+            <a:r>
+              <a:rPr lang="es-ES" sz="1400" i="1" dirty="0" smtClean="0"/>
+              <a:t>ORM: </a:t>
+            </a:r>
+            <a:r>
+              <a:rPr lang="es-ES" sz="1400" i="1" dirty="0" err="1" smtClean="0"/>
+              <a:t>Entity</a:t>
+            </a:r>
+            <a:r>
+              <a:rPr lang="es-ES" sz="1400" i="1" dirty="0" smtClean="0"/>
+              <a:t> Framework, </a:t>
+            </a:r>
+            <a:r>
+              <a:rPr lang="es-ES" sz="1400" i="1" dirty="0" err="1" smtClean="0"/>
+              <a:t>Sequelize</a:t>
+            </a:r>
+            <a:r>
+              <a:rPr lang="es-ES" sz="1400" i="1" dirty="0" smtClean="0"/>
+              <a:t>, etc.</a:t>
+            </a:r>
+          </a:p>
+          <a:p>
+            <a:r>
+              <a:rPr lang="es-ES" sz="1400" i="1" dirty="0" smtClean="0"/>
+              <a:t>BACK END: .NET, (</a:t>
+            </a:r>
+            <a:r>
+              <a:rPr lang="es-ES" sz="1400" i="1" dirty="0" err="1" smtClean="0"/>
+              <a:t>node</a:t>
+            </a:r>
+            <a:r>
+              <a:rPr lang="es-ES" sz="1400" i="1" dirty="0" smtClean="0"/>
+              <a:t> </a:t>
+            </a:r>
+            <a:r>
+              <a:rPr lang="es-ES" sz="1400" i="1" dirty="0" err="1" smtClean="0"/>
+              <a:t>js</a:t>
+            </a:r>
+            <a:r>
+              <a:rPr lang="es-ES" sz="1400" i="1" dirty="0" smtClean="0"/>
+              <a:t>)</a:t>
+            </a:r>
+          </a:p>
+          <a:p>
+            <a:r>
+              <a:rPr lang="es-ES" sz="1400" i="1" dirty="0" smtClean="0"/>
+              <a:t>FRONT END: NEXT.JS (REACT)</a:t>
+            </a:r>
+            <a:endParaRPr lang="es-CL" sz="1400" i="1" dirty="0"/>
+          </a:p>
+        </p:txBody>
+      </p:sp>
+    </p:spTree>
+    <p:extLst>
+      <p:ext uri="{BB962C8B-B14F-4D97-AF65-F5344CB8AC3E}">
+        <p14:creationId xmlns:p14="http://schemas.microsoft.com/office/powerpoint/2010/main" val="2595883883"/>
+      </p:ext>
+    </p:extLst>
+  </p:cSld>
+  <p:clrMapOvr>
+    <a:masterClrMapping/>
+  </p:clrMapOvr>
+</p:sld>
+</file>
+
+<file path=ppt/slides/slide4.xml><?xml version="1.0" encoding="utf-8"?>
 <p:sld xmlns:a="http://schemas.openxmlformats.org/drawingml/2006/main" xmlns:r="http://schemas.openxmlformats.org/officeDocument/2006/relationships" xmlns:p="http://schemas.openxmlformats.org/presentationml/2006/main">
   <p:cSld>
     <p:spTree>
@@ -4014,60 +7744,13 @@
   <p:clrMapOvr>
     <a:masterClrMapping/>
   </p:clrMapOvr>
-</p:sld>
-</file>
-
-<file path=ppt/slides/slide4.xml><?xml version="1.0" encoding="utf-8"?>
-<p:sld xmlns:a="http://schemas.openxmlformats.org/drawingml/2006/main" xmlns:r="http://schemas.openxmlformats.org/officeDocument/2006/relationships" xmlns:p="http://schemas.openxmlformats.org/presentationml/2006/main">
-  <p:cSld>
-    <p:spTree>
-      <p:nvGrpSpPr>
-        <p:cNvPr id="1" name=""/>
-        <p:cNvGrpSpPr/>
-        <p:nvPr/>
-      </p:nvGrpSpPr>
-      <p:grpSpPr>
-        <a:xfrm>
-          <a:off x="0" y="0"/>
-          <a:ext cx="0" cy="0"/>
-          <a:chOff x="0" y="0"/>
-          <a:chExt cx="0" cy="0"/>
-        </a:xfrm>
-      </p:grpSpPr>
-      <p:pic>
-        <p:nvPicPr>
-          <p:cNvPr id="4" name="Imagen 3"/>
-          <p:cNvPicPr>
-            <a:picLocks noChangeAspect="1"/>
-          </p:cNvPicPr>
-          <p:nvPr/>
-        </p:nvPicPr>
-        <p:blipFill>
-          <a:blip r:embed="rId2"/>
-          <a:stretch>
-            <a:fillRect/>
-          </a:stretch>
-        </p:blipFill>
-        <p:spPr>
-          <a:xfrm>
-            <a:off x="1656438" y="1015230"/>
-            <a:ext cx="8134926" cy="3164884"/>
-          </a:xfrm>
-          <a:prstGeom prst="rect">
-            <a:avLst/>
-          </a:prstGeom>
-        </p:spPr>
-      </p:pic>
-    </p:spTree>
-    <p:extLst>
-      <p:ext uri="{BB962C8B-B14F-4D97-AF65-F5344CB8AC3E}">
-        <p14:creationId xmlns:p14="http://schemas.microsoft.com/office/powerpoint/2010/main" val="1388839997"/>
-      </p:ext>
-    </p:extLst>
-  </p:cSld>
-  <p:clrMapOvr>
-    <a:masterClrMapping/>
-  </p:clrMapOvr>
+  <p:timing>
+    <p:tnLst>
+      <p:par>
+        <p:cTn id="1" dur="indefinite" restart="never" nodeType="tmRoot"/>
+      </p:par>
+    </p:tnLst>
+  </p:timing>
 </p:sld>
 </file>
 
@@ -4100,18 +7783,28 @@
         </p:nvSpPr>
         <p:spPr/>
         <p:txBody>
-          <a:bodyPr/>
+          <a:bodyPr>
+            <a:normAutofit/>
+          </a:bodyPr>
           <a:lstStyle/>
           <a:p>
             <a:r>
-              <a:rPr lang="es-ES" dirty="0" err="1" smtClean="0"/>
-              <a:t>API’s</a:t>
-            </a:r>
-            <a:r>
-              <a:rPr lang="es-ES" dirty="0" smtClean="0"/>
-              <a:t> Ejemplos</a:t>
-            </a:r>
-            <a:endParaRPr lang="es-CL" dirty="0"/>
+              <a:rPr lang="es-ES" sz="4000" dirty="0" smtClean="0"/>
+              <a:t>Beneficios de utilizar una arquitectura que separa el Back </a:t>
+            </a:r>
+            <a:r>
+              <a:rPr lang="es-ES" sz="4000" dirty="0" err="1" smtClean="0"/>
+              <a:t>End</a:t>
+            </a:r>
+            <a:r>
+              <a:rPr lang="es-ES" sz="4000" dirty="0" smtClean="0"/>
+              <a:t> del Front </a:t>
+            </a:r>
+            <a:r>
+              <a:rPr lang="es-ES" sz="4000" dirty="0" err="1" smtClean="0"/>
+              <a:t>End</a:t>
+            </a:r>
+            <a:endParaRPr lang="es-CL" sz="4000" dirty="0"/>
           </a:p>
         </p:txBody>
       </p:sp>
@@ -4125,100 +7818,1059 @@
             <p:ph idx="1"/>
           </p:nvPr>
         </p:nvSpPr>
-        <p:spPr/>
+        <p:spPr>
+          <a:xfrm>
+            <a:off x="1097280" y="2020302"/>
+            <a:ext cx="10823171" cy="4023360"/>
+          </a:xfrm>
+        </p:spPr>
         <p:txBody>
-          <a:bodyPr/>
+          <a:bodyPr>
+            <a:normAutofit fontScale="70000" lnSpcReduction="20000"/>
+          </a:bodyPr>
           <a:lstStyle/>
           <a:p>
-            <a:r>
-              <a:rPr lang="es-CL" dirty="0" err="1">
-                <a:hlinkClick r:id="rId2"/>
+            <a:pPr marL="457200" indent="-457200">
+              <a:buFont typeface="+mj-lt"/>
+              <a:buAutoNum type="arabicPeriod"/>
+            </a:pPr>
+            <a:r>
+              <a:rPr lang="es-CL" sz="3200" b="1" dirty="0">
+                <a:solidFill>
+                  <a:srgbClr val="00B050"/>
+                </a:solidFill>
+                <a:effectLst>
+                  <a:outerShdw blurRad="38100" dist="38100" dir="2700000" algn="tl">
+                    <a:srgbClr val="000000">
+                      <a:alpha val="43137"/>
+                    </a:srgbClr>
+                  </a:outerShdw>
+                </a:effectLst>
               </a:rPr>
-              <a:t>PokéAPI</a:t>
-            </a:r>
-            <a:r>
-              <a:rPr lang="es-CL" dirty="0">
-                <a:hlinkClick r:id="rId2"/>
+              <a:t>Separación de </a:t>
+            </a:r>
+            <a:r>
+              <a:rPr lang="es-CL" sz="3200" b="1" dirty="0" smtClean="0">
+                <a:solidFill>
+                  <a:srgbClr val="00B050"/>
+                </a:solidFill>
+                <a:effectLst>
+                  <a:outerShdw blurRad="38100" dist="38100" dir="2700000" algn="tl">
+                    <a:srgbClr val="000000">
+                      <a:alpha val="43137"/>
+                    </a:srgbClr>
+                  </a:outerShdw>
+                </a:effectLst>
               </a:rPr>
-              <a:t> (pokeapi.co</a:t>
-            </a:r>
-            <a:r>
-              <a:rPr lang="es-CL" dirty="0" smtClean="0">
-                <a:hlinkClick r:id="rId2"/>
+              <a:t>responsabilidades</a:t>
+            </a:r>
+            <a:r>
+              <a:rPr lang="es-CL" sz="3200" dirty="0" smtClean="0"/>
+              <a:t>.</a:t>
+            </a:r>
+          </a:p>
+          <a:p>
+            <a:pPr marL="457200" indent="-457200">
+              <a:buFont typeface="+mj-lt"/>
+              <a:buAutoNum type="arabicPeriod"/>
+            </a:pPr>
+            <a:r>
+              <a:rPr lang="es-CL" sz="3200" b="1" dirty="0">
+                <a:solidFill>
+                  <a:srgbClr val="7030A0"/>
+                </a:solidFill>
+                <a:effectLst>
+                  <a:outerShdw blurRad="38100" dist="38100" dir="2700000" algn="tl">
+                    <a:srgbClr val="000000">
+                      <a:alpha val="43137"/>
+                    </a:srgbClr>
+                  </a:outerShdw>
+                </a:effectLst>
               </a:rPr>
-              <a:t>)</a:t>
-            </a:r>
-            <a:endParaRPr lang="es-CL" dirty="0" smtClean="0"/>
-          </a:p>
-          <a:p>
-            <a:endParaRPr lang="es-ES" dirty="0"/>
-          </a:p>
-          <a:p>
-            <a:r>
-              <a:rPr lang="es-CL" dirty="0">
-                <a:hlinkClick r:id="rId3"/>
+              <a:t>Reutilización </a:t>
+            </a:r>
+            <a:r>
+              <a:rPr lang="es-CL" sz="3200" b="1" dirty="0" smtClean="0">
+                <a:solidFill>
+                  <a:srgbClr val="7030A0"/>
+                </a:solidFill>
+                <a:effectLst>
+                  <a:outerShdw blurRad="38100" dist="38100" dir="2700000" algn="tl">
+                    <a:srgbClr val="000000">
+                      <a:alpha val="43137"/>
+                    </a:srgbClr>
+                  </a:outerShdw>
+                </a:effectLst>
               </a:rPr>
-              <a:t>REST </a:t>
-            </a:r>
-            <a:r>
-              <a:rPr lang="es-CL" dirty="0" err="1" smtClean="0">
-                <a:hlinkClick r:id="rId3"/>
+              <a:t>de código</a:t>
+            </a:r>
+            <a:r>
+              <a:rPr lang="es-CL" sz="3200" dirty="0" smtClean="0"/>
+              <a:t>.</a:t>
+            </a:r>
+          </a:p>
+          <a:p>
+            <a:pPr marL="457200" indent="-457200">
+              <a:buFont typeface="+mj-lt"/>
+              <a:buAutoNum type="arabicPeriod"/>
+            </a:pPr>
+            <a:r>
+              <a:rPr lang="es-ES" sz="3200" b="1" dirty="0">
+                <a:solidFill>
+                  <a:srgbClr val="002060"/>
+                </a:solidFill>
+                <a:effectLst>
+                  <a:outerShdw blurRad="38100" dist="38100" dir="2700000" algn="tl">
+                    <a:srgbClr val="000000">
+                      <a:alpha val="43137"/>
+                    </a:srgbClr>
+                  </a:outerShdw>
+                </a:effectLst>
               </a:rPr>
-              <a:t>Countries</a:t>
-            </a:r>
-            <a:endParaRPr lang="es-CL" dirty="0" smtClean="0"/>
-          </a:p>
-          <a:p>
-            <a:endParaRPr lang="es-ES" dirty="0"/>
-          </a:p>
-          <a:p>
-            <a:r>
-              <a:rPr lang="es-CL" dirty="0" err="1">
-                <a:hlinkClick r:id="rId4"/>
+              <a:t>Escalabilidad</a:t>
+            </a:r>
+            <a:r>
+              <a:rPr lang="es-ES" dirty="0"/>
+              <a:t>: </a:t>
+            </a:r>
+            <a:r>
+              <a:rPr lang="es-ES" dirty="0" smtClean="0"/>
+              <a:t>(Escalar </a:t>
+            </a:r>
+            <a:r>
+              <a:rPr lang="es-ES" dirty="0"/>
+              <a:t>el </a:t>
+            </a:r>
+            <a:r>
+              <a:rPr lang="es-ES" dirty="0" err="1"/>
+              <a:t>front-end</a:t>
+            </a:r>
+            <a:r>
+              <a:rPr lang="es-ES" dirty="0"/>
+              <a:t> y el back-</a:t>
+            </a:r>
+            <a:r>
+              <a:rPr lang="es-ES" dirty="0" err="1"/>
+              <a:t>end</a:t>
+            </a:r>
+            <a:r>
+              <a:rPr lang="es-ES" dirty="0"/>
+              <a:t> de forma </a:t>
+            </a:r>
+            <a:r>
+              <a:rPr lang="es-ES" dirty="0" smtClean="0"/>
+              <a:t>independiente).</a:t>
+            </a:r>
+          </a:p>
+          <a:p>
+            <a:pPr marL="457200" indent="-457200">
+              <a:buFont typeface="+mj-lt"/>
+              <a:buAutoNum type="arabicPeriod"/>
+            </a:pPr>
+            <a:r>
+              <a:rPr lang="es-CL" sz="3200" b="1" dirty="0">
+                <a:solidFill>
+                  <a:schemeClr val="accent2">
+                    <a:lumMod val="75000"/>
+                  </a:schemeClr>
+                </a:solidFill>
+                <a:effectLst>
+                  <a:outerShdw blurRad="38100" dist="38100" dir="2700000" algn="tl">
+                    <a:srgbClr val="000000">
+                      <a:alpha val="43137"/>
+                    </a:srgbClr>
+                  </a:outerShdw>
+                </a:effectLst>
               </a:rPr>
-              <a:t>Playground</a:t>
-            </a:r>
-            <a:r>
-              <a:rPr lang="es-CL" dirty="0">
-                <a:hlinkClick r:id="rId4"/>
+              <a:t>Tecnologías </a:t>
+            </a:r>
+            <a:r>
+              <a:rPr lang="es-CL" sz="3200" b="1" dirty="0" smtClean="0">
+                <a:solidFill>
+                  <a:schemeClr val="accent2">
+                    <a:lumMod val="75000"/>
+                  </a:schemeClr>
+                </a:solidFill>
+                <a:effectLst>
+                  <a:outerShdw blurRad="38100" dist="38100" dir="2700000" algn="tl">
+                    <a:srgbClr val="000000">
+                      <a:alpha val="43137"/>
+                    </a:srgbClr>
+                  </a:outerShdw>
+                </a:effectLst>
               </a:rPr>
-              <a:t> - </a:t>
-            </a:r>
-            <a:r>
-              <a:rPr lang="es-CL" dirty="0" err="1">
-                <a:hlinkClick r:id="rId4"/>
+              <a:t>independientes</a:t>
+            </a:r>
+            <a:r>
+              <a:rPr lang="es-CL" dirty="0" smtClean="0"/>
+              <a:t>: </a:t>
+            </a:r>
+            <a:r>
+              <a:rPr lang="es-ES" dirty="0" smtClean="0"/>
+              <a:t>Elegir </a:t>
+            </a:r>
+            <a:r>
+              <a:rPr lang="es-ES" dirty="0"/>
+              <a:t>las mejores tecnologías para cada capa de la aplicación</a:t>
+            </a:r>
+            <a:r>
+              <a:rPr lang="es-ES" dirty="0" smtClean="0"/>
+              <a:t>.</a:t>
+            </a:r>
+          </a:p>
+          <a:p>
+            <a:pPr marL="457200" indent="-457200">
+              <a:buFont typeface="+mj-lt"/>
+              <a:buAutoNum type="arabicPeriod"/>
+            </a:pPr>
+            <a:r>
+              <a:rPr lang="es-ES" sz="3200" b="1" dirty="0">
+                <a:solidFill>
+                  <a:srgbClr val="FF0000"/>
+                </a:solidFill>
+                <a:effectLst>
+                  <a:outerShdw blurRad="38100" dist="38100" dir="2700000" algn="tl">
+                    <a:srgbClr val="000000">
+                      <a:alpha val="43137"/>
+                    </a:srgbClr>
+                  </a:outerShdw>
+                </a:effectLst>
               </a:rPr>
-              <a:t>OpenAI</a:t>
-            </a:r>
-            <a:r>
-              <a:rPr lang="es-CL" dirty="0">
-                <a:hlinkClick r:id="rId4"/>
+              <a:t>Seguridad</a:t>
+            </a:r>
+            <a:r>
+              <a:rPr lang="es-ES" dirty="0"/>
+              <a:t>: Permite aplicar medidas de seguridad en el back-</a:t>
+            </a:r>
+            <a:r>
+              <a:rPr lang="es-ES" dirty="0" err="1"/>
+              <a:t>end</a:t>
+            </a:r>
+            <a:r>
+              <a:rPr lang="es-ES" dirty="0"/>
+              <a:t> y facilita la implementación de autenticación y autorización</a:t>
+            </a:r>
+            <a:r>
+              <a:rPr lang="es-ES" dirty="0" smtClean="0"/>
+              <a:t>.</a:t>
+            </a:r>
+          </a:p>
+          <a:p>
+            <a:pPr marL="457200" indent="-457200">
+              <a:buFont typeface="+mj-lt"/>
+              <a:buAutoNum type="arabicPeriod"/>
+            </a:pPr>
+            <a:r>
+              <a:rPr lang="es-ES" sz="3200" b="1" dirty="0">
+                <a:solidFill>
+                  <a:schemeClr val="accent5">
+                    <a:lumMod val="75000"/>
+                  </a:schemeClr>
+                </a:solidFill>
+                <a:effectLst>
+                  <a:outerShdw blurRad="38100" dist="38100" dir="2700000" algn="tl">
+                    <a:srgbClr val="000000">
+                      <a:alpha val="43137"/>
+                    </a:srgbClr>
+                  </a:outerShdw>
+                </a:effectLst>
               </a:rPr>
-              <a:t> </a:t>
-            </a:r>
-            <a:r>
-              <a:rPr lang="es-CL" dirty="0" smtClean="0">
-                <a:hlinkClick r:id="rId4"/>
+              <a:t>Documentación clara</a:t>
+            </a:r>
+            <a:r>
+              <a:rPr lang="es-ES" dirty="0"/>
+              <a:t>: Las </a:t>
+            </a:r>
+            <a:r>
+              <a:rPr lang="es-ES" dirty="0" err="1"/>
+              <a:t>APIs</a:t>
+            </a:r>
+            <a:r>
+              <a:rPr lang="es-ES" dirty="0"/>
+              <a:t> REST suelen estar bien documentadas, facilitando su uso por parte de desarrolladores y terceros</a:t>
+            </a:r>
+            <a:r>
+              <a:rPr lang="es-ES" dirty="0" smtClean="0"/>
+              <a:t>.</a:t>
+            </a:r>
+          </a:p>
+          <a:p>
+            <a:pPr marL="457200" indent="-457200">
+              <a:buFont typeface="+mj-lt"/>
+              <a:buAutoNum type="arabicPeriod"/>
+            </a:pPr>
+            <a:r>
+              <a:rPr lang="es-ES" sz="3600" b="1" dirty="0">
+                <a:solidFill>
+                  <a:srgbClr val="00B0F0"/>
+                </a:solidFill>
+                <a:effectLst>
+                  <a:outerShdw blurRad="38100" dist="38100" dir="2700000" algn="tl">
+                    <a:srgbClr val="000000">
+                      <a:alpha val="43137"/>
+                    </a:srgbClr>
+                  </a:outerShdw>
+                </a:effectLst>
               </a:rPr>
-              <a:t>API</a:t>
-            </a:r>
-            <a:r>
-              <a:rPr lang="es-CL" dirty="0" smtClean="0"/>
-              <a:t> (GPT API)</a:t>
-            </a:r>
-          </a:p>
-          <a:p>
-            <a:pPr marL="0" indent="0">
-              <a:buNone/>
+              <a:t>Velocidad de desarrollo</a:t>
+            </a:r>
+            <a:r>
+              <a:rPr lang="es-ES" dirty="0"/>
+              <a:t>: Posibilita el desarrollo paralelo del </a:t>
+            </a:r>
+            <a:r>
+              <a:rPr lang="es-ES" dirty="0" err="1"/>
+              <a:t>front-end</a:t>
+            </a:r>
+            <a:r>
+              <a:rPr lang="es-ES" dirty="0"/>
+              <a:t> y el back-</a:t>
+            </a:r>
+            <a:r>
+              <a:rPr lang="es-ES" dirty="0" err="1"/>
+              <a:t>end</a:t>
+            </a:r>
+            <a:r>
+              <a:rPr lang="es-ES" dirty="0"/>
+              <a:t>, acelerando el proceso</a:t>
+            </a:r>
+            <a:r>
+              <a:rPr lang="es-ES" dirty="0" smtClean="0"/>
+              <a:t>.</a:t>
+            </a:r>
+          </a:p>
+          <a:p>
+            <a:pPr marL="457200" indent="-457200">
+              <a:buFont typeface="+mj-lt"/>
+              <a:buAutoNum type="arabicPeriod"/>
             </a:pPr>
-            <a:endParaRPr lang="es-CL" u="sng" dirty="0"/>
+            <a:r>
+              <a:rPr lang="es-ES" sz="3600" dirty="0">
+                <a:solidFill>
+                  <a:srgbClr val="FFC000"/>
+                </a:solidFill>
+                <a:effectLst>
+                  <a:outerShdw blurRad="38100" dist="38100" dir="2700000" algn="tl">
+                    <a:srgbClr val="000000">
+                      <a:alpha val="43137"/>
+                    </a:srgbClr>
+                  </a:outerShdw>
+                </a:effectLst>
+              </a:rPr>
+              <a:t>Flexibilidad</a:t>
+            </a:r>
+            <a:r>
+              <a:rPr lang="es-ES" dirty="0"/>
+              <a:t>: Las </a:t>
+            </a:r>
+            <a:r>
+              <a:rPr lang="es-ES" dirty="0" err="1"/>
+              <a:t>APIs</a:t>
+            </a:r>
+            <a:r>
+              <a:rPr lang="es-ES" dirty="0"/>
+              <a:t> REST son independientes del cliente y pueden ser consumidas por cualquier cliente que haga solicitudes HTTP, lo que facilita la integración con otros sistemas y servicios.</a:t>
+            </a:r>
+            <a:endParaRPr lang="es-ES" dirty="0" smtClean="0"/>
           </a:p>
         </p:txBody>
       </p:sp>
     </p:spTree>
     <p:extLst>
       <p:ext uri="{BB962C8B-B14F-4D97-AF65-F5344CB8AC3E}">
-        <p14:creationId xmlns:p14="http://schemas.microsoft.com/office/powerpoint/2010/main" val="3858131119"/>
+        <p14:creationId xmlns:p14="http://schemas.microsoft.com/office/powerpoint/2010/main" val="4085705789"/>
+      </p:ext>
+    </p:extLst>
+  </p:cSld>
+  <p:clrMapOvr>
+    <a:masterClrMapping/>
+  </p:clrMapOvr>
+  <p:timing>
+    <p:tnLst>
+      <p:par>
+        <p:cTn id="1" dur="indefinite" restart="never" nodeType="tmRoot"/>
+      </p:par>
+    </p:tnLst>
+  </p:timing>
+</p:sld>
+</file>
+
+<file path=ppt/slides/slide6.xml><?xml version="1.0" encoding="utf-8"?>
+<p:sld xmlns:a="http://schemas.openxmlformats.org/drawingml/2006/main" xmlns:r="http://schemas.openxmlformats.org/officeDocument/2006/relationships" xmlns:p="http://schemas.openxmlformats.org/presentationml/2006/main">
+  <p:cSld>
+    <p:spTree>
+      <p:nvGrpSpPr>
+        <p:cNvPr id="1" name=""/>
+        <p:cNvGrpSpPr/>
+        <p:nvPr/>
+      </p:nvGrpSpPr>
+      <p:grpSpPr>
+        <a:xfrm>
+          <a:off x="0" y="0"/>
+          <a:ext cx="0" cy="0"/>
+          <a:chOff x="0" y="0"/>
+          <a:chExt cx="0" cy="0"/>
+        </a:xfrm>
+      </p:grpSpPr>
+      <p:sp>
+        <p:nvSpPr>
+          <p:cNvPr id="2" name="Título 1"/>
+          <p:cNvSpPr>
+            <a:spLocks noGrp="1"/>
+          </p:cNvSpPr>
+          <p:nvPr>
+            <p:ph type="title"/>
+          </p:nvPr>
+        </p:nvSpPr>
+        <p:spPr/>
+        <p:txBody>
+          <a:bodyPr/>
+          <a:lstStyle/>
+          <a:p>
+            <a:r>
+              <a:rPr lang="es-ES" dirty="0" smtClean="0"/>
+              <a:t>Tecnologías propuestas</a:t>
+            </a:r>
+            <a:endParaRPr lang="es-CL" dirty="0"/>
+          </a:p>
+        </p:txBody>
+      </p:sp>
+      <p:sp>
+        <p:nvSpPr>
+          <p:cNvPr id="3" name="Marcador de contenido 2"/>
+          <p:cNvSpPr>
+            <a:spLocks noGrp="1"/>
+          </p:cNvSpPr>
+          <p:nvPr>
+            <p:ph idx="1"/>
+          </p:nvPr>
+        </p:nvSpPr>
+        <p:spPr>
+          <a:xfrm>
+            <a:off x="374072" y="1845734"/>
+            <a:ext cx="11504815" cy="4023360"/>
+          </a:xfrm>
+        </p:spPr>
+        <p:txBody>
+          <a:bodyPr/>
+          <a:lstStyle/>
+          <a:p>
+            <a:pPr marL="457200" indent="-457200">
+              <a:buFont typeface="+mj-lt"/>
+              <a:buAutoNum type="arabicPeriod"/>
+            </a:pPr>
+            <a:r>
+              <a:rPr lang="es-ES" sz="2400" dirty="0" smtClean="0">
+                <a:effectLst>
+                  <a:outerShdw blurRad="38100" dist="38100" dir="2700000" algn="tl">
+                    <a:srgbClr val="000000">
+                      <a:alpha val="43137"/>
+                    </a:srgbClr>
+                  </a:outerShdw>
+                </a:effectLst>
+              </a:rPr>
+              <a:t>FRONT END: NEXT.JS (REACT)</a:t>
+            </a:r>
+          </a:p>
+          <a:p>
+            <a:pPr marL="457200" indent="-457200">
+              <a:buFont typeface="+mj-lt"/>
+              <a:buAutoNum type="arabicPeriod"/>
+            </a:pPr>
+            <a:r>
+              <a:rPr lang="es-ES" sz="2400" dirty="0" smtClean="0">
+                <a:effectLst>
+                  <a:outerShdw blurRad="38100" dist="38100" dir="2700000" algn="tl">
+                    <a:srgbClr val="000000">
+                      <a:alpha val="43137"/>
+                    </a:srgbClr>
+                  </a:outerShdw>
+                </a:effectLst>
+              </a:rPr>
+              <a:t>BACKEND: .NET 6, Node.JS (Proyectos pequeños), .NET Framework (Proyectos </a:t>
+            </a:r>
+            <a:r>
+              <a:rPr lang="es-ES" sz="2400" dirty="0" err="1" smtClean="0">
+                <a:effectLst>
+                  <a:outerShdw blurRad="38100" dist="38100" dir="2700000" algn="tl">
+                    <a:srgbClr val="000000">
+                      <a:alpha val="43137"/>
+                    </a:srgbClr>
+                  </a:outerShdw>
+                </a:effectLst>
+              </a:rPr>
+              <a:t>Legacy</a:t>
+            </a:r>
+            <a:r>
+              <a:rPr lang="es-ES" sz="2400" dirty="0" smtClean="0">
+                <a:effectLst>
+                  <a:outerShdw blurRad="38100" dist="38100" dir="2700000" algn="tl">
+                    <a:srgbClr val="000000">
+                      <a:alpha val="43137"/>
+                    </a:srgbClr>
+                  </a:outerShdw>
+                </a:effectLst>
+              </a:rPr>
+              <a:t>).</a:t>
+            </a:r>
+          </a:p>
+          <a:p>
+            <a:pPr marL="457200" indent="-457200">
+              <a:buFont typeface="+mj-lt"/>
+              <a:buAutoNum type="arabicPeriod"/>
+            </a:pPr>
+            <a:endParaRPr lang="es-CL" dirty="0">
+              <a:effectLst>
+                <a:outerShdw blurRad="38100" dist="38100" dir="2700000" algn="tl">
+                  <a:srgbClr val="000000">
+                    <a:alpha val="43137"/>
+                  </a:srgbClr>
+                </a:outerShdw>
+              </a:effectLst>
+            </a:endParaRPr>
+          </a:p>
+        </p:txBody>
+      </p:sp>
+    </p:spTree>
+    <p:extLst>
+      <p:ext uri="{BB962C8B-B14F-4D97-AF65-F5344CB8AC3E}">
+        <p14:creationId xmlns:p14="http://schemas.microsoft.com/office/powerpoint/2010/main" val="499168790"/>
+      </p:ext>
+    </p:extLst>
+  </p:cSld>
+  <p:clrMapOvr>
+    <a:masterClrMapping/>
+  </p:clrMapOvr>
+  <p:timing>
+    <p:tnLst>
+      <p:par>
+        <p:cTn id="1" dur="indefinite" restart="never" nodeType="tmRoot"/>
+      </p:par>
+    </p:tnLst>
+  </p:timing>
+</p:sld>
+</file>
+
+<file path=ppt/slides/slide7.xml><?xml version="1.0" encoding="utf-8"?>
+<p:sld xmlns:a="http://schemas.openxmlformats.org/drawingml/2006/main" xmlns:r="http://schemas.openxmlformats.org/officeDocument/2006/relationships" xmlns:p="http://schemas.openxmlformats.org/presentationml/2006/main">
+  <p:cSld>
+    <p:spTree>
+      <p:nvGrpSpPr>
+        <p:cNvPr id="1" name=""/>
+        <p:cNvGrpSpPr/>
+        <p:nvPr/>
+      </p:nvGrpSpPr>
+      <p:grpSpPr>
+        <a:xfrm>
+          <a:off x="0" y="0"/>
+          <a:ext cx="0" cy="0"/>
+          <a:chOff x="0" y="0"/>
+          <a:chExt cx="0" cy="0"/>
+        </a:xfrm>
+      </p:grpSpPr>
+      <p:pic>
+        <p:nvPicPr>
+          <p:cNvPr id="4" name="Marcador de contenido 3"/>
+          <p:cNvPicPr>
+            <a:picLocks noGrp="1" noChangeAspect="1"/>
+          </p:cNvPicPr>
+          <p:nvPr>
+            <p:ph idx="1"/>
+          </p:nvPr>
+        </p:nvPicPr>
+        <p:blipFill>
+          <a:blip r:embed="rId2"/>
+          <a:stretch>
+            <a:fillRect/>
+          </a:stretch>
+        </p:blipFill>
+        <p:spPr>
+          <a:xfrm>
+            <a:off x="3018073" y="1915048"/>
+            <a:ext cx="1774213" cy="1802375"/>
+          </a:xfrm>
+          <a:prstGeom prst="rect">
+            <a:avLst/>
+          </a:prstGeom>
+        </p:spPr>
+      </p:pic>
+      <p:sp>
+        <p:nvSpPr>
+          <p:cNvPr id="5" name="Marcador de contenido 2"/>
+          <p:cNvSpPr txBox="1">
+            <a:spLocks/>
+          </p:cNvSpPr>
+          <p:nvPr/>
+        </p:nvSpPr>
+        <p:spPr>
+          <a:xfrm>
+            <a:off x="621478" y="4739678"/>
+            <a:ext cx="11224158" cy="1304046"/>
+          </a:xfrm>
+          <a:prstGeom prst="rect">
+            <a:avLst/>
+          </a:prstGeom>
+        </p:spPr>
+        <p:txBody>
+          <a:bodyPr vert="horz" lIns="0" tIns="45720" rIns="0" bIns="45720" rtlCol="0">
+            <a:noAutofit/>
+          </a:bodyPr>
+          <a:lstStyle>
+            <a:lvl1pPr marL="91440" indent="-91440" algn="l" defTabSz="914400" rtl="0" eaLnBrk="1" latinLnBrk="0" hangingPunct="1">
+              <a:lnSpc>
+                <a:spcPct val="90000"/>
+              </a:lnSpc>
+              <a:spcBef>
+                <a:spcPts val="1200"/>
+              </a:spcBef>
+              <a:spcAft>
+                <a:spcPts val="200"/>
+              </a:spcAft>
+              <a:buClr>
+                <a:schemeClr val="accent1"/>
+              </a:buClr>
+              <a:buSzPct val="100000"/>
+              <a:buFont typeface="Calibri" panose="020F0502020204030204" pitchFamily="34" charset="0"/>
+              <a:buChar char=" "/>
+              <a:defRPr sz="2000" kern="1200">
+                <a:solidFill>
+                  <a:schemeClr val="tx1">
+                    <a:lumMod val="75000"/>
+                    <a:lumOff val="25000"/>
+                  </a:schemeClr>
+                </a:solidFill>
+                <a:latin typeface="+mn-lt"/>
+                <a:ea typeface="+mn-ea"/>
+                <a:cs typeface="+mn-cs"/>
+              </a:defRPr>
+            </a:lvl1pPr>
+            <a:lvl2pPr marL="384048" indent="-182880" algn="l" defTabSz="914400" rtl="0" eaLnBrk="1" latinLnBrk="0" hangingPunct="1">
+              <a:lnSpc>
+                <a:spcPct val="90000"/>
+              </a:lnSpc>
+              <a:spcBef>
+                <a:spcPts val="200"/>
+              </a:spcBef>
+              <a:spcAft>
+                <a:spcPts val="400"/>
+              </a:spcAft>
+              <a:buClr>
+                <a:schemeClr val="accent1"/>
+              </a:buClr>
+              <a:buFont typeface="Calibri" pitchFamily="34" charset="0"/>
+              <a:buChar char="◦"/>
+              <a:defRPr sz="1800" kern="1200">
+                <a:solidFill>
+                  <a:schemeClr val="tx1">
+                    <a:lumMod val="75000"/>
+                    <a:lumOff val="25000"/>
+                  </a:schemeClr>
+                </a:solidFill>
+                <a:latin typeface="+mn-lt"/>
+                <a:ea typeface="+mn-ea"/>
+                <a:cs typeface="+mn-cs"/>
+              </a:defRPr>
+            </a:lvl2pPr>
+            <a:lvl3pPr marL="566928" indent="-182880" algn="l" defTabSz="914400" rtl="0" eaLnBrk="1" latinLnBrk="0" hangingPunct="1">
+              <a:lnSpc>
+                <a:spcPct val="90000"/>
+              </a:lnSpc>
+              <a:spcBef>
+                <a:spcPts val="200"/>
+              </a:spcBef>
+              <a:spcAft>
+                <a:spcPts val="400"/>
+              </a:spcAft>
+              <a:buClr>
+                <a:schemeClr val="accent1"/>
+              </a:buClr>
+              <a:buFont typeface="Calibri" pitchFamily="34" charset="0"/>
+              <a:buChar char="◦"/>
+              <a:defRPr sz="1400" kern="1200">
+                <a:solidFill>
+                  <a:schemeClr val="tx1">
+                    <a:lumMod val="75000"/>
+                    <a:lumOff val="25000"/>
+                  </a:schemeClr>
+                </a:solidFill>
+                <a:latin typeface="+mn-lt"/>
+                <a:ea typeface="+mn-ea"/>
+                <a:cs typeface="+mn-cs"/>
+              </a:defRPr>
+            </a:lvl3pPr>
+            <a:lvl4pPr marL="749808" indent="-182880" algn="l" defTabSz="914400" rtl="0" eaLnBrk="1" latinLnBrk="0" hangingPunct="1">
+              <a:lnSpc>
+                <a:spcPct val="90000"/>
+              </a:lnSpc>
+              <a:spcBef>
+                <a:spcPts val="200"/>
+              </a:spcBef>
+              <a:spcAft>
+                <a:spcPts val="400"/>
+              </a:spcAft>
+              <a:buClr>
+                <a:schemeClr val="accent1"/>
+              </a:buClr>
+              <a:buFont typeface="Calibri" pitchFamily="34" charset="0"/>
+              <a:buChar char="◦"/>
+              <a:defRPr sz="1400" kern="1200">
+                <a:solidFill>
+                  <a:schemeClr val="tx1">
+                    <a:lumMod val="75000"/>
+                    <a:lumOff val="25000"/>
+                  </a:schemeClr>
+                </a:solidFill>
+                <a:latin typeface="+mn-lt"/>
+                <a:ea typeface="+mn-ea"/>
+                <a:cs typeface="+mn-cs"/>
+              </a:defRPr>
+            </a:lvl4pPr>
+            <a:lvl5pPr marL="932688" indent="-182880" algn="l" defTabSz="914400" rtl="0" eaLnBrk="1" latinLnBrk="0" hangingPunct="1">
+              <a:lnSpc>
+                <a:spcPct val="90000"/>
+              </a:lnSpc>
+              <a:spcBef>
+                <a:spcPts val="200"/>
+              </a:spcBef>
+              <a:spcAft>
+                <a:spcPts val="400"/>
+              </a:spcAft>
+              <a:buClr>
+                <a:schemeClr val="accent1"/>
+              </a:buClr>
+              <a:buFont typeface="Calibri" pitchFamily="34" charset="0"/>
+              <a:buChar char="◦"/>
+              <a:defRPr sz="1400" kern="1200">
+                <a:solidFill>
+                  <a:schemeClr val="tx1">
+                    <a:lumMod val="75000"/>
+                    <a:lumOff val="25000"/>
+                  </a:schemeClr>
+                </a:solidFill>
+                <a:latin typeface="+mn-lt"/>
+                <a:ea typeface="+mn-ea"/>
+                <a:cs typeface="+mn-cs"/>
+              </a:defRPr>
+            </a:lvl5pPr>
+            <a:lvl6pPr marL="1100000" indent="-228600" algn="l" defTabSz="914400" rtl="0" eaLnBrk="1" latinLnBrk="0" hangingPunct="1">
+              <a:lnSpc>
+                <a:spcPct val="90000"/>
+              </a:lnSpc>
+              <a:spcBef>
+                <a:spcPts val="200"/>
+              </a:spcBef>
+              <a:spcAft>
+                <a:spcPts val="400"/>
+              </a:spcAft>
+              <a:buClr>
+                <a:schemeClr val="accent1"/>
+              </a:buClr>
+              <a:buFont typeface="Calibri" pitchFamily="34" charset="0"/>
+              <a:buChar char="◦"/>
+              <a:defRPr sz="1400" kern="1200">
+                <a:solidFill>
+                  <a:schemeClr val="tx1">
+                    <a:lumMod val="75000"/>
+                    <a:lumOff val="25000"/>
+                  </a:schemeClr>
+                </a:solidFill>
+                <a:latin typeface="+mn-lt"/>
+                <a:ea typeface="+mn-ea"/>
+                <a:cs typeface="+mn-cs"/>
+              </a:defRPr>
+            </a:lvl6pPr>
+            <a:lvl7pPr marL="1300000" indent="-228600" algn="l" defTabSz="914400" rtl="0" eaLnBrk="1" latinLnBrk="0" hangingPunct="1">
+              <a:lnSpc>
+                <a:spcPct val="90000"/>
+              </a:lnSpc>
+              <a:spcBef>
+                <a:spcPts val="200"/>
+              </a:spcBef>
+              <a:spcAft>
+                <a:spcPts val="400"/>
+              </a:spcAft>
+              <a:buClr>
+                <a:schemeClr val="accent1"/>
+              </a:buClr>
+              <a:buFont typeface="Calibri" pitchFamily="34" charset="0"/>
+              <a:buChar char="◦"/>
+              <a:defRPr sz="1400" kern="1200">
+                <a:solidFill>
+                  <a:schemeClr val="tx1">
+                    <a:lumMod val="75000"/>
+                    <a:lumOff val="25000"/>
+                  </a:schemeClr>
+                </a:solidFill>
+                <a:latin typeface="+mn-lt"/>
+                <a:ea typeface="+mn-ea"/>
+                <a:cs typeface="+mn-cs"/>
+              </a:defRPr>
+            </a:lvl7pPr>
+            <a:lvl8pPr marL="1500000" indent="-228600" algn="l" defTabSz="914400" rtl="0" eaLnBrk="1" latinLnBrk="0" hangingPunct="1">
+              <a:lnSpc>
+                <a:spcPct val="90000"/>
+              </a:lnSpc>
+              <a:spcBef>
+                <a:spcPts val="200"/>
+              </a:spcBef>
+              <a:spcAft>
+                <a:spcPts val="400"/>
+              </a:spcAft>
+              <a:buClr>
+                <a:schemeClr val="accent1"/>
+              </a:buClr>
+              <a:buFont typeface="Calibri" pitchFamily="34" charset="0"/>
+              <a:buChar char="◦"/>
+              <a:defRPr sz="1400" kern="1200">
+                <a:solidFill>
+                  <a:schemeClr val="tx1">
+                    <a:lumMod val="75000"/>
+                    <a:lumOff val="25000"/>
+                  </a:schemeClr>
+                </a:solidFill>
+                <a:latin typeface="+mn-lt"/>
+                <a:ea typeface="+mn-ea"/>
+                <a:cs typeface="+mn-cs"/>
+              </a:defRPr>
+            </a:lvl8pPr>
+            <a:lvl9pPr marL="1700000" indent="-228600" algn="l" defTabSz="914400" rtl="0" eaLnBrk="1" latinLnBrk="0" hangingPunct="1">
+              <a:lnSpc>
+                <a:spcPct val="90000"/>
+              </a:lnSpc>
+              <a:spcBef>
+                <a:spcPts val="200"/>
+              </a:spcBef>
+              <a:spcAft>
+                <a:spcPts val="400"/>
+              </a:spcAft>
+              <a:buClr>
+                <a:schemeClr val="accent1"/>
+              </a:buClr>
+              <a:buFont typeface="Calibri" pitchFamily="34" charset="0"/>
+              <a:buChar char="◦"/>
+              <a:defRPr sz="1400" kern="1200">
+                <a:solidFill>
+                  <a:schemeClr val="tx1">
+                    <a:lumMod val="75000"/>
+                    <a:lumOff val="25000"/>
+                  </a:schemeClr>
+                </a:solidFill>
+                <a:latin typeface="+mn-lt"/>
+                <a:ea typeface="+mn-ea"/>
+                <a:cs typeface="+mn-cs"/>
+              </a:defRPr>
+            </a:lvl9pPr>
+          </a:lstStyle>
+          <a:p>
+            <a:pPr marL="342900" indent="-342900">
+              <a:buFont typeface="+mj-lt"/>
+              <a:buAutoNum type="arabicPeriod"/>
+            </a:pPr>
+            <a:r>
+              <a:rPr lang="es-ES" sz="1400" i="1" dirty="0" smtClean="0"/>
+              <a:t>Mover opciones de procedimientos almacenados que están en la BD para convertirlos en </a:t>
+            </a:r>
+            <a:r>
+              <a:rPr lang="es-ES" sz="1400" i="1" dirty="0" err="1" smtClean="0"/>
+              <a:t>endpoint</a:t>
+            </a:r>
+            <a:r>
+              <a:rPr lang="es-ES" sz="1400" i="1" dirty="0" smtClean="0"/>
+              <a:t> de la API y luego integrarlos a .NET Framework.</a:t>
+            </a:r>
+          </a:p>
+          <a:p>
+            <a:pPr marL="342900" indent="-342900">
+              <a:buFont typeface="+mj-lt"/>
+              <a:buAutoNum type="arabicPeriod"/>
+            </a:pPr>
+            <a:r>
+              <a:rPr lang="es-ES" sz="1400" i="1" dirty="0" smtClean="0"/>
+              <a:t>Dejar los proyectos </a:t>
+            </a:r>
+            <a:r>
+              <a:rPr lang="es-ES" sz="1400" i="1" dirty="0" err="1" smtClean="0"/>
+              <a:t>Legacy</a:t>
+            </a:r>
+            <a:r>
+              <a:rPr lang="es-ES" sz="1400" i="1" dirty="0" smtClean="0"/>
+              <a:t> en su funcionamiento actual y Nuevos </a:t>
+            </a:r>
+            <a:r>
+              <a:rPr lang="es-ES" sz="1400" i="1" dirty="0" err="1" smtClean="0"/>
+              <a:t>modulos</a:t>
+            </a:r>
+            <a:r>
+              <a:rPr lang="es-ES" sz="1400" i="1" dirty="0" smtClean="0"/>
+              <a:t> realizarlos en la nueva arquitectura.</a:t>
+            </a:r>
+            <a:endParaRPr lang="es-CL" sz="1400" i="1" dirty="0"/>
+          </a:p>
+        </p:txBody>
+      </p:sp>
+      <p:pic>
+        <p:nvPicPr>
+          <p:cNvPr id="6" name="Marcador de contenido 3"/>
+          <p:cNvPicPr>
+            <a:picLocks noChangeAspect="1"/>
+          </p:cNvPicPr>
+          <p:nvPr/>
+        </p:nvPicPr>
+        <p:blipFill>
+          <a:blip r:embed="rId3"/>
+          <a:stretch>
+            <a:fillRect/>
+          </a:stretch>
+        </p:blipFill>
+        <p:spPr>
+          <a:xfrm>
+            <a:off x="6824232" y="2071128"/>
+            <a:ext cx="1164300" cy="1646295"/>
+          </a:xfrm>
+          <a:prstGeom prst="rect">
+            <a:avLst/>
+          </a:prstGeom>
+        </p:spPr>
+      </p:pic>
+      <p:cxnSp>
+        <p:nvCxnSpPr>
+          <p:cNvPr id="7" name="Conector recto de flecha 6"/>
+          <p:cNvCxnSpPr/>
+          <p:nvPr/>
+        </p:nvCxnSpPr>
+        <p:spPr>
+          <a:xfrm>
+            <a:off x="4937760" y="2703165"/>
+            <a:ext cx="1811657" cy="78040"/>
+          </a:xfrm>
+          <a:prstGeom prst="straightConnector1">
+            <a:avLst/>
+          </a:prstGeom>
+          <a:ln>
+            <a:tailEnd type="triangle"/>
+          </a:ln>
+        </p:spPr>
+        <p:style>
+          <a:lnRef idx="1">
+            <a:schemeClr val="accent5"/>
+          </a:lnRef>
+          <a:fillRef idx="0">
+            <a:schemeClr val="accent5"/>
+          </a:fillRef>
+          <a:effectRef idx="0">
+            <a:schemeClr val="accent5"/>
+          </a:effectRef>
+          <a:fontRef idx="minor">
+            <a:schemeClr val="tx1"/>
+          </a:fontRef>
+        </p:style>
+      </p:cxnSp>
+      <p:cxnSp>
+        <p:nvCxnSpPr>
+          <p:cNvPr id="8" name="Conector recto de flecha 7"/>
+          <p:cNvCxnSpPr/>
+          <p:nvPr/>
+        </p:nvCxnSpPr>
+        <p:spPr>
+          <a:xfrm flipH="1" flipV="1">
+            <a:off x="4937760" y="3167149"/>
+            <a:ext cx="1811658" cy="179321"/>
+          </a:xfrm>
+          <a:prstGeom prst="straightConnector1">
+            <a:avLst/>
+          </a:prstGeom>
+          <a:ln>
+            <a:tailEnd type="triangle"/>
+          </a:ln>
+        </p:spPr>
+        <p:style>
+          <a:lnRef idx="1">
+            <a:schemeClr val="accent1"/>
+          </a:lnRef>
+          <a:fillRef idx="0">
+            <a:schemeClr val="accent1"/>
+          </a:fillRef>
+          <a:effectRef idx="0">
+            <a:schemeClr val="accent1"/>
+          </a:effectRef>
+          <a:fontRef idx="minor">
+            <a:schemeClr val="tx1"/>
+          </a:fontRef>
+        </p:style>
+      </p:cxnSp>
+      <p:pic>
+        <p:nvPicPr>
+          <p:cNvPr id="2050" name="Picture 2" descr="management "/>
+          <p:cNvPicPr>
+            <a:picLocks noChangeAspect="1" noChangeArrowheads="1"/>
+          </p:cNvPicPr>
+          <p:nvPr/>
+        </p:nvPicPr>
+        <p:blipFill>
+          <a:blip r:embed="rId4">
+            <a:extLst>
+              <a:ext uri="{28A0092B-C50C-407E-A947-70E740481C1C}">
+                <a14:useLocalDpi xmlns:a14="http://schemas.microsoft.com/office/drawing/2010/main" val="0"/>
+              </a:ext>
+            </a:extLst>
+          </a:blip>
+          <a:srcRect/>
+          <a:stretch>
+            <a:fillRect/>
+          </a:stretch>
+        </p:blipFill>
+        <p:spPr bwMode="auto">
+          <a:xfrm>
+            <a:off x="5333741" y="1773941"/>
+            <a:ext cx="784427" cy="784428"/>
+          </a:xfrm>
+          <a:prstGeom prst="rect">
+            <a:avLst/>
+          </a:prstGeom>
+          <a:noFill/>
+          <a:extLst>
+            <a:ext uri="{909E8E84-426E-40DD-AFC4-6F175D3DCCD1}">
+              <a14:hiddenFill xmlns:a14="http://schemas.microsoft.com/office/drawing/2010/main">
+                <a:solidFill>
+                  <a:srgbClr val="FFFFFF"/>
+                </a:solidFill>
+              </a14:hiddenFill>
+            </a:ext>
+          </a:extLst>
+        </p:spPr>
+      </p:pic>
+      <p:sp>
+        <p:nvSpPr>
+          <p:cNvPr id="13" name="Título 1"/>
+          <p:cNvSpPr>
+            <a:spLocks noGrp="1"/>
+          </p:cNvSpPr>
+          <p:nvPr>
+            <p:ph type="title"/>
+          </p:nvPr>
+        </p:nvSpPr>
+        <p:spPr>
+          <a:xfrm>
+            <a:off x="1097280" y="286603"/>
+            <a:ext cx="10058400" cy="1450757"/>
+          </a:xfrm>
+        </p:spPr>
+        <p:txBody>
+          <a:bodyPr/>
+          <a:lstStyle/>
+          <a:p>
+            <a:r>
+              <a:rPr lang="es-ES" dirty="0" smtClean="0"/>
+              <a:t>Opciones para migración</a:t>
+            </a:r>
+            <a:endParaRPr lang="es-CL" dirty="0"/>
+          </a:p>
+        </p:txBody>
+      </p:sp>
+    </p:spTree>
+    <p:extLst>
+      <p:ext uri="{BB962C8B-B14F-4D97-AF65-F5344CB8AC3E}">
+        <p14:creationId xmlns:p14="http://schemas.microsoft.com/office/powerpoint/2010/main" val="3420731838"/>
       </p:ext>
     </p:extLst>
   </p:cSld>

--- a/Concepto API REST.pptx
+++ b/Concepto API REST.pptx
@@ -344,7 +344,7 @@
           <a:p>
             <a:fld id="{C55BE0CB-692D-44C4-82FE-CECFCF2E7B4B}" type="datetimeFigureOut">
               <a:rPr lang="es-CL" smtClean="0"/>
-              <a:t>28-09-2023</a:t>
+              <a:t>29-09-2023</a:t>
             </a:fld>
             <a:endParaRPr lang="es-CL"/>
           </a:p>
@@ -552,7 +552,7 @@
           <a:p>
             <a:fld id="{C55BE0CB-692D-44C4-82FE-CECFCF2E7B4B}" type="datetimeFigureOut">
               <a:rPr lang="es-CL" smtClean="0"/>
-              <a:t>28-09-2023</a:t>
+              <a:t>29-09-2023</a:t>
             </a:fld>
             <a:endParaRPr lang="es-CL"/>
           </a:p>
@@ -808,7 +808,7 @@
           <a:p>
             <a:fld id="{C55BE0CB-692D-44C4-82FE-CECFCF2E7B4B}" type="datetimeFigureOut">
               <a:rPr lang="es-CL" smtClean="0"/>
-              <a:t>28-09-2023</a:t>
+              <a:t>29-09-2023</a:t>
             </a:fld>
             <a:endParaRPr lang="es-CL"/>
           </a:p>
@@ -982,7 +982,7 @@
           <a:p>
             <a:fld id="{C55BE0CB-692D-44C4-82FE-CECFCF2E7B4B}" type="datetimeFigureOut">
               <a:rPr lang="es-CL" smtClean="0"/>
-              <a:t>28-09-2023</a:t>
+              <a:t>29-09-2023</a:t>
             </a:fld>
             <a:endParaRPr lang="es-CL"/>
           </a:p>
@@ -1325,7 +1325,7 @@
           <a:p>
             <a:fld id="{C55BE0CB-692D-44C4-82FE-CECFCF2E7B4B}" type="datetimeFigureOut">
               <a:rPr lang="es-CL" smtClean="0"/>
-              <a:t>28-09-2023</a:t>
+              <a:t>29-09-2023</a:t>
             </a:fld>
             <a:endParaRPr lang="es-CL"/>
           </a:p>
@@ -1600,7 +1600,7 @@
           <a:p>
             <a:fld id="{C55BE0CB-692D-44C4-82FE-CECFCF2E7B4B}" type="datetimeFigureOut">
               <a:rPr lang="es-CL" smtClean="0"/>
-              <a:t>28-09-2023</a:t>
+              <a:t>29-09-2023</a:t>
             </a:fld>
             <a:endParaRPr lang="es-CL"/>
           </a:p>
@@ -1979,7 +1979,7 @@
           <a:p>
             <a:fld id="{C55BE0CB-692D-44C4-82FE-CECFCF2E7B4B}" type="datetimeFigureOut">
               <a:rPr lang="es-CL" smtClean="0"/>
-              <a:t>28-09-2023</a:t>
+              <a:t>29-09-2023</a:t>
             </a:fld>
             <a:endParaRPr lang="es-CL"/>
           </a:p>
@@ -2097,7 +2097,7 @@
           <a:p>
             <a:fld id="{C55BE0CB-692D-44C4-82FE-CECFCF2E7B4B}" type="datetimeFigureOut">
               <a:rPr lang="es-CL" smtClean="0"/>
-              <a:t>28-09-2023</a:t>
+              <a:t>29-09-2023</a:t>
             </a:fld>
             <a:endParaRPr lang="es-CL"/>
           </a:p>
@@ -2268,7 +2268,7 @@
           <a:p>
             <a:fld id="{C55BE0CB-692D-44C4-82FE-CECFCF2E7B4B}" type="datetimeFigureOut">
               <a:rPr lang="es-CL" smtClean="0"/>
-              <a:t>28-09-2023</a:t>
+              <a:t>29-09-2023</a:t>
             </a:fld>
             <a:endParaRPr lang="es-CL"/>
           </a:p>
@@ -2622,7 +2622,7 @@
           <a:p>
             <a:fld id="{C55BE0CB-692D-44C4-82FE-CECFCF2E7B4B}" type="datetimeFigureOut">
               <a:rPr lang="es-CL" smtClean="0"/>
-              <a:t>28-09-2023</a:t>
+              <a:t>29-09-2023</a:t>
             </a:fld>
             <a:endParaRPr lang="es-CL"/>
           </a:p>
@@ -3004,7 +3004,7 @@
           <a:p>
             <a:fld id="{C55BE0CB-692D-44C4-82FE-CECFCF2E7B4B}" type="datetimeFigureOut">
               <a:rPr lang="es-CL" smtClean="0"/>
-              <a:t>28-09-2023</a:t>
+              <a:t>29-09-2023</a:t>
             </a:fld>
             <a:endParaRPr lang="es-CL"/>
           </a:p>
@@ -3291,7 +3291,7 @@
           <a:p>
             <a:fld id="{C55BE0CB-692D-44C4-82FE-CECFCF2E7B4B}" type="datetimeFigureOut">
               <a:rPr lang="es-CL" smtClean="0"/>
-              <a:t>28-09-2023</a:t>
+              <a:t>29-09-2023</a:t>
             </a:fld>
             <a:endParaRPr lang="es-CL"/>
           </a:p>
@@ -4012,8 +4012,8 @@
         </p:blipFill>
         <p:spPr>
           <a:xfrm>
-            <a:off x="4870938" y="2302251"/>
-            <a:ext cx="1771897" cy="2505425"/>
+            <a:off x="5034111" y="2314208"/>
+            <a:ext cx="1471673" cy="2080915"/>
           </a:xfrm>
           <a:prstGeom prst="rect">
             <a:avLst/>
@@ -7680,6 +7680,54 @@
           </a:p>
         </p:txBody>
       </p:sp>
+      <p:pic>
+        <p:nvPicPr>
+          <p:cNvPr id="32" name="Marcador de contenido 3"/>
+          <p:cNvPicPr>
+            <a:picLocks noChangeAspect="1"/>
+          </p:cNvPicPr>
+          <p:nvPr/>
+        </p:nvPicPr>
+        <p:blipFill>
+          <a:blip r:embed="rId2"/>
+          <a:stretch>
+            <a:fillRect/>
+          </a:stretch>
+        </p:blipFill>
+        <p:spPr>
+          <a:xfrm>
+            <a:off x="4452626" y="4166552"/>
+            <a:ext cx="499677" cy="706533"/>
+          </a:xfrm>
+          <a:prstGeom prst="rect">
+            <a:avLst/>
+          </a:prstGeom>
+        </p:spPr>
+      </p:pic>
+      <p:pic>
+        <p:nvPicPr>
+          <p:cNvPr id="34" name="Marcador de contenido 3"/>
+          <p:cNvPicPr>
+            <a:picLocks noChangeAspect="1"/>
+          </p:cNvPicPr>
+          <p:nvPr/>
+        </p:nvPicPr>
+        <p:blipFill>
+          <a:blip r:embed="rId2"/>
+          <a:stretch>
+            <a:fillRect/>
+          </a:stretch>
+        </p:blipFill>
+        <p:spPr>
+          <a:xfrm>
+            <a:off x="5672771" y="4451330"/>
+            <a:ext cx="499677" cy="706533"/>
+          </a:xfrm>
+          <a:prstGeom prst="rect">
+            <a:avLst/>
+          </a:prstGeom>
+        </p:spPr>
+      </p:pic>
     </p:spTree>
     <p:extLst>
       <p:ext uri="{BB962C8B-B14F-4D97-AF65-F5344CB8AC3E}">
